--- a/BizPlan.pptx
+++ b/BizPlan.pptx
@@ -3434,13 +3434,8 @@
           <a:p>
             <a:r>
               <a:rPr lang="en-US" dirty="0"/>
-              <a:t>1. Would our offering be something that could be ‘sold’ on the AWS (or other CSP</a:t>
-            </a:r>
-            <a:r>
-              <a:rPr lang="en-US"/>
-              <a:t>) marketplace?</a:t>
-            </a:r>
-            <a:endParaRPr lang="en-US" dirty="0"/>
+              <a:t>1. Would our offering be something that could be ‘sold’ on the AWS (or other CSP) marketplace?</a:t>
+            </a:r>
           </a:p>
         </p:txBody>
       </p:sp>
@@ -3494,199 +3489,7 @@
         </p:nvSpPr>
         <p:spPr>
           <a:xfrm>
-            <a:off x="7422993" y="4935619"/>
-            <a:ext cx="2194560" cy="1463040"/>
-          </a:xfrm>
-          <a:prstGeom prst="roundRect">
-            <a:avLst>
-              <a:gd name="adj" fmla="val 8824"/>
-            </a:avLst>
-          </a:prstGeom>
-        </p:spPr>
-        <p:style>
-          <a:lnRef idx="2">
-            <a:schemeClr val="accent2">
-              <a:shade val="15000"/>
-            </a:schemeClr>
-          </a:lnRef>
-          <a:fillRef idx="1">
-            <a:schemeClr val="accent2"/>
-          </a:fillRef>
-          <a:effectRef idx="0">
-            <a:schemeClr val="accent2"/>
-          </a:effectRef>
-          <a:fontRef idx="minor">
-            <a:schemeClr val="lt1"/>
-          </a:fontRef>
-        </p:style>
-        <p:txBody>
-          <a:bodyPr rtlCol="0" anchor="ctr"/>
-          <a:lstStyle/>
-          <a:p>
-            <a:pPr algn="ctr"/>
-            <a:endParaRPr lang="en-US"/>
-          </a:p>
-        </p:txBody>
-      </p:sp>
-      <p:sp>
-        <p:nvSpPr>
-          <p:cNvPr id="7" name="Rectangle: Rounded Corners 6">
-            <a:extLst>
-              <a:ext uri="{FF2B5EF4-FFF2-40B4-BE49-F238E27FC236}">
-                <a16:creationId xmlns:a16="http://schemas.microsoft.com/office/drawing/2014/main" id="{C67CE1D5-CDBB-E00E-431B-2670F78D0DA8}"/>
-              </a:ext>
-            </a:extLst>
-          </p:cNvPr>
-          <p:cNvSpPr/>
-          <p:nvPr/>
-        </p:nvSpPr>
-        <p:spPr>
-          <a:xfrm>
-            <a:off x="9806170" y="4935619"/>
-            <a:ext cx="2194560" cy="1463040"/>
-          </a:xfrm>
-          <a:prstGeom prst="roundRect">
-            <a:avLst>
-              <a:gd name="adj" fmla="val 8824"/>
-            </a:avLst>
-          </a:prstGeom>
-        </p:spPr>
-        <p:style>
-          <a:lnRef idx="2">
-            <a:schemeClr val="accent2">
-              <a:shade val="15000"/>
-            </a:schemeClr>
-          </a:lnRef>
-          <a:fillRef idx="1">
-            <a:schemeClr val="accent2"/>
-          </a:fillRef>
-          <a:effectRef idx="0">
-            <a:schemeClr val="accent2"/>
-          </a:effectRef>
-          <a:fontRef idx="minor">
-            <a:schemeClr val="lt1"/>
-          </a:fontRef>
-        </p:style>
-        <p:txBody>
-          <a:bodyPr rtlCol="0" anchor="ctr"/>
-          <a:lstStyle/>
-          <a:p>
-            <a:pPr algn="ctr"/>
-            <a:endParaRPr lang="en-US"/>
-          </a:p>
-        </p:txBody>
-      </p:sp>
-      <p:sp>
-        <p:nvSpPr>
-          <p:cNvPr id="8" name="Rectangle: Rounded Corners 7">
-            <a:extLst>
-              <a:ext uri="{FF2B5EF4-FFF2-40B4-BE49-F238E27FC236}">
-                <a16:creationId xmlns:a16="http://schemas.microsoft.com/office/drawing/2014/main" id="{5023E984-22B8-58F7-9C77-2938BAF56E1F}"/>
-              </a:ext>
-            </a:extLst>
-          </p:cNvPr>
-          <p:cNvSpPr/>
-          <p:nvPr/>
-        </p:nvSpPr>
-        <p:spPr>
-          <a:xfrm>
-            <a:off x="273465" y="4935619"/>
-            <a:ext cx="2194560" cy="1463040"/>
-          </a:xfrm>
-          <a:prstGeom prst="roundRect">
-            <a:avLst>
-              <a:gd name="adj" fmla="val 8824"/>
-            </a:avLst>
-          </a:prstGeom>
-        </p:spPr>
-        <p:style>
-          <a:lnRef idx="2">
-            <a:schemeClr val="accent4">
-              <a:shade val="15000"/>
-            </a:schemeClr>
-          </a:lnRef>
-          <a:fillRef idx="1">
-            <a:schemeClr val="accent4"/>
-          </a:fillRef>
-          <a:effectRef idx="0">
-            <a:schemeClr val="accent4"/>
-          </a:effectRef>
-          <a:fontRef idx="minor">
-            <a:schemeClr val="lt1"/>
-          </a:fontRef>
-        </p:style>
-        <p:txBody>
-          <a:bodyPr rtlCol="0" anchor="ctr"/>
-          <a:lstStyle/>
-          <a:p>
-            <a:pPr algn="ctr"/>
-            <a:endParaRPr lang="en-US"/>
-          </a:p>
-        </p:txBody>
-      </p:sp>
-      <p:sp>
-        <p:nvSpPr>
-          <p:cNvPr id="9" name="Rectangle: Rounded Corners 8">
-            <a:extLst>
-              <a:ext uri="{FF2B5EF4-FFF2-40B4-BE49-F238E27FC236}">
-                <a16:creationId xmlns:a16="http://schemas.microsoft.com/office/drawing/2014/main" id="{3F6D9C2D-4652-BABE-E500-1E2663D29C64}"/>
-              </a:ext>
-            </a:extLst>
-          </p:cNvPr>
-          <p:cNvSpPr/>
-          <p:nvPr/>
-        </p:nvSpPr>
-        <p:spPr>
-          <a:xfrm>
-            <a:off x="2656641" y="4935619"/>
-            <a:ext cx="2194560" cy="1463040"/>
-          </a:xfrm>
-          <a:prstGeom prst="roundRect">
-            <a:avLst>
-              <a:gd name="adj" fmla="val 8824"/>
-            </a:avLst>
-          </a:prstGeom>
-        </p:spPr>
-        <p:style>
-          <a:lnRef idx="2">
-            <a:schemeClr val="accent4">
-              <a:shade val="15000"/>
-            </a:schemeClr>
-          </a:lnRef>
-          <a:fillRef idx="1">
-            <a:schemeClr val="accent4"/>
-          </a:fillRef>
-          <a:effectRef idx="0">
-            <a:schemeClr val="accent4"/>
-          </a:effectRef>
-          <a:fontRef idx="minor">
-            <a:schemeClr val="lt1"/>
-          </a:fontRef>
-        </p:style>
-        <p:txBody>
-          <a:bodyPr rtlCol="0" anchor="ctr"/>
-          <a:lstStyle/>
-          <a:p>
-            <a:pPr algn="ctr"/>
-            <a:endParaRPr lang="en-US"/>
-          </a:p>
-        </p:txBody>
-      </p:sp>
-      <p:sp>
-        <p:nvSpPr>
-          <p:cNvPr id="10" name="Rectangle: Rounded Corners 9">
-            <a:extLst>
-              <a:ext uri="{FF2B5EF4-FFF2-40B4-BE49-F238E27FC236}">
-                <a16:creationId xmlns:a16="http://schemas.microsoft.com/office/drawing/2014/main" id="{C4ED6244-DAB6-B566-EA67-7343A81368D3}"/>
-              </a:ext>
-            </a:extLst>
-          </p:cNvPr>
-          <p:cNvSpPr/>
-          <p:nvPr/>
-        </p:nvSpPr>
-        <p:spPr>
-          <a:xfrm>
-            <a:off x="5039817" y="4935619"/>
+            <a:off x="7392171" y="4935619"/>
             <a:ext cx="2194560" cy="1463040"/>
           </a:xfrm>
           <a:prstGeom prst="roundRect">
@@ -3710,20 +3513,24 @@
           </a:fontRef>
         </p:style>
         <p:txBody>
-          <a:bodyPr rtlCol="0" anchor="ctr"/>
-          <a:lstStyle/>
-          <a:p>
-            <a:pPr algn="ctr"/>
-            <a:endParaRPr lang="en-US"/>
-          </a:p>
-        </p:txBody>
-      </p:sp>
-      <p:sp>
-        <p:nvSpPr>
-          <p:cNvPr id="12" name="Rectangle: Rounded Corners 11">
-            <a:extLst>
-              <a:ext uri="{FF2B5EF4-FFF2-40B4-BE49-F238E27FC236}">
-                <a16:creationId xmlns:a16="http://schemas.microsoft.com/office/drawing/2014/main" id="{85001FA9-2DF5-4BE0-6A0E-6701ACB5B639}"/>
+          <a:bodyPr rtlCol="0" anchor="t"/>
+          <a:lstStyle/>
+          <a:p>
+            <a:r>
+              <a:rPr lang="en-US" dirty="0">
+                <a:latin typeface="Abadi" panose="020B0604020104020204" pitchFamily="34" charset="0"/>
+              </a:rPr>
+              <a:t>Security</a:t>
+            </a:r>
+          </a:p>
+        </p:txBody>
+      </p:sp>
+      <p:sp>
+        <p:nvSpPr>
+          <p:cNvPr id="7" name="Rectangle: Rounded Corners 6">
+            <a:extLst>
+              <a:ext uri="{FF2B5EF4-FFF2-40B4-BE49-F238E27FC236}">
+                <a16:creationId xmlns:a16="http://schemas.microsoft.com/office/drawing/2014/main" id="{C67CE1D5-CDBB-E00E-431B-2670F78D0DA8}"/>
               </a:ext>
             </a:extLst>
           </p:cNvPr>
@@ -3732,8 +3539,8 @@
         </p:nvSpPr>
         <p:spPr>
           <a:xfrm>
-            <a:off x="2661436" y="459341"/>
-            <a:ext cx="3264612" cy="1174249"/>
+            <a:off x="9775348" y="4935619"/>
+            <a:ext cx="2194560" cy="1463040"/>
           </a:xfrm>
           <a:prstGeom prst="roundRect">
             <a:avLst>
@@ -3742,36 +3549,38 @@
           </a:prstGeom>
         </p:spPr>
         <p:style>
-          <a:lnRef idx="2">
-            <a:schemeClr val="accent6">
-              <a:shade val="15000"/>
-            </a:schemeClr>
+          <a:lnRef idx="1">
+            <a:schemeClr val="dk1"/>
           </a:lnRef>
-          <a:fillRef idx="1">
-            <a:schemeClr val="accent6"/>
+          <a:fillRef idx="2">
+            <a:schemeClr val="dk1"/>
           </a:fillRef>
-          <a:effectRef idx="0">
-            <a:schemeClr val="accent6"/>
+          <a:effectRef idx="1">
+            <a:schemeClr val="dk1"/>
           </a:effectRef>
           <a:fontRef idx="minor">
-            <a:schemeClr val="lt1"/>
+            <a:schemeClr val="dk1"/>
           </a:fontRef>
         </p:style>
         <p:txBody>
-          <a:bodyPr rtlCol="0" anchor="ctr"/>
-          <a:lstStyle/>
-          <a:p>
-            <a:pPr algn="ctr"/>
-            <a:endParaRPr lang="en-US"/>
-          </a:p>
-        </p:txBody>
-      </p:sp>
-      <p:sp>
-        <p:nvSpPr>
-          <p:cNvPr id="13" name="Rectangle: Rounded Corners 12">
-            <a:extLst>
-              <a:ext uri="{FF2B5EF4-FFF2-40B4-BE49-F238E27FC236}">
-                <a16:creationId xmlns:a16="http://schemas.microsoft.com/office/drawing/2014/main" id="{EA5934BD-72F5-FC79-648B-D31090615075}"/>
+          <a:bodyPr rtlCol="0" anchor="t"/>
+          <a:lstStyle/>
+          <a:p>
+            <a:r>
+              <a:rPr lang="en-US" dirty="0">
+                <a:latin typeface="Abadi" panose="020B0604020104020204" pitchFamily="34" charset="0"/>
+              </a:rPr>
+              <a:t>Marketing</a:t>
+            </a:r>
+          </a:p>
+        </p:txBody>
+      </p:sp>
+      <p:sp>
+        <p:nvSpPr>
+          <p:cNvPr id="8" name="Rectangle: Rounded Corners 7">
+            <a:extLst>
+              <a:ext uri="{FF2B5EF4-FFF2-40B4-BE49-F238E27FC236}">
+                <a16:creationId xmlns:a16="http://schemas.microsoft.com/office/drawing/2014/main" id="{5023E984-22B8-58F7-9C77-2938BAF56E1F}"/>
               </a:ext>
             </a:extLst>
           </p:cNvPr>
@@ -3780,8 +3589,8 @@
         </p:nvSpPr>
         <p:spPr>
           <a:xfrm>
-            <a:off x="6265953" y="459341"/>
-            <a:ext cx="3264612" cy="1174249"/>
+            <a:off x="242643" y="4935619"/>
+            <a:ext cx="2194560" cy="1463040"/>
           </a:xfrm>
           <a:prstGeom prst="roundRect">
             <a:avLst>
@@ -3790,36 +3599,38 @@
           </a:prstGeom>
         </p:spPr>
         <p:style>
-          <a:lnRef idx="2">
-            <a:schemeClr val="accent5">
-              <a:shade val="15000"/>
-            </a:schemeClr>
+          <a:lnRef idx="1">
+            <a:schemeClr val="dk1"/>
           </a:lnRef>
-          <a:fillRef idx="1">
-            <a:schemeClr val="accent5"/>
+          <a:fillRef idx="2">
+            <a:schemeClr val="dk1"/>
           </a:fillRef>
-          <a:effectRef idx="0">
-            <a:schemeClr val="accent5"/>
+          <a:effectRef idx="1">
+            <a:schemeClr val="dk1"/>
           </a:effectRef>
           <a:fontRef idx="minor">
-            <a:schemeClr val="lt1"/>
+            <a:schemeClr val="dk1"/>
           </a:fontRef>
         </p:style>
         <p:txBody>
-          <a:bodyPr rtlCol="0" anchor="ctr"/>
-          <a:lstStyle/>
-          <a:p>
-            <a:pPr algn="ctr"/>
-            <a:endParaRPr lang="en-US"/>
-          </a:p>
-        </p:txBody>
-      </p:sp>
-      <p:sp>
-        <p:nvSpPr>
-          <p:cNvPr id="14" name="Rectangle: Rounded Corners 13">
-            <a:extLst>
-              <a:ext uri="{FF2B5EF4-FFF2-40B4-BE49-F238E27FC236}">
-                <a16:creationId xmlns:a16="http://schemas.microsoft.com/office/drawing/2014/main" id="{09EB53E3-1B68-BB75-9ADB-308289FBA6E8}"/>
+          <a:bodyPr rtlCol="0" anchor="t"/>
+          <a:lstStyle/>
+          <a:p>
+            <a:r>
+              <a:rPr lang="en-US" dirty="0">
+                <a:latin typeface="Abadi" panose="020B0604020104020204" pitchFamily="34" charset="0"/>
+              </a:rPr>
+              <a:t>HR</a:t>
+            </a:r>
+          </a:p>
+        </p:txBody>
+      </p:sp>
+      <p:sp>
+        <p:nvSpPr>
+          <p:cNvPr id="9" name="Rectangle: Rounded Corners 8">
+            <a:extLst>
+              <a:ext uri="{FF2B5EF4-FFF2-40B4-BE49-F238E27FC236}">
+                <a16:creationId xmlns:a16="http://schemas.microsoft.com/office/drawing/2014/main" id="{3F6D9C2D-4652-BABE-E500-1E2663D29C64}"/>
               </a:ext>
             </a:extLst>
           </p:cNvPr>
@@ -3828,8 +3639,8 @@
         </p:nvSpPr>
         <p:spPr>
           <a:xfrm>
-            <a:off x="1227335" y="2270246"/>
-            <a:ext cx="9737331" cy="2028717"/>
+            <a:off x="2625819" y="4935619"/>
+            <a:ext cx="2194560" cy="1463040"/>
           </a:xfrm>
           <a:prstGeom prst="roundRect">
             <a:avLst>
@@ -3838,28 +3649,1396 @@
           </a:prstGeom>
         </p:spPr>
         <p:style>
-          <a:lnRef idx="0">
+          <a:lnRef idx="1">
             <a:schemeClr val="dk1"/>
           </a:lnRef>
-          <a:fillRef idx="3">
+          <a:fillRef idx="2">
             <a:schemeClr val="dk1"/>
           </a:fillRef>
-          <a:effectRef idx="3">
+          <a:effectRef idx="1">
             <a:schemeClr val="dk1"/>
           </a:effectRef>
           <a:fontRef idx="minor">
-            <a:schemeClr val="lt1"/>
+            <a:schemeClr val="dk1"/>
           </a:fontRef>
         </p:style>
         <p:txBody>
-          <a:bodyPr rtlCol="0" anchor="ctr"/>
-          <a:lstStyle/>
-          <a:p>
-            <a:pPr algn="ctr"/>
-            <a:endParaRPr lang="en-US"/>
-          </a:p>
-        </p:txBody>
-      </p:sp>
+          <a:bodyPr rtlCol="0" anchor="t"/>
+          <a:lstStyle/>
+          <a:p>
+            <a:r>
+              <a:rPr lang="en-US" dirty="0">
+                <a:latin typeface="Abadi" panose="020B0604020104020204" pitchFamily="34" charset="0"/>
+              </a:rPr>
+              <a:t>Finance</a:t>
+            </a:r>
+          </a:p>
+        </p:txBody>
+      </p:sp>
+      <p:sp>
+        <p:nvSpPr>
+          <p:cNvPr id="10" name="Rectangle: Rounded Corners 9">
+            <a:extLst>
+              <a:ext uri="{FF2B5EF4-FFF2-40B4-BE49-F238E27FC236}">
+                <a16:creationId xmlns:a16="http://schemas.microsoft.com/office/drawing/2014/main" id="{C4ED6244-DAB6-B566-EA67-7343A81368D3}"/>
+              </a:ext>
+            </a:extLst>
+          </p:cNvPr>
+          <p:cNvSpPr/>
+          <p:nvPr/>
+        </p:nvSpPr>
+        <p:spPr>
+          <a:xfrm>
+            <a:off x="5008995" y="4935619"/>
+            <a:ext cx="2194560" cy="1463040"/>
+          </a:xfrm>
+          <a:prstGeom prst="roundRect">
+            <a:avLst>
+              <a:gd name="adj" fmla="val 8824"/>
+            </a:avLst>
+          </a:prstGeom>
+        </p:spPr>
+        <p:style>
+          <a:lnRef idx="1">
+            <a:schemeClr val="dk1"/>
+          </a:lnRef>
+          <a:fillRef idx="2">
+            <a:schemeClr val="dk1"/>
+          </a:fillRef>
+          <a:effectRef idx="1">
+            <a:schemeClr val="dk1"/>
+          </a:effectRef>
+          <a:fontRef idx="minor">
+            <a:schemeClr val="dk1"/>
+          </a:fontRef>
+        </p:style>
+        <p:txBody>
+          <a:bodyPr rtlCol="0" anchor="t"/>
+          <a:lstStyle/>
+          <a:p>
+            <a:r>
+              <a:rPr lang="en-US" dirty="0">
+                <a:latin typeface="Abadi" panose="020B0604020104020204" pitchFamily="34" charset="0"/>
+              </a:rPr>
+              <a:t>Sales</a:t>
+            </a:r>
+          </a:p>
+        </p:txBody>
+      </p:sp>
+      <p:sp>
+        <p:nvSpPr>
+          <p:cNvPr id="14" name="Rectangle: Rounded Corners 13">
+            <a:extLst>
+              <a:ext uri="{FF2B5EF4-FFF2-40B4-BE49-F238E27FC236}">
+                <a16:creationId xmlns:a16="http://schemas.microsoft.com/office/drawing/2014/main" id="{09EB53E3-1B68-BB75-9ADB-308289FBA6E8}"/>
+              </a:ext>
+            </a:extLst>
+          </p:cNvPr>
+          <p:cNvSpPr/>
+          <p:nvPr/>
+        </p:nvSpPr>
+        <p:spPr>
+          <a:xfrm>
+            <a:off x="2650093" y="2206074"/>
+            <a:ext cx="7707116" cy="2028717"/>
+          </a:xfrm>
+          <a:prstGeom prst="roundRect">
+            <a:avLst>
+              <a:gd name="adj" fmla="val 8824"/>
+            </a:avLst>
+          </a:prstGeom>
+        </p:spPr>
+        <p:style>
+          <a:lnRef idx="1">
+            <a:schemeClr val="dk1"/>
+          </a:lnRef>
+          <a:fillRef idx="2">
+            <a:schemeClr val="dk1"/>
+          </a:fillRef>
+          <a:effectRef idx="1">
+            <a:schemeClr val="dk1"/>
+          </a:effectRef>
+          <a:fontRef idx="minor">
+            <a:schemeClr val="dk1"/>
+          </a:fontRef>
+        </p:style>
+        <p:txBody>
+          <a:bodyPr rtlCol="0" anchor="t"/>
+          <a:lstStyle/>
+          <a:p>
+            <a:r>
+              <a:rPr lang="en-US" dirty="0" err="1">
+                <a:latin typeface="Abadi" panose="020B0604020104020204" pitchFamily="34" charset="0"/>
+              </a:rPr>
+              <a:t>NewCo</a:t>
+            </a:r>
+            <a:r>
+              <a:rPr lang="en-US" dirty="0">
+                <a:latin typeface="Abadi" panose="020B0604020104020204" pitchFamily="34" charset="0"/>
+              </a:rPr>
+              <a:t> Solution</a:t>
+            </a:r>
+          </a:p>
+        </p:txBody>
+      </p:sp>
+      <p:pic>
+        <p:nvPicPr>
+          <p:cNvPr id="1026" name="Picture 2">
+            <a:extLst>
+              <a:ext uri="{FF2B5EF4-FFF2-40B4-BE49-F238E27FC236}">
+                <a16:creationId xmlns:a16="http://schemas.microsoft.com/office/drawing/2014/main" id="{80E26751-2C24-98D3-2F31-B7CBDF0C2B28}"/>
+              </a:ext>
+            </a:extLst>
+          </p:cNvPr>
+          <p:cNvPicPr>
+            <a:picLocks noChangeAspect="1" noChangeArrowheads="1"/>
+          </p:cNvPicPr>
+          <p:nvPr/>
+        </p:nvPicPr>
+        <p:blipFill>
+          <a:blip r:embed="rId2">
+            <a:extLst>
+              <a:ext uri="{28A0092B-C50C-407E-A947-70E740481C1C}">
+                <a14:useLocalDpi xmlns:a14="http://schemas.microsoft.com/office/drawing/2010/main" val="0"/>
+              </a:ext>
+            </a:extLst>
+          </a:blip>
+          <a:srcRect/>
+          <a:stretch>
+            <a:fillRect/>
+          </a:stretch>
+        </p:blipFill>
+        <p:spPr bwMode="auto">
+          <a:xfrm>
+            <a:off x="1100392" y="5775543"/>
+            <a:ext cx="529046" cy="548640"/>
+          </a:xfrm>
+          <a:prstGeom prst="rect">
+            <a:avLst/>
+          </a:prstGeom>
+          <a:noFill/>
+          <a:extLst>
+            <a:ext uri="{909E8E84-426E-40DD-AFC4-6F175D3DCCD1}">
+              <a14:hiddenFill xmlns:a14="http://schemas.microsoft.com/office/drawing/2010/main">
+                <a:solidFill>
+                  <a:srgbClr val="FFFFFF"/>
+                </a:solidFill>
+              </a14:hiddenFill>
+            </a:ext>
+          </a:extLst>
+        </p:spPr>
+      </p:pic>
+      <p:pic>
+        <p:nvPicPr>
+          <p:cNvPr id="1028" name="Picture 4" descr="MongoDB">
+            <a:extLst>
+              <a:ext uri="{FF2B5EF4-FFF2-40B4-BE49-F238E27FC236}">
+                <a16:creationId xmlns:a16="http://schemas.microsoft.com/office/drawing/2014/main" id="{A4D92D60-FC13-9F0F-9F5A-2B0B5EA0D847}"/>
+              </a:ext>
+            </a:extLst>
+          </p:cNvPr>
+          <p:cNvPicPr>
+            <a:picLocks noChangeAspect="1" noChangeArrowheads="1"/>
+          </p:cNvPicPr>
+          <p:nvPr/>
+        </p:nvPicPr>
+        <p:blipFill>
+          <a:blip r:embed="rId3">
+            <a:extLst>
+              <a:ext uri="{28A0092B-C50C-407E-A947-70E740481C1C}">
+                <a14:useLocalDpi xmlns:a14="http://schemas.microsoft.com/office/drawing/2010/main" val="0"/>
+              </a:ext>
+            </a:extLst>
+          </a:blip>
+          <a:srcRect/>
+          <a:stretch>
+            <a:fillRect/>
+          </a:stretch>
+        </p:blipFill>
+        <p:spPr bwMode="auto">
+          <a:xfrm>
+            <a:off x="5147726" y="5802758"/>
+            <a:ext cx="548640" cy="548640"/>
+          </a:xfrm>
+          <a:prstGeom prst="rect">
+            <a:avLst/>
+          </a:prstGeom>
+          <a:noFill/>
+          <a:extLst>
+            <a:ext uri="{909E8E84-426E-40DD-AFC4-6F175D3DCCD1}">
+              <a14:hiddenFill xmlns:a14="http://schemas.microsoft.com/office/drawing/2010/main">
+                <a:solidFill>
+                  <a:srgbClr val="FFFFFF"/>
+                </a:solidFill>
+              </a14:hiddenFill>
+            </a:ext>
+          </a:extLst>
+        </p:spPr>
+      </p:pic>
+      <p:pic>
+        <p:nvPicPr>
+          <p:cNvPr id="1030" name="Picture 6" descr="Exploring the Popularity of REST API ...">
+            <a:extLst>
+              <a:ext uri="{FF2B5EF4-FFF2-40B4-BE49-F238E27FC236}">
+                <a16:creationId xmlns:a16="http://schemas.microsoft.com/office/drawing/2014/main" id="{6A93E792-3064-F967-FAFF-5E8F778E03B7}"/>
+              </a:ext>
+            </a:extLst>
+          </p:cNvPr>
+          <p:cNvPicPr>
+            <a:picLocks noChangeAspect="1" noChangeArrowheads="1"/>
+          </p:cNvPicPr>
+          <p:nvPr/>
+        </p:nvPicPr>
+        <p:blipFill>
+          <a:blip r:embed="rId4">
+            <a:extLst>
+              <a:ext uri="{28A0092B-C50C-407E-A947-70E740481C1C}">
+                <a14:useLocalDpi xmlns:a14="http://schemas.microsoft.com/office/drawing/2010/main" val="0"/>
+              </a:ext>
+            </a:extLst>
+          </a:blip>
+          <a:srcRect/>
+          <a:stretch>
+            <a:fillRect/>
+          </a:stretch>
+        </p:blipFill>
+        <p:spPr bwMode="auto">
+          <a:xfrm>
+            <a:off x="360921" y="5775543"/>
+            <a:ext cx="670260" cy="548640"/>
+          </a:xfrm>
+          <a:prstGeom prst="rect">
+            <a:avLst/>
+          </a:prstGeom>
+          <a:noFill/>
+          <a:extLst>
+            <a:ext uri="{909E8E84-426E-40DD-AFC4-6F175D3DCCD1}">
+              <a14:hiddenFill xmlns:a14="http://schemas.microsoft.com/office/drawing/2010/main">
+                <a:solidFill>
+                  <a:srgbClr val="FFFFFF"/>
+                </a:solidFill>
+              </a14:hiddenFill>
+            </a:ext>
+          </a:extLst>
+        </p:spPr>
+      </p:pic>
+      <p:pic>
+        <p:nvPicPr>
+          <p:cNvPr id="1034" name="Picture 10" descr="amazon s3&quot; Icon - Download for free ...">
+            <a:extLst>
+              <a:ext uri="{FF2B5EF4-FFF2-40B4-BE49-F238E27FC236}">
+                <a16:creationId xmlns:a16="http://schemas.microsoft.com/office/drawing/2014/main" id="{715EBEB0-8790-807B-1577-00EBDC1ECE08}"/>
+              </a:ext>
+            </a:extLst>
+          </p:cNvPr>
+          <p:cNvPicPr>
+            <a:picLocks noChangeAspect="1" noChangeArrowheads="1"/>
+          </p:cNvPicPr>
+          <p:nvPr/>
+        </p:nvPicPr>
+        <p:blipFill>
+          <a:blip r:embed="rId5">
+            <a:extLst>
+              <a:ext uri="{28A0092B-C50C-407E-A947-70E740481C1C}">
+                <a14:useLocalDpi xmlns:a14="http://schemas.microsoft.com/office/drawing/2010/main" val="0"/>
+              </a:ext>
+            </a:extLst>
+          </a:blip>
+          <a:srcRect/>
+          <a:stretch>
+            <a:fillRect/>
+          </a:stretch>
+        </p:blipFill>
+        <p:spPr bwMode="auto">
+          <a:xfrm>
+            <a:off x="9844559" y="5775543"/>
+            <a:ext cx="548640" cy="548640"/>
+          </a:xfrm>
+          <a:prstGeom prst="rect">
+            <a:avLst/>
+          </a:prstGeom>
+          <a:noFill/>
+          <a:extLst>
+            <a:ext uri="{909E8E84-426E-40DD-AFC4-6F175D3DCCD1}">
+              <a14:hiddenFill xmlns:a14="http://schemas.microsoft.com/office/drawing/2010/main">
+                <a:solidFill>
+                  <a:srgbClr val="FFFFFF"/>
+                </a:solidFill>
+              </a14:hiddenFill>
+            </a:ext>
+          </a:extLst>
+        </p:spPr>
+      </p:pic>
+      <p:pic>
+        <p:nvPicPr>
+          <p:cNvPr id="1036" name="Picture 12" descr="asf - Revision 1925738: /kafka/site ...">
+            <a:extLst>
+              <a:ext uri="{FF2B5EF4-FFF2-40B4-BE49-F238E27FC236}">
+                <a16:creationId xmlns:a16="http://schemas.microsoft.com/office/drawing/2014/main" id="{915911DF-EDC0-E43A-DBE4-08F981D9679A}"/>
+              </a:ext>
+            </a:extLst>
+          </p:cNvPr>
+          <p:cNvPicPr>
+            <a:picLocks noChangeAspect="1" noChangeArrowheads="1"/>
+          </p:cNvPicPr>
+          <p:nvPr/>
+        </p:nvPicPr>
+        <p:blipFill>
+          <a:blip r:embed="rId6">
+            <a:extLst>
+              <a:ext uri="{28A0092B-C50C-407E-A947-70E740481C1C}">
+                <a14:useLocalDpi xmlns:a14="http://schemas.microsoft.com/office/drawing/2010/main" val="0"/>
+              </a:ext>
+            </a:extLst>
+          </a:blip>
+          <a:srcRect/>
+          <a:stretch>
+            <a:fillRect/>
+          </a:stretch>
+        </p:blipFill>
+        <p:spPr bwMode="auto">
+          <a:xfrm>
+            <a:off x="7483098" y="5802758"/>
+            <a:ext cx="548640" cy="548640"/>
+          </a:xfrm>
+          <a:prstGeom prst="rect">
+            <a:avLst/>
+          </a:prstGeom>
+          <a:noFill/>
+          <a:extLst>
+            <a:ext uri="{909E8E84-426E-40DD-AFC4-6F175D3DCCD1}">
+              <a14:hiddenFill xmlns:a14="http://schemas.microsoft.com/office/drawing/2010/main">
+                <a:solidFill>
+                  <a:srgbClr val="FFFFFF"/>
+                </a:solidFill>
+              </a14:hiddenFill>
+            </a:ext>
+          </a:extLst>
+        </p:spPr>
+      </p:pic>
+      <p:pic>
+        <p:nvPicPr>
+          <p:cNvPr id="1038" name="Picture 14" descr="Airflow Operators Worth Knowing | by ...">
+            <a:extLst>
+              <a:ext uri="{FF2B5EF4-FFF2-40B4-BE49-F238E27FC236}">
+                <a16:creationId xmlns:a16="http://schemas.microsoft.com/office/drawing/2014/main" id="{21379B79-1DF8-9FE1-6FBD-6C287E5800D4}"/>
+              </a:ext>
+            </a:extLst>
+          </p:cNvPr>
+          <p:cNvPicPr>
+            <a:picLocks noChangeAspect="1" noChangeArrowheads="1"/>
+          </p:cNvPicPr>
+          <p:nvPr/>
+        </p:nvPicPr>
+        <p:blipFill>
+          <a:blip r:embed="rId7">
+            <a:extLst>
+              <a:ext uri="{28A0092B-C50C-407E-A947-70E740481C1C}">
+                <a14:useLocalDpi xmlns:a14="http://schemas.microsoft.com/office/drawing/2010/main" val="0"/>
+              </a:ext>
+            </a:extLst>
+          </a:blip>
+          <a:srcRect/>
+          <a:stretch>
+            <a:fillRect/>
+          </a:stretch>
+        </p:blipFill>
+        <p:spPr bwMode="auto">
+          <a:xfrm>
+            <a:off x="9198713" y="3177018"/>
+            <a:ext cx="914400" cy="914400"/>
+          </a:xfrm>
+          <a:prstGeom prst="rect">
+            <a:avLst/>
+          </a:prstGeom>
+          <a:noFill/>
+          <a:extLst>
+            <a:ext uri="{909E8E84-426E-40DD-AFC4-6F175D3DCCD1}">
+              <a14:hiddenFill xmlns:a14="http://schemas.microsoft.com/office/drawing/2010/main">
+                <a:solidFill>
+                  <a:srgbClr val="FFFFFF"/>
+                </a:solidFill>
+              </a14:hiddenFill>
+            </a:ext>
+          </a:extLst>
+        </p:spPr>
+      </p:pic>
+      <p:pic>
+        <p:nvPicPr>
+          <p:cNvPr id="1040" name="Picture 16" descr="Kestra · GitHub">
+            <a:extLst>
+              <a:ext uri="{FF2B5EF4-FFF2-40B4-BE49-F238E27FC236}">
+                <a16:creationId xmlns:a16="http://schemas.microsoft.com/office/drawing/2014/main" id="{3B2C2491-C5E4-EE05-A6B4-4D084FDCCCCB}"/>
+              </a:ext>
+            </a:extLst>
+          </p:cNvPr>
+          <p:cNvPicPr>
+            <a:picLocks noChangeAspect="1" noChangeArrowheads="1"/>
+          </p:cNvPicPr>
+          <p:nvPr/>
+        </p:nvPicPr>
+        <p:blipFill>
+          <a:blip r:embed="rId8">
+            <a:extLst>
+              <a:ext uri="{28A0092B-C50C-407E-A947-70E740481C1C}">
+                <a14:useLocalDpi xmlns:a14="http://schemas.microsoft.com/office/drawing/2010/main" val="0"/>
+              </a:ext>
+            </a:extLst>
+          </a:blip>
+          <a:srcRect/>
+          <a:stretch>
+            <a:fillRect/>
+          </a:stretch>
+        </p:blipFill>
+        <p:spPr bwMode="auto">
+          <a:xfrm>
+            <a:off x="8095696" y="3177018"/>
+            <a:ext cx="914400" cy="914400"/>
+          </a:xfrm>
+          <a:prstGeom prst="rect">
+            <a:avLst/>
+          </a:prstGeom>
+          <a:noFill/>
+          <a:extLst>
+            <a:ext uri="{909E8E84-426E-40DD-AFC4-6F175D3DCCD1}">
+              <a14:hiddenFill xmlns:a14="http://schemas.microsoft.com/office/drawing/2010/main">
+                <a:solidFill>
+                  <a:srgbClr val="FFFFFF"/>
+                </a:solidFill>
+              </a14:hiddenFill>
+            </a:ext>
+          </a:extLst>
+        </p:spPr>
+      </p:pic>
+      <p:sp>
+        <p:nvSpPr>
+          <p:cNvPr id="12" name="Rectangle: Rounded Corners 11">
+            <a:extLst>
+              <a:ext uri="{FF2B5EF4-FFF2-40B4-BE49-F238E27FC236}">
+                <a16:creationId xmlns:a16="http://schemas.microsoft.com/office/drawing/2014/main" id="{85001FA9-2DF5-4BE0-6A0E-6701ACB5B639}"/>
+              </a:ext>
+            </a:extLst>
+          </p:cNvPr>
+          <p:cNvSpPr/>
+          <p:nvPr/>
+        </p:nvSpPr>
+        <p:spPr>
+          <a:xfrm>
+            <a:off x="738248" y="468342"/>
+            <a:ext cx="2189765" cy="1174249"/>
+          </a:xfrm>
+          <a:prstGeom prst="roundRect">
+            <a:avLst>
+              <a:gd name="adj" fmla="val 8824"/>
+            </a:avLst>
+          </a:prstGeom>
+        </p:spPr>
+        <p:style>
+          <a:lnRef idx="1">
+            <a:schemeClr val="dk1"/>
+          </a:lnRef>
+          <a:fillRef idx="2">
+            <a:schemeClr val="dk1"/>
+          </a:fillRef>
+          <a:effectRef idx="1">
+            <a:schemeClr val="dk1"/>
+          </a:effectRef>
+          <a:fontRef idx="minor">
+            <a:schemeClr val="dk1"/>
+          </a:fontRef>
+        </p:style>
+        <p:txBody>
+          <a:bodyPr rtlCol="0" anchor="t"/>
+          <a:lstStyle/>
+          <a:p>
+            <a:r>
+              <a:rPr lang="en-US" dirty="0">
+                <a:latin typeface="Abadi" panose="020B0604020104020204" pitchFamily="34" charset="0"/>
+              </a:rPr>
+              <a:t>Data Warehouse</a:t>
+            </a:r>
+          </a:p>
+        </p:txBody>
+      </p:sp>
+      <p:sp>
+        <p:nvSpPr>
+          <p:cNvPr id="16" name="Rectangle: Rounded Corners 15">
+            <a:extLst>
+              <a:ext uri="{FF2B5EF4-FFF2-40B4-BE49-F238E27FC236}">
+                <a16:creationId xmlns:a16="http://schemas.microsoft.com/office/drawing/2014/main" id="{8EFE6BA5-777D-5DDA-C51D-6656902B3C58}"/>
+              </a:ext>
+            </a:extLst>
+          </p:cNvPr>
+          <p:cNvSpPr/>
+          <p:nvPr/>
+        </p:nvSpPr>
+        <p:spPr>
+          <a:xfrm>
+            <a:off x="3580161" y="468342"/>
+            <a:ext cx="2189765" cy="1174249"/>
+          </a:xfrm>
+          <a:prstGeom prst="roundRect">
+            <a:avLst>
+              <a:gd name="adj" fmla="val 8824"/>
+            </a:avLst>
+          </a:prstGeom>
+        </p:spPr>
+        <p:style>
+          <a:lnRef idx="1">
+            <a:schemeClr val="dk1"/>
+          </a:lnRef>
+          <a:fillRef idx="2">
+            <a:schemeClr val="dk1"/>
+          </a:fillRef>
+          <a:effectRef idx="1">
+            <a:schemeClr val="dk1"/>
+          </a:effectRef>
+          <a:fontRef idx="minor">
+            <a:schemeClr val="dk1"/>
+          </a:fontRef>
+        </p:style>
+        <p:txBody>
+          <a:bodyPr rtlCol="0" anchor="t"/>
+          <a:lstStyle/>
+          <a:p>
+            <a:r>
+              <a:rPr lang="en-US" dirty="0">
+                <a:latin typeface="Abadi" panose="020B0604020104020204" pitchFamily="34" charset="0"/>
+              </a:rPr>
+              <a:t>BI Tools</a:t>
+            </a:r>
+          </a:p>
+        </p:txBody>
+      </p:sp>
+      <p:sp>
+        <p:nvSpPr>
+          <p:cNvPr id="17" name="Rectangle: Rounded Corners 16">
+            <a:extLst>
+              <a:ext uri="{FF2B5EF4-FFF2-40B4-BE49-F238E27FC236}">
+                <a16:creationId xmlns:a16="http://schemas.microsoft.com/office/drawing/2014/main" id="{8EB7173C-A961-FA99-8319-84BFB4E122CA}"/>
+              </a:ext>
+            </a:extLst>
+          </p:cNvPr>
+          <p:cNvSpPr/>
+          <p:nvPr/>
+        </p:nvSpPr>
+        <p:spPr>
+          <a:xfrm>
+            <a:off x="6422074" y="468342"/>
+            <a:ext cx="2189765" cy="1174249"/>
+          </a:xfrm>
+          <a:prstGeom prst="roundRect">
+            <a:avLst>
+              <a:gd name="adj" fmla="val 8824"/>
+            </a:avLst>
+          </a:prstGeom>
+        </p:spPr>
+        <p:style>
+          <a:lnRef idx="1">
+            <a:schemeClr val="dk1"/>
+          </a:lnRef>
+          <a:fillRef idx="2">
+            <a:schemeClr val="dk1"/>
+          </a:fillRef>
+          <a:effectRef idx="1">
+            <a:schemeClr val="dk1"/>
+          </a:effectRef>
+          <a:fontRef idx="minor">
+            <a:schemeClr val="dk1"/>
+          </a:fontRef>
+        </p:style>
+        <p:txBody>
+          <a:bodyPr rtlCol="0" anchor="t"/>
+          <a:lstStyle/>
+          <a:p>
+            <a:r>
+              <a:rPr lang="en-US" dirty="0">
+                <a:latin typeface="Abadi" panose="020B0604020104020204" pitchFamily="34" charset="0"/>
+              </a:rPr>
+              <a:t>ML/Analytics</a:t>
+            </a:r>
+          </a:p>
+        </p:txBody>
+      </p:sp>
+      <p:sp>
+        <p:nvSpPr>
+          <p:cNvPr id="18" name="Rectangle: Rounded Corners 17">
+            <a:extLst>
+              <a:ext uri="{FF2B5EF4-FFF2-40B4-BE49-F238E27FC236}">
+                <a16:creationId xmlns:a16="http://schemas.microsoft.com/office/drawing/2014/main" id="{B76FF2C5-F94B-1B68-0673-014D163DAE6C}"/>
+              </a:ext>
+            </a:extLst>
+          </p:cNvPr>
+          <p:cNvSpPr/>
+          <p:nvPr/>
+        </p:nvSpPr>
+        <p:spPr>
+          <a:xfrm>
+            <a:off x="9263988" y="468342"/>
+            <a:ext cx="2189765" cy="1174249"/>
+          </a:xfrm>
+          <a:prstGeom prst="roundRect">
+            <a:avLst>
+              <a:gd name="adj" fmla="val 8824"/>
+            </a:avLst>
+          </a:prstGeom>
+        </p:spPr>
+        <p:style>
+          <a:lnRef idx="1">
+            <a:schemeClr val="dk1"/>
+          </a:lnRef>
+          <a:fillRef idx="2">
+            <a:schemeClr val="dk1"/>
+          </a:fillRef>
+          <a:effectRef idx="1">
+            <a:schemeClr val="dk1"/>
+          </a:effectRef>
+          <a:fontRef idx="minor">
+            <a:schemeClr val="dk1"/>
+          </a:fontRef>
+        </p:style>
+        <p:txBody>
+          <a:bodyPr rtlCol="0" anchor="t"/>
+          <a:lstStyle/>
+          <a:p>
+            <a:r>
+              <a:rPr lang="en-US" dirty="0">
+                <a:latin typeface="Abadi" panose="020B0604020104020204" pitchFamily="34" charset="0"/>
+              </a:rPr>
+              <a:t>Ops Systems</a:t>
+            </a:r>
+          </a:p>
+        </p:txBody>
+      </p:sp>
+      <p:pic>
+        <p:nvPicPr>
+          <p:cNvPr id="1044" name="Picture 20" descr="Google BigQuery Icon Logo PNG vector in ...">
+            <a:extLst>
+              <a:ext uri="{FF2B5EF4-FFF2-40B4-BE49-F238E27FC236}">
+                <a16:creationId xmlns:a16="http://schemas.microsoft.com/office/drawing/2014/main" id="{DCB03B97-3B7E-289C-769C-44E3429E76C7}"/>
+              </a:ext>
+            </a:extLst>
+          </p:cNvPr>
+          <p:cNvPicPr>
+            <a:picLocks noChangeAspect="1" noChangeArrowheads="1"/>
+          </p:cNvPicPr>
+          <p:nvPr/>
+        </p:nvPicPr>
+        <p:blipFill>
+          <a:blip r:embed="rId9">
+            <a:extLst>
+              <a:ext uri="{28A0092B-C50C-407E-A947-70E740481C1C}">
+                <a14:useLocalDpi xmlns:a14="http://schemas.microsoft.com/office/drawing/2010/main" val="0"/>
+              </a:ext>
+            </a:extLst>
+          </a:blip>
+          <a:srcRect/>
+          <a:stretch>
+            <a:fillRect/>
+          </a:stretch>
+        </p:blipFill>
+        <p:spPr bwMode="auto">
+          <a:xfrm>
+            <a:off x="861103" y="1031825"/>
+            <a:ext cx="732464" cy="548640"/>
+          </a:xfrm>
+          <a:prstGeom prst="rect">
+            <a:avLst/>
+          </a:prstGeom>
+          <a:noFill/>
+          <a:extLst>
+            <a:ext uri="{909E8E84-426E-40DD-AFC4-6F175D3DCCD1}">
+              <a14:hiddenFill xmlns:a14="http://schemas.microsoft.com/office/drawing/2010/main">
+                <a:solidFill>
+                  <a:srgbClr val="FFFFFF"/>
+                </a:solidFill>
+              </a14:hiddenFill>
+            </a:ext>
+          </a:extLst>
+        </p:spPr>
+      </p:pic>
+      <p:pic>
+        <p:nvPicPr>
+          <p:cNvPr id="1046" name="Picture 22" descr="Microsoft Power BI | Logopedia | Fandom">
+            <a:extLst>
+              <a:ext uri="{FF2B5EF4-FFF2-40B4-BE49-F238E27FC236}">
+                <a16:creationId xmlns:a16="http://schemas.microsoft.com/office/drawing/2014/main" id="{0058D006-D341-6C20-4E29-757AF231487C}"/>
+              </a:ext>
+            </a:extLst>
+          </p:cNvPr>
+          <p:cNvPicPr>
+            <a:picLocks noChangeAspect="1" noChangeArrowheads="1"/>
+          </p:cNvPicPr>
+          <p:nvPr/>
+        </p:nvPicPr>
+        <p:blipFill>
+          <a:blip r:embed="rId10">
+            <a:extLst>
+              <a:ext uri="{28A0092B-C50C-407E-A947-70E740481C1C}">
+                <a14:useLocalDpi xmlns:a14="http://schemas.microsoft.com/office/drawing/2010/main" val="0"/>
+              </a:ext>
+            </a:extLst>
+          </a:blip>
+          <a:srcRect/>
+          <a:stretch>
+            <a:fillRect/>
+          </a:stretch>
+        </p:blipFill>
+        <p:spPr bwMode="auto">
+          <a:xfrm>
+            <a:off x="3679293" y="1031825"/>
+            <a:ext cx="556023" cy="548640"/>
+          </a:xfrm>
+          <a:prstGeom prst="rect">
+            <a:avLst/>
+          </a:prstGeom>
+          <a:noFill/>
+          <a:extLst>
+            <a:ext uri="{909E8E84-426E-40DD-AFC4-6F175D3DCCD1}">
+              <a14:hiddenFill xmlns:a14="http://schemas.microsoft.com/office/drawing/2010/main">
+                <a:solidFill>
+                  <a:srgbClr val="FFFFFF"/>
+                </a:solidFill>
+              </a14:hiddenFill>
+            </a:ext>
+          </a:extLst>
+        </p:spPr>
+      </p:pic>
+      <p:pic>
+        <p:nvPicPr>
+          <p:cNvPr id="1048" name="Picture 24" descr="JupyterHub — JupyterHub 0.9.2 ...">
+            <a:extLst>
+              <a:ext uri="{FF2B5EF4-FFF2-40B4-BE49-F238E27FC236}">
+                <a16:creationId xmlns:a16="http://schemas.microsoft.com/office/drawing/2014/main" id="{A17AEA16-8698-75A6-6DE5-5DA75DE7A830}"/>
+              </a:ext>
+            </a:extLst>
+          </p:cNvPr>
+          <p:cNvPicPr>
+            <a:picLocks noChangeAspect="1" noChangeArrowheads="1"/>
+          </p:cNvPicPr>
+          <p:nvPr/>
+        </p:nvPicPr>
+        <p:blipFill>
+          <a:blip r:embed="rId11">
+            <a:extLst>
+              <a:ext uri="{28A0092B-C50C-407E-A947-70E740481C1C}">
+                <a14:useLocalDpi xmlns:a14="http://schemas.microsoft.com/office/drawing/2010/main" val="0"/>
+              </a:ext>
+            </a:extLst>
+          </a:blip>
+          <a:srcRect/>
+          <a:stretch>
+            <a:fillRect/>
+          </a:stretch>
+        </p:blipFill>
+        <p:spPr bwMode="auto">
+          <a:xfrm>
+            <a:off x="6503651" y="1055466"/>
+            <a:ext cx="615927" cy="548640"/>
+          </a:xfrm>
+          <a:prstGeom prst="rect">
+            <a:avLst/>
+          </a:prstGeom>
+          <a:noFill/>
+          <a:extLst>
+            <a:ext uri="{909E8E84-426E-40DD-AFC4-6F175D3DCCD1}">
+              <a14:hiddenFill xmlns:a14="http://schemas.microsoft.com/office/drawing/2010/main">
+                <a:solidFill>
+                  <a:srgbClr val="FFFFFF"/>
+                </a:solidFill>
+              </a14:hiddenFill>
+            </a:ext>
+          </a:extLst>
+        </p:spPr>
+      </p:pic>
+      <p:pic>
+        <p:nvPicPr>
+          <p:cNvPr id="22" name="Picture 21">
+            <a:extLst>
+              <a:ext uri="{FF2B5EF4-FFF2-40B4-BE49-F238E27FC236}">
+                <a16:creationId xmlns:a16="http://schemas.microsoft.com/office/drawing/2014/main" id="{0CD5540F-C0DA-4997-CCB8-8E459D2ACE93}"/>
+              </a:ext>
+            </a:extLst>
+          </p:cNvPr>
+          <p:cNvPicPr>
+            <a:picLocks noChangeAspect="1"/>
+          </p:cNvPicPr>
+          <p:nvPr/>
+        </p:nvPicPr>
+        <p:blipFill>
+          <a:blip r:embed="rId12"/>
+          <a:srcRect l="22554" r="22435"/>
+          <a:stretch/>
+        </p:blipFill>
+        <p:spPr>
+          <a:xfrm>
+            <a:off x="9330637" y="1031825"/>
+            <a:ext cx="538953" cy="548640"/>
+          </a:xfrm>
+          <a:prstGeom prst="rect">
+            <a:avLst/>
+          </a:prstGeom>
+        </p:spPr>
+      </p:pic>
+      <p:pic>
+        <p:nvPicPr>
+          <p:cNvPr id="1050" name="Picture 26" descr="Atlassian logo thumbnail transparent ...">
+            <a:extLst>
+              <a:ext uri="{FF2B5EF4-FFF2-40B4-BE49-F238E27FC236}">
+                <a16:creationId xmlns:a16="http://schemas.microsoft.com/office/drawing/2014/main" id="{2DE66B68-BBFC-D81D-5558-B8BA1C63CF6E}"/>
+              </a:ext>
+            </a:extLst>
+          </p:cNvPr>
+          <p:cNvPicPr>
+            <a:picLocks noChangeAspect="1" noChangeArrowheads="1"/>
+          </p:cNvPicPr>
+          <p:nvPr/>
+        </p:nvPicPr>
+        <p:blipFill rotWithShape="1">
+          <a:blip r:embed="rId13">
+            <a:extLst>
+              <a:ext uri="{28A0092B-C50C-407E-A947-70E740481C1C}">
+                <a14:useLocalDpi xmlns:a14="http://schemas.microsoft.com/office/drawing/2010/main" val="0"/>
+              </a:ext>
+            </a:extLst>
+          </a:blip>
+          <a:srcRect l="16040" t="18503" r="14446" b="12028"/>
+          <a:stretch/>
+        </p:blipFill>
+        <p:spPr bwMode="auto">
+          <a:xfrm>
+            <a:off x="9894621" y="1031825"/>
+            <a:ext cx="548987" cy="548640"/>
+          </a:xfrm>
+          <a:prstGeom prst="rect">
+            <a:avLst/>
+          </a:prstGeom>
+          <a:noFill/>
+          <a:extLst>
+            <a:ext uri="{909E8E84-426E-40DD-AFC4-6F175D3DCCD1}">
+              <a14:hiddenFill xmlns:a14="http://schemas.microsoft.com/office/drawing/2010/main">
+                <a:solidFill>
+                  <a:srgbClr val="FFFFFF"/>
+                </a:solidFill>
+              </a14:hiddenFill>
+            </a:ext>
+          </a:extLst>
+        </p:spPr>
+      </p:pic>
+      <p:pic>
+        <p:nvPicPr>
+          <p:cNvPr id="1052" name="Picture 28" descr="Amazon SageMaker Autopilot ...">
+            <a:extLst>
+              <a:ext uri="{FF2B5EF4-FFF2-40B4-BE49-F238E27FC236}">
+                <a16:creationId xmlns:a16="http://schemas.microsoft.com/office/drawing/2014/main" id="{813B2EA8-63E8-DB0A-39F2-9ABA95834EDD}"/>
+              </a:ext>
+            </a:extLst>
+          </p:cNvPr>
+          <p:cNvPicPr>
+            <a:picLocks noChangeAspect="1" noChangeArrowheads="1"/>
+          </p:cNvPicPr>
+          <p:nvPr/>
+        </p:nvPicPr>
+        <p:blipFill>
+          <a:blip r:embed="rId14">
+            <a:extLst>
+              <a:ext uri="{28A0092B-C50C-407E-A947-70E740481C1C}">
+                <a14:useLocalDpi xmlns:a14="http://schemas.microsoft.com/office/drawing/2010/main" val="0"/>
+              </a:ext>
+            </a:extLst>
+          </a:blip>
+          <a:srcRect/>
+          <a:stretch>
+            <a:fillRect/>
+          </a:stretch>
+        </p:blipFill>
+        <p:spPr bwMode="auto">
+          <a:xfrm>
+            <a:off x="7186227" y="1055466"/>
+            <a:ext cx="548640" cy="548640"/>
+          </a:xfrm>
+          <a:prstGeom prst="rect">
+            <a:avLst/>
+          </a:prstGeom>
+          <a:noFill/>
+          <a:extLst>
+            <a:ext uri="{909E8E84-426E-40DD-AFC4-6F175D3DCCD1}">
+              <a14:hiddenFill xmlns:a14="http://schemas.microsoft.com/office/drawing/2010/main">
+                <a:solidFill>
+                  <a:srgbClr val="FFFFFF"/>
+                </a:solidFill>
+              </a14:hiddenFill>
+            </a:ext>
+          </a:extLst>
+        </p:spPr>
+      </p:pic>
+      <p:pic>
+        <p:nvPicPr>
+          <p:cNvPr id="1054" name="Picture 30" descr="Kubeflow">
+            <a:extLst>
+              <a:ext uri="{FF2B5EF4-FFF2-40B4-BE49-F238E27FC236}">
+                <a16:creationId xmlns:a16="http://schemas.microsoft.com/office/drawing/2014/main" id="{16ECBBF2-3CC0-21D3-0513-3915145F6106}"/>
+              </a:ext>
+            </a:extLst>
+          </p:cNvPr>
+          <p:cNvPicPr>
+            <a:picLocks noChangeAspect="1" noChangeArrowheads="1"/>
+          </p:cNvPicPr>
+          <p:nvPr/>
+        </p:nvPicPr>
+        <p:blipFill>
+          <a:blip r:embed="rId15">
+            <a:extLst>
+              <a:ext uri="{28A0092B-C50C-407E-A947-70E740481C1C}">
+                <a14:useLocalDpi xmlns:a14="http://schemas.microsoft.com/office/drawing/2010/main" val="0"/>
+              </a:ext>
+            </a:extLst>
+          </a:blip>
+          <a:srcRect/>
+          <a:stretch>
+            <a:fillRect/>
+          </a:stretch>
+        </p:blipFill>
+        <p:spPr bwMode="auto">
+          <a:xfrm>
+            <a:off x="7786621" y="1055466"/>
+            <a:ext cx="548640" cy="548640"/>
+          </a:xfrm>
+          <a:prstGeom prst="rect">
+            <a:avLst/>
+          </a:prstGeom>
+          <a:noFill/>
+          <a:extLst>
+            <a:ext uri="{909E8E84-426E-40DD-AFC4-6F175D3DCCD1}">
+              <a14:hiddenFill xmlns:a14="http://schemas.microsoft.com/office/drawing/2010/main">
+                <a:solidFill>
+                  <a:srgbClr val="FFFFFF"/>
+                </a:solidFill>
+              </a14:hiddenFill>
+            </a:ext>
+          </a:extLst>
+        </p:spPr>
+      </p:pic>
+      <p:pic>
+        <p:nvPicPr>
+          <p:cNvPr id="1056" name="Picture 32" descr="Tableau desktop icon - ukrainewalker">
+            <a:extLst>
+              <a:ext uri="{FF2B5EF4-FFF2-40B4-BE49-F238E27FC236}">
+                <a16:creationId xmlns:a16="http://schemas.microsoft.com/office/drawing/2014/main" id="{C1F0B85B-165B-E432-D713-9823EE3BC9A8}"/>
+              </a:ext>
+            </a:extLst>
+          </p:cNvPr>
+          <p:cNvPicPr>
+            <a:picLocks noChangeAspect="1" noChangeArrowheads="1"/>
+          </p:cNvPicPr>
+          <p:nvPr/>
+        </p:nvPicPr>
+        <p:blipFill rotWithShape="1">
+          <a:blip r:embed="rId16">
+            <a:extLst>
+              <a:ext uri="{28A0092B-C50C-407E-A947-70E740481C1C}">
+                <a14:useLocalDpi xmlns:a14="http://schemas.microsoft.com/office/drawing/2010/main" val="0"/>
+              </a:ext>
+            </a:extLst>
+          </a:blip>
+          <a:srcRect l="23273" r="20997"/>
+          <a:stretch/>
+        </p:blipFill>
+        <p:spPr bwMode="auto">
+          <a:xfrm>
+            <a:off x="4316893" y="1031825"/>
+            <a:ext cx="545997" cy="548640"/>
+          </a:xfrm>
+          <a:prstGeom prst="rect">
+            <a:avLst/>
+          </a:prstGeom>
+          <a:noFill/>
+          <a:extLst>
+            <a:ext uri="{909E8E84-426E-40DD-AFC4-6F175D3DCCD1}">
+              <a14:hiddenFill xmlns:a14="http://schemas.microsoft.com/office/drawing/2010/main">
+                <a:solidFill>
+                  <a:srgbClr val="FFFFFF"/>
+                </a:solidFill>
+              </a14:hiddenFill>
+            </a:ext>
+          </a:extLst>
+        </p:spPr>
+      </p:pic>
+      <p:pic>
+        <p:nvPicPr>
+          <p:cNvPr id="1058" name="Picture 34" descr="Alumio | The leader in SOAP integrations">
+            <a:extLst>
+              <a:ext uri="{FF2B5EF4-FFF2-40B4-BE49-F238E27FC236}">
+                <a16:creationId xmlns:a16="http://schemas.microsoft.com/office/drawing/2014/main" id="{1ABE8652-96D8-D0C0-69F6-FB78D7CC7DE7}"/>
+              </a:ext>
+            </a:extLst>
+          </p:cNvPr>
+          <p:cNvPicPr>
+            <a:picLocks noChangeAspect="1" noChangeArrowheads="1"/>
+          </p:cNvPicPr>
+          <p:nvPr/>
+        </p:nvPicPr>
+        <p:blipFill rotWithShape="1">
+          <a:blip r:embed="rId17">
+            <a:extLst>
+              <a:ext uri="{28A0092B-C50C-407E-A947-70E740481C1C}">
+                <a14:useLocalDpi xmlns:a14="http://schemas.microsoft.com/office/drawing/2010/main" val="0"/>
+              </a:ext>
+            </a:extLst>
+          </a:blip>
+          <a:srcRect l="26336" t="11242" r="26087" b="10799"/>
+          <a:stretch/>
+        </p:blipFill>
+        <p:spPr bwMode="auto">
+          <a:xfrm>
+            <a:off x="10424374" y="5775543"/>
+            <a:ext cx="592391" cy="548640"/>
+          </a:xfrm>
+          <a:prstGeom prst="rect">
+            <a:avLst/>
+          </a:prstGeom>
+          <a:noFill/>
+          <a:extLst>
+            <a:ext uri="{909E8E84-426E-40DD-AFC4-6F175D3DCCD1}">
+              <a14:hiddenFill xmlns:a14="http://schemas.microsoft.com/office/drawing/2010/main">
+                <a:solidFill>
+                  <a:srgbClr val="FFFFFF"/>
+                </a:solidFill>
+              </a14:hiddenFill>
+            </a:ext>
+          </a:extLst>
+        </p:spPr>
+      </p:pic>
+      <p:pic>
+        <p:nvPicPr>
+          <p:cNvPr id="1060" name="Picture 36" descr="gRPC Logo PNG Vector (SVG) Free Download">
+            <a:extLst>
+              <a:ext uri="{FF2B5EF4-FFF2-40B4-BE49-F238E27FC236}">
+                <a16:creationId xmlns:a16="http://schemas.microsoft.com/office/drawing/2014/main" id="{8663D7C6-71A6-68CB-03F1-41FCD780FF59}"/>
+              </a:ext>
+            </a:extLst>
+          </p:cNvPr>
+          <p:cNvPicPr>
+            <a:picLocks noChangeAspect="1" noChangeArrowheads="1"/>
+          </p:cNvPicPr>
+          <p:nvPr/>
+        </p:nvPicPr>
+        <p:blipFill>
+          <a:blip r:embed="rId18">
+            <a:extLst>
+              <a:ext uri="{28A0092B-C50C-407E-A947-70E740481C1C}">
+                <a14:useLocalDpi xmlns:a14="http://schemas.microsoft.com/office/drawing/2010/main" val="0"/>
+              </a:ext>
+            </a:extLst>
+          </a:blip>
+          <a:srcRect/>
+          <a:stretch>
+            <a:fillRect/>
+          </a:stretch>
+        </p:blipFill>
+        <p:spPr bwMode="auto">
+          <a:xfrm>
+            <a:off x="2787122" y="5796081"/>
+            <a:ext cx="548640" cy="548640"/>
+          </a:xfrm>
+          <a:prstGeom prst="rect">
+            <a:avLst/>
+          </a:prstGeom>
+          <a:noFill/>
+          <a:extLst>
+            <a:ext uri="{909E8E84-426E-40DD-AFC4-6F175D3DCCD1}">
+              <a14:hiddenFill xmlns:a14="http://schemas.microsoft.com/office/drawing/2010/main">
+                <a:solidFill>
+                  <a:srgbClr val="FFFFFF"/>
+                </a:solidFill>
+              </a14:hiddenFill>
+            </a:ext>
+          </a:extLst>
+        </p:spPr>
+      </p:pic>
+      <p:pic>
+        <p:nvPicPr>
+          <p:cNvPr id="1062" name="Picture 38">
+            <a:extLst>
+              <a:ext uri="{FF2B5EF4-FFF2-40B4-BE49-F238E27FC236}">
+                <a16:creationId xmlns:a16="http://schemas.microsoft.com/office/drawing/2014/main" id="{B65EAD17-ED9D-539B-95C6-3CAF2A6EC26C}"/>
+              </a:ext>
+            </a:extLst>
+          </p:cNvPr>
+          <p:cNvPicPr>
+            <a:picLocks noChangeAspect="1" noChangeArrowheads="1"/>
+          </p:cNvPicPr>
+          <p:nvPr/>
+        </p:nvPicPr>
+        <p:blipFill>
+          <a:blip r:embed="rId19">
+            <a:extLst>
+              <a:ext uri="{28A0092B-C50C-407E-A947-70E740481C1C}">
+                <a14:useLocalDpi xmlns:a14="http://schemas.microsoft.com/office/drawing/2010/main" val="0"/>
+              </a:ext>
+            </a:extLst>
+          </a:blip>
+          <a:srcRect/>
+          <a:stretch>
+            <a:fillRect/>
+          </a:stretch>
+        </p:blipFill>
+        <p:spPr bwMode="auto">
+          <a:xfrm>
+            <a:off x="8100949" y="5802534"/>
+            <a:ext cx="548640" cy="548640"/>
+          </a:xfrm>
+          <a:prstGeom prst="rect">
+            <a:avLst/>
+          </a:prstGeom>
+          <a:noFill/>
+          <a:extLst>
+            <a:ext uri="{909E8E84-426E-40DD-AFC4-6F175D3DCCD1}">
+              <a14:hiddenFill xmlns:a14="http://schemas.microsoft.com/office/drawing/2010/main">
+                <a:solidFill>
+                  <a:srgbClr val="FFFFFF"/>
+                </a:solidFill>
+              </a14:hiddenFill>
+            </a:ext>
+          </a:extLst>
+        </p:spPr>
+      </p:pic>
+      <p:pic>
+        <p:nvPicPr>
+          <p:cNvPr id="1064" name="Picture 40" descr="Green excel 3 icon - Free green office ...">
+            <a:extLst>
+              <a:ext uri="{FF2B5EF4-FFF2-40B4-BE49-F238E27FC236}">
+                <a16:creationId xmlns:a16="http://schemas.microsoft.com/office/drawing/2014/main" id="{EF975D54-5A8D-9598-9A46-350916FCB022}"/>
+              </a:ext>
+            </a:extLst>
+          </p:cNvPr>
+          <p:cNvPicPr>
+            <a:picLocks noChangeAspect="1" noChangeArrowheads="1"/>
+          </p:cNvPicPr>
+          <p:nvPr/>
+        </p:nvPicPr>
+        <p:blipFill>
+          <a:blip r:embed="rId20">
+            <a:extLst>
+              <a:ext uri="{28A0092B-C50C-407E-A947-70E740481C1C}">
+                <a14:useLocalDpi xmlns:a14="http://schemas.microsoft.com/office/drawing/2010/main" val="0"/>
+              </a:ext>
+            </a:extLst>
+          </a:blip>
+          <a:srcRect/>
+          <a:stretch>
+            <a:fillRect/>
+          </a:stretch>
+        </p:blipFill>
+        <p:spPr bwMode="auto">
+          <a:xfrm>
+            <a:off x="3404973" y="5795857"/>
+            <a:ext cx="548640" cy="548640"/>
+          </a:xfrm>
+          <a:prstGeom prst="rect">
+            <a:avLst/>
+          </a:prstGeom>
+          <a:noFill/>
+          <a:extLst>
+            <a:ext uri="{909E8E84-426E-40DD-AFC4-6F175D3DCCD1}">
+              <a14:hiddenFill xmlns:a14="http://schemas.microsoft.com/office/drawing/2010/main">
+                <a:solidFill>
+                  <a:srgbClr val="FFFFFF"/>
+                </a:solidFill>
+              </a14:hiddenFill>
+            </a:ext>
+          </a:extLst>
+        </p:spPr>
+      </p:pic>
+      <p:pic>
+        <p:nvPicPr>
+          <p:cNvPr id="1066" name="Picture 42" descr="Google Cloud Storage Logo in SVG Vector ...">
+            <a:extLst>
+              <a:ext uri="{FF2B5EF4-FFF2-40B4-BE49-F238E27FC236}">
+                <a16:creationId xmlns:a16="http://schemas.microsoft.com/office/drawing/2014/main" id="{B56694C1-EC2E-1B78-01FD-DDFA41994ECD}"/>
+              </a:ext>
+            </a:extLst>
+          </p:cNvPr>
+          <p:cNvPicPr>
+            <a:picLocks noChangeAspect="1" noChangeArrowheads="1"/>
+          </p:cNvPicPr>
+          <p:nvPr/>
+        </p:nvPicPr>
+        <p:blipFill rotWithShape="1">
+          <a:blip r:embed="rId21">
+            <a:extLst>
+              <a:ext uri="{28A0092B-C50C-407E-A947-70E740481C1C}">
+                <a14:useLocalDpi xmlns:a14="http://schemas.microsoft.com/office/drawing/2010/main" val="0"/>
+              </a:ext>
+            </a:extLst>
+          </a:blip>
+          <a:srcRect l="23091" t="6831" r="20546" b="8057"/>
+          <a:stretch/>
+        </p:blipFill>
+        <p:spPr bwMode="auto">
+          <a:xfrm>
+            <a:off x="5765577" y="5800630"/>
+            <a:ext cx="545979" cy="548640"/>
+          </a:xfrm>
+          <a:prstGeom prst="rect">
+            <a:avLst/>
+          </a:prstGeom>
+          <a:noFill/>
+          <a:extLst>
+            <a:ext uri="{909E8E84-426E-40DD-AFC4-6F175D3DCCD1}">
+              <a14:hiddenFill xmlns:a14="http://schemas.microsoft.com/office/drawing/2010/main">
+                <a:solidFill>
+                  <a:srgbClr val="FFFFFF"/>
+                </a:solidFill>
+              </a14:hiddenFill>
+            </a:ext>
+          </a:extLst>
+        </p:spPr>
+      </p:pic>
+      <p:pic>
+        <p:nvPicPr>
+          <p:cNvPr id="1068" name="Picture 44" descr="Snowflake Logo &amp; Brand Assets (SVG, PNG ...">
+            <a:extLst>
+              <a:ext uri="{FF2B5EF4-FFF2-40B4-BE49-F238E27FC236}">
+                <a16:creationId xmlns:a16="http://schemas.microsoft.com/office/drawing/2014/main" id="{891C9B69-BEB7-70F4-54E1-C3D328D24182}"/>
+              </a:ext>
+            </a:extLst>
+          </p:cNvPr>
+          <p:cNvPicPr>
+            <a:picLocks noChangeAspect="1" noChangeArrowheads="1"/>
+          </p:cNvPicPr>
+          <p:nvPr/>
+        </p:nvPicPr>
+        <p:blipFill>
+          <a:blip r:embed="rId22">
+            <a:extLst>
+              <a:ext uri="{28A0092B-C50C-407E-A947-70E740481C1C}">
+                <a14:useLocalDpi xmlns:a14="http://schemas.microsoft.com/office/drawing/2010/main" val="0"/>
+              </a:ext>
+            </a:extLst>
+          </a:blip>
+          <a:srcRect/>
+          <a:stretch>
+            <a:fillRect/>
+          </a:stretch>
+        </p:blipFill>
+        <p:spPr bwMode="auto">
+          <a:xfrm>
+            <a:off x="1675144" y="1031825"/>
+            <a:ext cx="548640" cy="548640"/>
+          </a:xfrm>
+          <a:prstGeom prst="rect">
+            <a:avLst/>
+          </a:prstGeom>
+          <a:noFill/>
+          <a:extLst>
+            <a:ext uri="{909E8E84-426E-40DD-AFC4-6F175D3DCCD1}">
+              <a14:hiddenFill xmlns:a14="http://schemas.microsoft.com/office/drawing/2010/main">
+                <a:solidFill>
+                  <a:srgbClr val="FFFFFF"/>
+                </a:solidFill>
+              </a14:hiddenFill>
+            </a:ext>
+          </a:extLst>
+        </p:spPr>
+      </p:pic>
+      <p:sp>
+        <p:nvSpPr>
+          <p:cNvPr id="25" name="Rectangle: Rounded Corners 24">
+            <a:extLst>
+              <a:ext uri="{FF2B5EF4-FFF2-40B4-BE49-F238E27FC236}">
+                <a16:creationId xmlns:a16="http://schemas.microsoft.com/office/drawing/2014/main" id="{4D01C4AB-1A41-B394-989E-3A82636AF563}"/>
+              </a:ext>
+            </a:extLst>
+          </p:cNvPr>
+          <p:cNvSpPr/>
+          <p:nvPr/>
+        </p:nvSpPr>
+        <p:spPr>
+          <a:xfrm>
+            <a:off x="705535" y="2206074"/>
+            <a:ext cx="1755941" cy="2028717"/>
+          </a:xfrm>
+          <a:prstGeom prst="roundRect">
+            <a:avLst>
+              <a:gd name="adj" fmla="val 8824"/>
+            </a:avLst>
+          </a:prstGeom>
+        </p:spPr>
+        <p:style>
+          <a:lnRef idx="1">
+            <a:schemeClr val="dk1"/>
+          </a:lnRef>
+          <a:fillRef idx="2">
+            <a:schemeClr val="dk1"/>
+          </a:fillRef>
+          <a:effectRef idx="1">
+            <a:schemeClr val="dk1"/>
+          </a:effectRef>
+          <a:fontRef idx="minor">
+            <a:schemeClr val="dk1"/>
+          </a:fontRef>
+        </p:style>
+        <p:txBody>
+          <a:bodyPr rtlCol="0" anchor="t"/>
+          <a:lstStyle/>
+          <a:p>
+            <a:r>
+              <a:rPr lang="en-US" dirty="0">
+                <a:latin typeface="Abadi" panose="020B0604020104020204" pitchFamily="34" charset="0"/>
+              </a:rPr>
+              <a:t>Cyber Tools</a:t>
+            </a:r>
+          </a:p>
+        </p:txBody>
+      </p:sp>
+      <p:pic>
+        <p:nvPicPr>
+          <p:cNvPr id="1070" name="Picture 46" descr="Rapid7 Logo &amp; Brand Assets (SVG, PNG ...">
+            <a:extLst>
+              <a:ext uri="{FF2B5EF4-FFF2-40B4-BE49-F238E27FC236}">
+                <a16:creationId xmlns:a16="http://schemas.microsoft.com/office/drawing/2014/main" id="{35A83B7C-46A1-8EC2-C949-60855260F029}"/>
+              </a:ext>
+            </a:extLst>
+          </p:cNvPr>
+          <p:cNvPicPr>
+            <a:picLocks noChangeAspect="1" noChangeArrowheads="1"/>
+          </p:cNvPicPr>
+          <p:nvPr/>
+        </p:nvPicPr>
+        <p:blipFill>
+          <a:blip r:embed="rId23">
+            <a:extLst>
+              <a:ext uri="{28A0092B-C50C-407E-A947-70E740481C1C}">
+                <a14:useLocalDpi xmlns:a14="http://schemas.microsoft.com/office/drawing/2010/main" val="0"/>
+              </a:ext>
+            </a:extLst>
+          </a:blip>
+          <a:srcRect/>
+          <a:stretch>
+            <a:fillRect/>
+          </a:stretch>
+        </p:blipFill>
+        <p:spPr bwMode="auto">
+          <a:xfrm>
+            <a:off x="802038" y="3572373"/>
+            <a:ext cx="712953" cy="548640"/>
+          </a:xfrm>
+          <a:prstGeom prst="rect">
+            <a:avLst/>
+          </a:prstGeom>
+          <a:noFill/>
+          <a:extLst>
+            <a:ext uri="{909E8E84-426E-40DD-AFC4-6F175D3DCCD1}">
+              <a14:hiddenFill xmlns:a14="http://schemas.microsoft.com/office/drawing/2010/main">
+                <a:solidFill>
+                  <a:srgbClr val="FFFFFF"/>
+                </a:solidFill>
+              </a14:hiddenFill>
+            </a:ext>
+          </a:extLst>
+        </p:spPr>
+      </p:pic>
     </p:spTree>
     <p:extLst>
       <p:ext uri="{BB962C8B-B14F-4D97-AF65-F5344CB8AC3E}">

--- a/BizPlan.pptx
+++ b/BizPlan.pptx
@@ -5,8 +5,9 @@
     <p:sldMasterId id="2147483648" r:id="rId1"/>
   </p:sldMasterIdLst>
   <p:sldIdLst>
-    <p:sldId id="256" r:id="rId2"/>
-    <p:sldId id="257" r:id="rId3"/>
+    <p:sldId id="257" r:id="rId2"/>
+    <p:sldId id="258" r:id="rId3"/>
+    <p:sldId id="256" r:id="rId4"/>
   </p:sldIdLst>
   <p:sldSz cx="12192000" cy="6858000"/>
   <p:notesSz cx="6858000" cy="9144000"/>
@@ -3310,153 +3311,6 @@
   <p:cSld>
     <p:spTree>
       <p:nvGrpSpPr>
-        <p:cNvPr id="1" name=""/>
-        <p:cNvGrpSpPr/>
-        <p:nvPr/>
-      </p:nvGrpSpPr>
-      <p:grpSpPr>
-        <a:xfrm>
-          <a:off x="0" y="0"/>
-          <a:ext cx="0" cy="0"/>
-          <a:chOff x="0" y="0"/>
-          <a:chExt cx="0" cy="0"/>
-        </a:xfrm>
-      </p:grpSpPr>
-      <p:sp>
-        <p:nvSpPr>
-          <p:cNvPr id="4" name="TextBox 3">
-            <a:extLst>
-              <a:ext uri="{FF2B5EF4-FFF2-40B4-BE49-F238E27FC236}">
-                <a16:creationId xmlns:a16="http://schemas.microsoft.com/office/drawing/2014/main" id="{C5010106-D3CA-E5B8-16B6-6300DFB42397}"/>
-              </a:ext>
-            </a:extLst>
-          </p:cNvPr>
-          <p:cNvSpPr txBox="1"/>
-          <p:nvPr/>
-        </p:nvSpPr>
-        <p:spPr>
-          <a:xfrm>
-            <a:off x="441789" y="441789"/>
-            <a:ext cx="9104031" cy="369332"/>
-          </a:xfrm>
-          <a:prstGeom prst="rect">
-            <a:avLst/>
-          </a:prstGeom>
-          <a:noFill/>
-        </p:spPr>
-        <p:txBody>
-          <a:bodyPr wrap="none" rtlCol="0">
-            <a:spAutoFit/>
-          </a:bodyPr>
-          <a:lstStyle/>
-          <a:p>
-            <a:r>
-              <a:rPr lang="en-US" dirty="0"/>
-              <a:t>Can Kestra store secure credentials? How would our solution store these types of secrets?</a:t>
-            </a:r>
-          </a:p>
-        </p:txBody>
-      </p:sp>
-      <p:sp>
-        <p:nvSpPr>
-          <p:cNvPr id="5" name="TextBox 4">
-            <a:extLst>
-              <a:ext uri="{FF2B5EF4-FFF2-40B4-BE49-F238E27FC236}">
-                <a16:creationId xmlns:a16="http://schemas.microsoft.com/office/drawing/2014/main" id="{402FA2BD-D517-6DEA-9604-D2767014B2B3}"/>
-              </a:ext>
-            </a:extLst>
-          </p:cNvPr>
-          <p:cNvSpPr txBox="1"/>
-          <p:nvPr/>
-        </p:nvSpPr>
-        <p:spPr>
-          <a:xfrm>
-            <a:off x="522270" y="1015429"/>
-            <a:ext cx="10670229" cy="646331"/>
-          </a:xfrm>
-          <a:prstGeom prst="rect">
-            <a:avLst/>
-          </a:prstGeom>
-          <a:noFill/>
-        </p:spPr>
-        <p:txBody>
-          <a:bodyPr wrap="none" rtlCol="0">
-            <a:spAutoFit/>
-          </a:bodyPr>
-          <a:lstStyle/>
-          <a:p>
-            <a:r>
-              <a:rPr lang="en-US" dirty="0"/>
-              <a:t>New airflow architecture: Worker separated from meta node – allowing more secure deployment.</a:t>
-            </a:r>
-          </a:p>
-          <a:p>
-            <a:r>
-              <a:rPr lang="en-US" dirty="0"/>
-              <a:t>https://airflow.apache.org/docs/apache-airflow/stable/core-concepts/overview.html#airflow-components</a:t>
-            </a:r>
-          </a:p>
-        </p:txBody>
-      </p:sp>
-      <p:sp>
-        <p:nvSpPr>
-          <p:cNvPr id="6" name="TextBox 5">
-            <a:extLst>
-              <a:ext uri="{FF2B5EF4-FFF2-40B4-BE49-F238E27FC236}">
-                <a16:creationId xmlns:a16="http://schemas.microsoft.com/office/drawing/2014/main" id="{2F901877-6BA2-8E40-4C01-99BB75F93462}"/>
-              </a:ext>
-            </a:extLst>
-          </p:cNvPr>
-          <p:cNvSpPr txBox="1"/>
-          <p:nvPr/>
-        </p:nvSpPr>
-        <p:spPr>
-          <a:xfrm>
-            <a:off x="686656" y="1970926"/>
-            <a:ext cx="9598718" cy="646331"/>
-          </a:xfrm>
-          <a:prstGeom prst="rect">
-            <a:avLst/>
-          </a:prstGeom>
-          <a:noFill/>
-        </p:spPr>
-        <p:txBody>
-          <a:bodyPr wrap="none" rtlCol="0">
-            <a:spAutoFit/>
-          </a:bodyPr>
-          <a:lstStyle/>
-          <a:p>
-            <a:r>
-              <a:rPr lang="en-US" dirty="0"/>
-              <a:t>Questions:</a:t>
-            </a:r>
-          </a:p>
-          <a:p>
-            <a:r>
-              <a:rPr lang="en-US" dirty="0"/>
-              <a:t>1. Would our offering be something that could be ‘sold’ on the AWS (or other CSP) marketplace?</a:t>
-            </a:r>
-          </a:p>
-        </p:txBody>
-      </p:sp>
-    </p:spTree>
-    <p:extLst>
-      <p:ext uri="{BB962C8B-B14F-4D97-AF65-F5344CB8AC3E}">
-        <p14:creationId xmlns:p14="http://schemas.microsoft.com/office/powerpoint/2010/main" val="3991456666"/>
-      </p:ext>
-    </p:extLst>
-  </p:cSld>
-  <p:clrMapOvr>
-    <a:masterClrMapping/>
-  </p:clrMapOvr>
-</p:sld>
-</file>
-
-<file path=ppt/slides/slide2.xml><?xml version="1.0" encoding="utf-8"?>
-<p:sld xmlns:a="http://schemas.openxmlformats.org/drawingml/2006/main" xmlns:r="http://schemas.openxmlformats.org/officeDocument/2006/relationships" xmlns:p="http://schemas.openxmlformats.org/presentationml/2006/main">
-  <p:cSld>
-    <p:spTree>
-      <p:nvGrpSpPr>
         <p:cNvPr id="1" name="">
           <a:extLst>
             <a:ext uri="{FF2B5EF4-FFF2-40B4-BE49-F238E27FC236}">
@@ -3747,6 +3601,9 @@
               <a:gd name="adj" fmla="val 8824"/>
             </a:avLst>
           </a:prstGeom>
+          <a:solidFill>
+            <a:schemeClr val="accent2"/>
+          </a:solidFill>
         </p:spPr>
         <p:style>
           <a:lnRef idx="1">
@@ -4045,7 +3902,7 @@
         </p:blipFill>
         <p:spPr bwMode="auto">
           <a:xfrm>
-            <a:off x="9198713" y="3177018"/>
+            <a:off x="3991843" y="2645892"/>
             <a:ext cx="914400" cy="914400"/>
           </a:xfrm>
           <a:prstGeom prst="rect">
@@ -4092,7 +3949,7 @@
         </p:blipFill>
         <p:spPr bwMode="auto">
           <a:xfrm>
-            <a:off x="8095696" y="3177018"/>
+            <a:off x="2888826" y="2645892"/>
             <a:ext cx="914400" cy="914400"/>
           </a:xfrm>
           <a:prstGeom prst="rect">
@@ -5039,10 +4896,609 @@
           </a:extLst>
         </p:spPr>
       </p:pic>
+      <p:pic>
+        <p:nvPicPr>
+          <p:cNvPr id="1072" name="Picture 48">
+            <a:extLst>
+              <a:ext uri="{FF2B5EF4-FFF2-40B4-BE49-F238E27FC236}">
+                <a16:creationId xmlns:a16="http://schemas.microsoft.com/office/drawing/2014/main" id="{0A5E976E-1933-2865-7585-792950C1F534}"/>
+              </a:ext>
+            </a:extLst>
+          </p:cNvPr>
+          <p:cNvPicPr>
+            <a:picLocks noChangeAspect="1" noChangeArrowheads="1"/>
+          </p:cNvPicPr>
+          <p:nvPr/>
+        </p:nvPicPr>
+        <p:blipFill>
+          <a:blip r:embed="rId24">
+            <a:extLst>
+              <a:ext uri="{28A0092B-C50C-407E-A947-70E740481C1C}">
+                <a14:useLocalDpi xmlns:a14="http://schemas.microsoft.com/office/drawing/2010/main" val="0"/>
+              </a:ext>
+            </a:extLst>
+          </a:blip>
+          <a:srcRect/>
+          <a:stretch/>
+        </p:blipFill>
+        <p:spPr bwMode="auto">
+          <a:xfrm>
+            <a:off x="802038" y="2946112"/>
+            <a:ext cx="703020" cy="548640"/>
+          </a:xfrm>
+          <a:prstGeom prst="rect">
+            <a:avLst/>
+          </a:prstGeom>
+          <a:noFill/>
+          <a:extLst>
+            <a:ext uri="{909E8E84-426E-40DD-AFC4-6F175D3DCCD1}">
+              <a14:hiddenFill xmlns:a14="http://schemas.microsoft.com/office/drawing/2010/main">
+                <a:solidFill>
+                  <a:srgbClr val="FFFFFF"/>
+                </a:solidFill>
+              </a14:hiddenFill>
+            </a:ext>
+          </a:extLst>
+        </p:spPr>
+      </p:pic>
+      <p:pic>
+        <p:nvPicPr>
+          <p:cNvPr id="27" name="Picture 26">
+            <a:extLst>
+              <a:ext uri="{FF2B5EF4-FFF2-40B4-BE49-F238E27FC236}">
+                <a16:creationId xmlns:a16="http://schemas.microsoft.com/office/drawing/2014/main" id="{52D9D9CC-8FAA-0FF3-0C5A-C7DCB80AD0F3}"/>
+              </a:ext>
+            </a:extLst>
+          </p:cNvPr>
+          <p:cNvPicPr>
+            <a:picLocks noChangeAspect="1"/>
+          </p:cNvPicPr>
+          <p:nvPr/>
+        </p:nvPicPr>
+        <p:blipFill>
+          <a:blip r:embed="rId25"/>
+          <a:stretch>
+            <a:fillRect/>
+          </a:stretch>
+        </p:blipFill>
+        <p:spPr>
+          <a:xfrm>
+            <a:off x="1558810" y="2946112"/>
+            <a:ext cx="548640" cy="548640"/>
+          </a:xfrm>
+          <a:prstGeom prst="rect">
+            <a:avLst/>
+          </a:prstGeom>
+        </p:spPr>
+      </p:pic>
+      <p:pic>
+        <p:nvPicPr>
+          <p:cNvPr id="1074" name="Picture 50" descr="Advanced Security dashboard Widgets ...">
+            <a:extLst>
+              <a:ext uri="{FF2B5EF4-FFF2-40B4-BE49-F238E27FC236}">
+                <a16:creationId xmlns:a16="http://schemas.microsoft.com/office/drawing/2014/main" id="{649E90CD-97B5-F1F5-822E-C707E12945F4}"/>
+              </a:ext>
+            </a:extLst>
+          </p:cNvPr>
+          <p:cNvPicPr>
+            <a:picLocks noChangeAspect="1" noChangeArrowheads="1"/>
+          </p:cNvPicPr>
+          <p:nvPr/>
+        </p:nvPicPr>
+        <p:blipFill>
+          <a:blip r:embed="rId26">
+            <a:extLst>
+              <a:ext uri="{28A0092B-C50C-407E-A947-70E740481C1C}">
+                <a14:useLocalDpi xmlns:a14="http://schemas.microsoft.com/office/drawing/2010/main" val="0"/>
+              </a:ext>
+            </a:extLst>
+          </a:blip>
+          <a:srcRect/>
+          <a:stretch>
+            <a:fillRect/>
+          </a:stretch>
+        </p:blipFill>
+        <p:spPr bwMode="auto">
+          <a:xfrm>
+            <a:off x="1593567" y="3570846"/>
+            <a:ext cx="548640" cy="548640"/>
+          </a:xfrm>
+          <a:prstGeom prst="rect">
+            <a:avLst/>
+          </a:prstGeom>
+          <a:noFill/>
+          <a:extLst>
+            <a:ext uri="{909E8E84-426E-40DD-AFC4-6F175D3DCCD1}">
+              <a14:hiddenFill xmlns:a14="http://schemas.microsoft.com/office/drawing/2010/main">
+                <a:solidFill>
+                  <a:srgbClr val="FFFFFF"/>
+                </a:solidFill>
+              </a14:hiddenFill>
+            </a:ext>
+          </a:extLst>
+        </p:spPr>
+      </p:pic>
+      <p:pic>
+        <p:nvPicPr>
+          <p:cNvPr id="1076" name="Picture 52" descr="Zero Trust Guide for Cloud-Native ...">
+            <a:extLst>
+              <a:ext uri="{FF2B5EF4-FFF2-40B4-BE49-F238E27FC236}">
+                <a16:creationId xmlns:a16="http://schemas.microsoft.com/office/drawing/2014/main" id="{3CA64B89-41DE-10C4-CB6E-AB6D861EDEAA}"/>
+              </a:ext>
+            </a:extLst>
+          </p:cNvPr>
+          <p:cNvPicPr>
+            <a:picLocks noChangeAspect="1" noChangeArrowheads="1"/>
+          </p:cNvPicPr>
+          <p:nvPr/>
+        </p:nvPicPr>
+        <p:blipFill rotWithShape="1">
+          <a:blip r:embed="rId27">
+            <a:extLst>
+              <a:ext uri="{28A0092B-C50C-407E-A947-70E740481C1C}">
+                <a14:useLocalDpi xmlns:a14="http://schemas.microsoft.com/office/drawing/2010/main" val="0"/>
+              </a:ext>
+            </a:extLst>
+          </a:blip>
+          <a:srcRect l="18873" r="18405"/>
+          <a:stretch/>
+        </p:blipFill>
+        <p:spPr bwMode="auto">
+          <a:xfrm>
+            <a:off x="9198651" y="3220432"/>
+            <a:ext cx="920228" cy="914400"/>
+          </a:xfrm>
+          <a:prstGeom prst="rect">
+            <a:avLst/>
+          </a:prstGeom>
+          <a:noFill/>
+          <a:extLst>
+            <a:ext uri="{909E8E84-426E-40DD-AFC4-6F175D3DCCD1}">
+              <a14:hiddenFill xmlns:a14="http://schemas.microsoft.com/office/drawing/2010/main">
+                <a:solidFill>
+                  <a:srgbClr val="FFFFFF"/>
+                </a:solidFill>
+              </a14:hiddenFill>
+            </a:ext>
+          </a:extLst>
+        </p:spPr>
+      </p:pic>
     </p:spTree>
     <p:extLst>
       <p:ext uri="{BB962C8B-B14F-4D97-AF65-F5344CB8AC3E}">
         <p14:creationId xmlns:p14="http://schemas.microsoft.com/office/powerpoint/2010/main" val="4128926825"/>
+      </p:ext>
+    </p:extLst>
+  </p:cSld>
+  <p:clrMapOvr>
+    <a:masterClrMapping/>
+  </p:clrMapOvr>
+</p:sld>
+</file>
+
+<file path=ppt/slides/slide2.xml><?xml version="1.0" encoding="utf-8"?>
+<p:sld xmlns:a="http://schemas.openxmlformats.org/drawingml/2006/main" xmlns:r="http://schemas.openxmlformats.org/officeDocument/2006/relationships" xmlns:p="http://schemas.openxmlformats.org/presentationml/2006/main">
+  <p:cSld>
+    <p:spTree>
+      <p:nvGrpSpPr>
+        <p:cNvPr id="1" name="">
+          <a:extLst>
+            <a:ext uri="{FF2B5EF4-FFF2-40B4-BE49-F238E27FC236}">
+              <a16:creationId xmlns:a16="http://schemas.microsoft.com/office/drawing/2014/main" id="{29E74549-ECE6-E04D-F91E-B239412B6C73}"/>
+            </a:ext>
+          </a:extLst>
+        </p:cNvPr>
+        <p:cNvGrpSpPr/>
+        <p:nvPr/>
+      </p:nvGrpSpPr>
+      <p:grpSpPr>
+        <a:xfrm>
+          <a:off x="0" y="0"/>
+          <a:ext cx="0" cy="0"/>
+          <a:chOff x="0" y="0"/>
+          <a:chExt cx="0" cy="0"/>
+        </a:xfrm>
+      </p:grpSpPr>
+      <p:sp>
+        <p:nvSpPr>
+          <p:cNvPr id="2" name="TextBox 1">
+            <a:extLst>
+              <a:ext uri="{FF2B5EF4-FFF2-40B4-BE49-F238E27FC236}">
+                <a16:creationId xmlns:a16="http://schemas.microsoft.com/office/drawing/2014/main" id="{71C2FA63-34E7-7281-7654-17589A8CD6B6}"/>
+              </a:ext>
+            </a:extLst>
+          </p:cNvPr>
+          <p:cNvSpPr txBox="1"/>
+          <p:nvPr/>
+        </p:nvSpPr>
+        <p:spPr>
+          <a:xfrm>
+            <a:off x="4730435" y="139129"/>
+            <a:ext cx="2731133" cy="461665"/>
+          </a:xfrm>
+          <a:prstGeom prst="rect">
+            <a:avLst/>
+          </a:prstGeom>
+          <a:noFill/>
+        </p:spPr>
+        <p:txBody>
+          <a:bodyPr wrap="none" rtlCol="0">
+            <a:spAutoFit/>
+          </a:bodyPr>
+          <a:lstStyle/>
+          <a:p>
+            <a:pPr algn="ctr"/>
+            <a:r>
+              <a:rPr lang="en-US" sz="2400" b="1" dirty="0"/>
+              <a:t>Customer Stories:</a:t>
+            </a:r>
+          </a:p>
+        </p:txBody>
+      </p:sp>
+      <p:sp>
+        <p:nvSpPr>
+          <p:cNvPr id="3" name="TextBox 2">
+            <a:extLst>
+              <a:ext uri="{FF2B5EF4-FFF2-40B4-BE49-F238E27FC236}">
+                <a16:creationId xmlns:a16="http://schemas.microsoft.com/office/drawing/2014/main" id="{85932AE8-BEF6-B5DC-9E23-E75CE1D22E26}"/>
+              </a:ext>
+            </a:extLst>
+          </p:cNvPr>
+          <p:cNvSpPr txBox="1"/>
+          <p:nvPr/>
+        </p:nvSpPr>
+        <p:spPr>
+          <a:xfrm>
+            <a:off x="356456" y="751726"/>
+            <a:ext cx="6080960" cy="369332"/>
+          </a:xfrm>
+          <a:prstGeom prst="rect">
+            <a:avLst/>
+          </a:prstGeom>
+          <a:noFill/>
+        </p:spPr>
+        <p:txBody>
+          <a:bodyPr wrap="none" rtlCol="0">
+            <a:spAutoFit/>
+          </a:bodyPr>
+          <a:lstStyle/>
+          <a:p>
+            <a:r>
+              <a:rPr lang="en-US" dirty="0"/>
+              <a:t>We have XYZ and are trying to do ABC, but can’t figure it out.</a:t>
+            </a:r>
+          </a:p>
+        </p:txBody>
+      </p:sp>
+      <p:sp>
+        <p:nvSpPr>
+          <p:cNvPr id="5" name="TextBox 4">
+            <a:extLst>
+              <a:ext uri="{FF2B5EF4-FFF2-40B4-BE49-F238E27FC236}">
+                <a16:creationId xmlns:a16="http://schemas.microsoft.com/office/drawing/2014/main" id="{F24778D0-6E98-36D8-D1DA-5E449D99B0B4}"/>
+              </a:ext>
+            </a:extLst>
+          </p:cNvPr>
+          <p:cNvSpPr txBox="1"/>
+          <p:nvPr/>
+        </p:nvSpPr>
+        <p:spPr>
+          <a:xfrm>
+            <a:off x="4575223" y="2348929"/>
+            <a:ext cx="3346365" cy="461665"/>
+          </a:xfrm>
+          <a:prstGeom prst="rect">
+            <a:avLst/>
+          </a:prstGeom>
+          <a:noFill/>
+        </p:spPr>
+        <p:txBody>
+          <a:bodyPr wrap="none" rtlCol="0">
+            <a:spAutoFit/>
+          </a:bodyPr>
+          <a:lstStyle/>
+          <a:p>
+            <a:pPr algn="ctr"/>
+            <a:r>
+              <a:rPr lang="en-US" sz="2400" b="1" dirty="0" err="1"/>
+              <a:t>NewCo</a:t>
+            </a:r>
+            <a:r>
+              <a:rPr lang="en-US" sz="2400" b="1" dirty="0"/>
+              <a:t> Discriminators</a:t>
+            </a:r>
+          </a:p>
+        </p:txBody>
+      </p:sp>
+      <p:sp>
+        <p:nvSpPr>
+          <p:cNvPr id="11" name="TextBox 10">
+            <a:extLst>
+              <a:ext uri="{FF2B5EF4-FFF2-40B4-BE49-F238E27FC236}">
+                <a16:creationId xmlns:a16="http://schemas.microsoft.com/office/drawing/2014/main" id="{C08C5C81-B232-C04E-51C9-E958A3534E7A}"/>
+              </a:ext>
+            </a:extLst>
+          </p:cNvPr>
+          <p:cNvSpPr txBox="1"/>
+          <p:nvPr/>
+        </p:nvSpPr>
+        <p:spPr>
+          <a:xfrm>
+            <a:off x="508856" y="2961526"/>
+            <a:ext cx="2451248" cy="369332"/>
+          </a:xfrm>
+          <a:prstGeom prst="rect">
+            <a:avLst/>
+          </a:prstGeom>
+          <a:noFill/>
+        </p:spPr>
+        <p:txBody>
+          <a:bodyPr wrap="none" rtlCol="0">
+            <a:spAutoFit/>
+          </a:bodyPr>
+          <a:lstStyle/>
+          <a:p>
+            <a:pPr marL="285750" indent="-285750">
+              <a:buFont typeface="Arial" panose="020B0604020202020204" pitchFamily="34" charset="0"/>
+              <a:buChar char="•"/>
+            </a:pPr>
+            <a:r>
+              <a:rPr lang="en-US" dirty="0"/>
+              <a:t>We do this securely.</a:t>
+            </a:r>
+          </a:p>
+        </p:txBody>
+      </p:sp>
+      <p:sp>
+        <p:nvSpPr>
+          <p:cNvPr id="13" name="TextBox 12">
+            <a:extLst>
+              <a:ext uri="{FF2B5EF4-FFF2-40B4-BE49-F238E27FC236}">
+                <a16:creationId xmlns:a16="http://schemas.microsoft.com/office/drawing/2014/main" id="{AC66CE66-68F3-970D-FEC0-9FCB191EA9E5}"/>
+              </a:ext>
+            </a:extLst>
+          </p:cNvPr>
+          <p:cNvSpPr txBox="1"/>
+          <p:nvPr/>
+        </p:nvSpPr>
+        <p:spPr>
+          <a:xfrm>
+            <a:off x="5372439" y="3711004"/>
+            <a:ext cx="2062359" cy="461665"/>
+          </a:xfrm>
+          <a:prstGeom prst="rect">
+            <a:avLst/>
+          </a:prstGeom>
+          <a:noFill/>
+        </p:spPr>
+        <p:txBody>
+          <a:bodyPr wrap="none" rtlCol="0">
+            <a:spAutoFit/>
+          </a:bodyPr>
+          <a:lstStyle/>
+          <a:p>
+            <a:pPr algn="ctr"/>
+            <a:r>
+              <a:rPr lang="en-US" sz="2400" b="1" dirty="0" err="1"/>
+              <a:t>NewCo</a:t>
+            </a:r>
+            <a:r>
+              <a:rPr lang="en-US" sz="2400" b="1" dirty="0"/>
+              <a:t> Roles</a:t>
+            </a:r>
+          </a:p>
+        </p:txBody>
+      </p:sp>
+      <p:sp>
+        <p:nvSpPr>
+          <p:cNvPr id="15" name="TextBox 14">
+            <a:extLst>
+              <a:ext uri="{FF2B5EF4-FFF2-40B4-BE49-F238E27FC236}">
+                <a16:creationId xmlns:a16="http://schemas.microsoft.com/office/drawing/2014/main" id="{CE4A734D-6D7F-55DA-A520-EE05E605FA54}"/>
+              </a:ext>
+            </a:extLst>
+          </p:cNvPr>
+          <p:cNvSpPr txBox="1"/>
+          <p:nvPr/>
+        </p:nvSpPr>
+        <p:spPr>
+          <a:xfrm>
+            <a:off x="664068" y="4323601"/>
+            <a:ext cx="3852850" cy="923330"/>
+          </a:xfrm>
+          <a:prstGeom prst="rect">
+            <a:avLst/>
+          </a:prstGeom>
+          <a:noFill/>
+        </p:spPr>
+        <p:txBody>
+          <a:bodyPr wrap="none" rtlCol="0">
+            <a:spAutoFit/>
+          </a:bodyPr>
+          <a:lstStyle/>
+          <a:p>
+            <a:pPr marL="285750" indent="-285750">
+              <a:buFont typeface="Arial" panose="020B0604020202020204" pitchFamily="34" charset="0"/>
+              <a:buChar char="•"/>
+            </a:pPr>
+            <a:r>
+              <a:rPr lang="en-US" dirty="0"/>
+              <a:t>Ryan: Cloud Engineer</a:t>
+            </a:r>
+          </a:p>
+          <a:p>
+            <a:pPr marL="285750" indent="-285750">
+              <a:buFont typeface="Arial" panose="020B0604020202020204" pitchFamily="34" charset="0"/>
+              <a:buChar char="•"/>
+            </a:pPr>
+            <a:r>
+              <a:rPr lang="en-US" dirty="0"/>
+              <a:t>Gabriel: Data Engineer</a:t>
+            </a:r>
+          </a:p>
+          <a:p>
+            <a:pPr marL="285750" indent="-285750">
+              <a:buFont typeface="Arial" panose="020B0604020202020204" pitchFamily="34" charset="0"/>
+              <a:buChar char="•"/>
+            </a:pPr>
+            <a:r>
+              <a:rPr lang="en-US" dirty="0"/>
+              <a:t>Sheen: Network/Security Engineer</a:t>
+            </a:r>
+          </a:p>
+        </p:txBody>
+      </p:sp>
+    </p:spTree>
+    <p:extLst>
+      <p:ext uri="{BB962C8B-B14F-4D97-AF65-F5344CB8AC3E}">
+        <p14:creationId xmlns:p14="http://schemas.microsoft.com/office/powerpoint/2010/main" val="1042408295"/>
+      </p:ext>
+    </p:extLst>
+  </p:cSld>
+  <p:clrMapOvr>
+    <a:masterClrMapping/>
+  </p:clrMapOvr>
+</p:sld>
+</file>
+
+<file path=ppt/slides/slide3.xml><?xml version="1.0" encoding="utf-8"?>
+<p:sld xmlns:a="http://schemas.openxmlformats.org/drawingml/2006/main" xmlns:r="http://schemas.openxmlformats.org/officeDocument/2006/relationships" xmlns:p="http://schemas.openxmlformats.org/presentationml/2006/main">
+  <p:cSld>
+    <p:spTree>
+      <p:nvGrpSpPr>
+        <p:cNvPr id="1" name=""/>
+        <p:cNvGrpSpPr/>
+        <p:nvPr/>
+      </p:nvGrpSpPr>
+      <p:grpSpPr>
+        <a:xfrm>
+          <a:off x="0" y="0"/>
+          <a:ext cx="0" cy="0"/>
+          <a:chOff x="0" y="0"/>
+          <a:chExt cx="0" cy="0"/>
+        </a:xfrm>
+      </p:grpSpPr>
+      <p:sp>
+        <p:nvSpPr>
+          <p:cNvPr id="4" name="TextBox 3">
+            <a:extLst>
+              <a:ext uri="{FF2B5EF4-FFF2-40B4-BE49-F238E27FC236}">
+                <a16:creationId xmlns:a16="http://schemas.microsoft.com/office/drawing/2014/main" id="{C5010106-D3CA-E5B8-16B6-6300DFB42397}"/>
+              </a:ext>
+            </a:extLst>
+          </p:cNvPr>
+          <p:cNvSpPr txBox="1"/>
+          <p:nvPr/>
+        </p:nvSpPr>
+        <p:spPr>
+          <a:xfrm>
+            <a:off x="441789" y="441789"/>
+            <a:ext cx="9104031" cy="369332"/>
+          </a:xfrm>
+          <a:prstGeom prst="rect">
+            <a:avLst/>
+          </a:prstGeom>
+          <a:noFill/>
+        </p:spPr>
+        <p:txBody>
+          <a:bodyPr wrap="none" rtlCol="0">
+            <a:spAutoFit/>
+          </a:bodyPr>
+          <a:lstStyle/>
+          <a:p>
+            <a:r>
+              <a:rPr lang="en-US" dirty="0"/>
+              <a:t>Can Kestra store secure credentials? How would our solution store these types of secrets?</a:t>
+            </a:r>
+          </a:p>
+        </p:txBody>
+      </p:sp>
+      <p:sp>
+        <p:nvSpPr>
+          <p:cNvPr id="5" name="TextBox 4">
+            <a:extLst>
+              <a:ext uri="{FF2B5EF4-FFF2-40B4-BE49-F238E27FC236}">
+                <a16:creationId xmlns:a16="http://schemas.microsoft.com/office/drawing/2014/main" id="{402FA2BD-D517-6DEA-9604-D2767014B2B3}"/>
+              </a:ext>
+            </a:extLst>
+          </p:cNvPr>
+          <p:cNvSpPr txBox="1"/>
+          <p:nvPr/>
+        </p:nvSpPr>
+        <p:spPr>
+          <a:xfrm>
+            <a:off x="522270" y="1015429"/>
+            <a:ext cx="10670229" cy="646331"/>
+          </a:xfrm>
+          <a:prstGeom prst="rect">
+            <a:avLst/>
+          </a:prstGeom>
+          <a:noFill/>
+        </p:spPr>
+        <p:txBody>
+          <a:bodyPr wrap="none" rtlCol="0">
+            <a:spAutoFit/>
+          </a:bodyPr>
+          <a:lstStyle/>
+          <a:p>
+            <a:r>
+              <a:rPr lang="en-US" dirty="0"/>
+              <a:t>New airflow architecture: Worker separated from meta node – allowing more secure deployment.</a:t>
+            </a:r>
+          </a:p>
+          <a:p>
+            <a:r>
+              <a:rPr lang="en-US" dirty="0"/>
+              <a:t>https://airflow.apache.org/docs/apache-airflow/stable/core-concepts/overview.html#airflow-components</a:t>
+            </a:r>
+          </a:p>
+        </p:txBody>
+      </p:sp>
+      <p:sp>
+        <p:nvSpPr>
+          <p:cNvPr id="6" name="TextBox 5">
+            <a:extLst>
+              <a:ext uri="{FF2B5EF4-FFF2-40B4-BE49-F238E27FC236}">
+                <a16:creationId xmlns:a16="http://schemas.microsoft.com/office/drawing/2014/main" id="{2F901877-6BA2-8E40-4C01-99BB75F93462}"/>
+              </a:ext>
+            </a:extLst>
+          </p:cNvPr>
+          <p:cNvSpPr txBox="1"/>
+          <p:nvPr/>
+        </p:nvSpPr>
+        <p:spPr>
+          <a:xfrm>
+            <a:off x="686656" y="1970926"/>
+            <a:ext cx="9598718" cy="646331"/>
+          </a:xfrm>
+          <a:prstGeom prst="rect">
+            <a:avLst/>
+          </a:prstGeom>
+          <a:noFill/>
+        </p:spPr>
+        <p:txBody>
+          <a:bodyPr wrap="none" rtlCol="0">
+            <a:spAutoFit/>
+          </a:bodyPr>
+          <a:lstStyle/>
+          <a:p>
+            <a:r>
+              <a:rPr lang="en-US" dirty="0"/>
+              <a:t>Questions:</a:t>
+            </a:r>
+          </a:p>
+          <a:p>
+            <a:r>
+              <a:rPr lang="en-US" dirty="0"/>
+              <a:t>1. Would our offering be something that could be ‘sold’ on the AWS (or other CSP) marketplace?</a:t>
+            </a:r>
+          </a:p>
+        </p:txBody>
+      </p:sp>
+    </p:spTree>
+    <p:extLst>
+      <p:ext uri="{BB962C8B-B14F-4D97-AF65-F5344CB8AC3E}">
+        <p14:creationId xmlns:p14="http://schemas.microsoft.com/office/powerpoint/2010/main" val="3991456666"/>
       </p:ext>
     </p:extLst>
   </p:cSld>

--- a/BizPlan.pptx
+++ b/BizPlan.pptx
@@ -6,8 +6,10 @@
   </p:sldMasterIdLst>
   <p:sldIdLst>
     <p:sldId id="257" r:id="rId2"/>
-    <p:sldId id="258" r:id="rId3"/>
-    <p:sldId id="256" r:id="rId4"/>
+    <p:sldId id="260" r:id="rId3"/>
+    <p:sldId id="259" r:id="rId4"/>
+    <p:sldId id="258" r:id="rId5"/>
+    <p:sldId id="256" r:id="rId6"/>
   </p:sldIdLst>
   <p:sldSz cx="12192000" cy="6858000"/>
   <p:notesSz cx="6858000" cy="9144000"/>
@@ -3579,65 +3581,6 @@
           </a:p>
         </p:txBody>
       </p:sp>
-      <p:sp>
-        <p:nvSpPr>
-          <p:cNvPr id="14" name="Rectangle: Rounded Corners 13">
-            <a:extLst>
-              <a:ext uri="{FF2B5EF4-FFF2-40B4-BE49-F238E27FC236}">
-                <a16:creationId xmlns:a16="http://schemas.microsoft.com/office/drawing/2014/main" id="{09EB53E3-1B68-BB75-9ADB-308289FBA6E8}"/>
-              </a:ext>
-            </a:extLst>
-          </p:cNvPr>
-          <p:cNvSpPr/>
-          <p:nvPr/>
-        </p:nvSpPr>
-        <p:spPr>
-          <a:xfrm>
-            <a:off x="2650093" y="2206074"/>
-            <a:ext cx="7707116" cy="2028717"/>
-          </a:xfrm>
-          <a:prstGeom prst="roundRect">
-            <a:avLst>
-              <a:gd name="adj" fmla="val 8824"/>
-            </a:avLst>
-          </a:prstGeom>
-          <a:solidFill>
-            <a:schemeClr val="accent2"/>
-          </a:solidFill>
-        </p:spPr>
-        <p:style>
-          <a:lnRef idx="1">
-            <a:schemeClr val="dk1"/>
-          </a:lnRef>
-          <a:fillRef idx="2">
-            <a:schemeClr val="dk1"/>
-          </a:fillRef>
-          <a:effectRef idx="1">
-            <a:schemeClr val="dk1"/>
-          </a:effectRef>
-          <a:fontRef idx="minor">
-            <a:schemeClr val="dk1"/>
-          </a:fontRef>
-        </p:style>
-        <p:txBody>
-          <a:bodyPr rtlCol="0" anchor="t"/>
-          <a:lstStyle/>
-          <a:p>
-            <a:r>
-              <a:rPr lang="en-US" dirty="0" err="1">
-                <a:latin typeface="Abadi" panose="020B0604020104020204" pitchFamily="34" charset="0"/>
-              </a:rPr>
-              <a:t>NewCo</a:t>
-            </a:r>
-            <a:r>
-              <a:rPr lang="en-US" dirty="0">
-                <a:latin typeface="Abadi" panose="020B0604020104020204" pitchFamily="34" charset="0"/>
-              </a:rPr>
-              <a:t> Solution</a:t>
-            </a:r>
-          </a:p>
-        </p:txBody>
-      </p:sp>
       <p:pic>
         <p:nvPicPr>
           <p:cNvPr id="1026" name="Picture 2">
@@ -3873,12 +3816,212 @@
           </a:extLst>
         </p:spPr>
       </p:pic>
+      <p:sp>
+        <p:nvSpPr>
+          <p:cNvPr id="12" name="Rectangle: Rounded Corners 11">
+            <a:extLst>
+              <a:ext uri="{FF2B5EF4-FFF2-40B4-BE49-F238E27FC236}">
+                <a16:creationId xmlns:a16="http://schemas.microsoft.com/office/drawing/2014/main" id="{85001FA9-2DF5-4BE0-6A0E-6701ACB5B639}"/>
+              </a:ext>
+            </a:extLst>
+          </p:cNvPr>
+          <p:cNvSpPr/>
+          <p:nvPr/>
+        </p:nvSpPr>
+        <p:spPr>
+          <a:xfrm>
+            <a:off x="738248" y="468342"/>
+            <a:ext cx="2189765" cy="1174249"/>
+          </a:xfrm>
+          <a:prstGeom prst="roundRect">
+            <a:avLst>
+              <a:gd name="adj" fmla="val 8824"/>
+            </a:avLst>
+          </a:prstGeom>
+        </p:spPr>
+        <p:style>
+          <a:lnRef idx="1">
+            <a:schemeClr val="dk1"/>
+          </a:lnRef>
+          <a:fillRef idx="2">
+            <a:schemeClr val="dk1"/>
+          </a:fillRef>
+          <a:effectRef idx="1">
+            <a:schemeClr val="dk1"/>
+          </a:effectRef>
+          <a:fontRef idx="minor">
+            <a:schemeClr val="dk1"/>
+          </a:fontRef>
+        </p:style>
+        <p:txBody>
+          <a:bodyPr rtlCol="0" anchor="t"/>
+          <a:lstStyle/>
+          <a:p>
+            <a:r>
+              <a:rPr lang="en-US" dirty="0">
+                <a:latin typeface="Abadi" panose="020B0604020104020204" pitchFamily="34" charset="0"/>
+              </a:rPr>
+              <a:t>Data Warehouse</a:t>
+            </a:r>
+          </a:p>
+        </p:txBody>
+      </p:sp>
+      <p:sp>
+        <p:nvSpPr>
+          <p:cNvPr id="16" name="Rectangle: Rounded Corners 15">
+            <a:extLst>
+              <a:ext uri="{FF2B5EF4-FFF2-40B4-BE49-F238E27FC236}">
+                <a16:creationId xmlns:a16="http://schemas.microsoft.com/office/drawing/2014/main" id="{8EFE6BA5-777D-5DDA-C51D-6656902B3C58}"/>
+              </a:ext>
+            </a:extLst>
+          </p:cNvPr>
+          <p:cNvSpPr/>
+          <p:nvPr/>
+        </p:nvSpPr>
+        <p:spPr>
+          <a:xfrm>
+            <a:off x="3580161" y="468342"/>
+            <a:ext cx="2189765" cy="1174249"/>
+          </a:xfrm>
+          <a:prstGeom prst="roundRect">
+            <a:avLst>
+              <a:gd name="adj" fmla="val 8824"/>
+            </a:avLst>
+          </a:prstGeom>
+        </p:spPr>
+        <p:style>
+          <a:lnRef idx="1">
+            <a:schemeClr val="dk1"/>
+          </a:lnRef>
+          <a:fillRef idx="2">
+            <a:schemeClr val="dk1"/>
+          </a:fillRef>
+          <a:effectRef idx="1">
+            <a:schemeClr val="dk1"/>
+          </a:effectRef>
+          <a:fontRef idx="minor">
+            <a:schemeClr val="dk1"/>
+          </a:fontRef>
+        </p:style>
+        <p:txBody>
+          <a:bodyPr rtlCol="0" anchor="t"/>
+          <a:lstStyle/>
+          <a:p>
+            <a:r>
+              <a:rPr lang="en-US" dirty="0">
+                <a:latin typeface="Abadi" panose="020B0604020104020204" pitchFamily="34" charset="0"/>
+              </a:rPr>
+              <a:t>BI Tools</a:t>
+            </a:r>
+          </a:p>
+        </p:txBody>
+      </p:sp>
+      <p:sp>
+        <p:nvSpPr>
+          <p:cNvPr id="17" name="Rectangle: Rounded Corners 16">
+            <a:extLst>
+              <a:ext uri="{FF2B5EF4-FFF2-40B4-BE49-F238E27FC236}">
+                <a16:creationId xmlns:a16="http://schemas.microsoft.com/office/drawing/2014/main" id="{8EB7173C-A961-FA99-8319-84BFB4E122CA}"/>
+              </a:ext>
+            </a:extLst>
+          </p:cNvPr>
+          <p:cNvSpPr/>
+          <p:nvPr/>
+        </p:nvSpPr>
+        <p:spPr>
+          <a:xfrm>
+            <a:off x="6422074" y="468342"/>
+            <a:ext cx="2189765" cy="1174249"/>
+          </a:xfrm>
+          <a:prstGeom prst="roundRect">
+            <a:avLst>
+              <a:gd name="adj" fmla="val 8824"/>
+            </a:avLst>
+          </a:prstGeom>
+        </p:spPr>
+        <p:style>
+          <a:lnRef idx="1">
+            <a:schemeClr val="dk1"/>
+          </a:lnRef>
+          <a:fillRef idx="2">
+            <a:schemeClr val="dk1"/>
+          </a:fillRef>
+          <a:effectRef idx="1">
+            <a:schemeClr val="dk1"/>
+          </a:effectRef>
+          <a:fontRef idx="minor">
+            <a:schemeClr val="dk1"/>
+          </a:fontRef>
+        </p:style>
+        <p:txBody>
+          <a:bodyPr rtlCol="0" anchor="t"/>
+          <a:lstStyle/>
+          <a:p>
+            <a:r>
+              <a:rPr lang="en-US" dirty="0">
+                <a:latin typeface="Abadi" panose="020B0604020104020204" pitchFamily="34" charset="0"/>
+              </a:rPr>
+              <a:t>ML/Analytics</a:t>
+            </a:r>
+          </a:p>
+        </p:txBody>
+      </p:sp>
+      <p:sp>
+        <p:nvSpPr>
+          <p:cNvPr id="18" name="Rectangle: Rounded Corners 17">
+            <a:extLst>
+              <a:ext uri="{FF2B5EF4-FFF2-40B4-BE49-F238E27FC236}">
+                <a16:creationId xmlns:a16="http://schemas.microsoft.com/office/drawing/2014/main" id="{B76FF2C5-F94B-1B68-0673-014D163DAE6C}"/>
+              </a:ext>
+            </a:extLst>
+          </p:cNvPr>
+          <p:cNvSpPr/>
+          <p:nvPr/>
+        </p:nvSpPr>
+        <p:spPr>
+          <a:xfrm>
+            <a:off x="9263988" y="468342"/>
+            <a:ext cx="2189765" cy="1174249"/>
+          </a:xfrm>
+          <a:prstGeom prst="roundRect">
+            <a:avLst>
+              <a:gd name="adj" fmla="val 8824"/>
+            </a:avLst>
+          </a:prstGeom>
+        </p:spPr>
+        <p:style>
+          <a:lnRef idx="1">
+            <a:schemeClr val="dk1"/>
+          </a:lnRef>
+          <a:fillRef idx="2">
+            <a:schemeClr val="dk1"/>
+          </a:fillRef>
+          <a:effectRef idx="1">
+            <a:schemeClr val="dk1"/>
+          </a:effectRef>
+          <a:fontRef idx="minor">
+            <a:schemeClr val="dk1"/>
+          </a:fontRef>
+        </p:style>
+        <p:txBody>
+          <a:bodyPr rtlCol="0" anchor="t"/>
+          <a:lstStyle/>
+          <a:p>
+            <a:r>
+              <a:rPr lang="en-US" dirty="0">
+                <a:latin typeface="Abadi" panose="020B0604020104020204" pitchFamily="34" charset="0"/>
+              </a:rPr>
+              <a:t>Ops Systems</a:t>
+            </a:r>
+          </a:p>
+        </p:txBody>
+      </p:sp>
       <p:pic>
         <p:nvPicPr>
-          <p:cNvPr id="1038" name="Picture 14" descr="Airflow Operators Worth Knowing | by ...">
-            <a:extLst>
-              <a:ext uri="{FF2B5EF4-FFF2-40B4-BE49-F238E27FC236}">
-                <a16:creationId xmlns:a16="http://schemas.microsoft.com/office/drawing/2014/main" id="{21379B79-1DF8-9FE1-6FBD-6C287E5800D4}"/>
+          <p:cNvPr id="1044" name="Picture 20" descr="Google BigQuery Icon Logo PNG vector in ...">
+            <a:extLst>
+              <a:ext uri="{FF2B5EF4-FFF2-40B4-BE49-F238E27FC236}">
+                <a16:creationId xmlns:a16="http://schemas.microsoft.com/office/drawing/2014/main" id="{DCB03B97-3B7E-289C-769C-44E3429E76C7}"/>
               </a:ext>
             </a:extLst>
           </p:cNvPr>
@@ -3902,8 +4045,8 @@
         </p:blipFill>
         <p:spPr bwMode="auto">
           <a:xfrm>
-            <a:off x="3991843" y="2645892"/>
-            <a:ext cx="914400" cy="914400"/>
+            <a:off x="861103" y="1031825"/>
+            <a:ext cx="732464" cy="548640"/>
           </a:xfrm>
           <a:prstGeom prst="rect">
             <a:avLst/>
@@ -3922,10 +4065,10 @@
       </p:pic>
       <p:pic>
         <p:nvPicPr>
-          <p:cNvPr id="1040" name="Picture 16" descr="Kestra · GitHub">
-            <a:extLst>
-              <a:ext uri="{FF2B5EF4-FFF2-40B4-BE49-F238E27FC236}">
-                <a16:creationId xmlns:a16="http://schemas.microsoft.com/office/drawing/2014/main" id="{3B2C2491-C5E4-EE05-A6B4-4D084FDCCCCB}"/>
+          <p:cNvPr id="1046" name="Picture 22" descr="Microsoft Power BI | Logopedia | Fandom">
+            <a:extLst>
+              <a:ext uri="{FF2B5EF4-FFF2-40B4-BE49-F238E27FC236}">
+                <a16:creationId xmlns:a16="http://schemas.microsoft.com/office/drawing/2014/main" id="{0058D006-D341-6C20-4E29-757AF231487C}"/>
               </a:ext>
             </a:extLst>
           </p:cNvPr>
@@ -3949,8 +4092,8 @@
         </p:blipFill>
         <p:spPr bwMode="auto">
           <a:xfrm>
-            <a:off x="2888826" y="2645892"/>
-            <a:ext cx="914400" cy="914400"/>
+            <a:off x="3679293" y="1031825"/>
+            <a:ext cx="556023" cy="548640"/>
           </a:xfrm>
           <a:prstGeom prst="rect">
             <a:avLst/>
@@ -3967,212 +4110,12 @@
           </a:extLst>
         </p:spPr>
       </p:pic>
-      <p:sp>
-        <p:nvSpPr>
-          <p:cNvPr id="12" name="Rectangle: Rounded Corners 11">
-            <a:extLst>
-              <a:ext uri="{FF2B5EF4-FFF2-40B4-BE49-F238E27FC236}">
-                <a16:creationId xmlns:a16="http://schemas.microsoft.com/office/drawing/2014/main" id="{85001FA9-2DF5-4BE0-6A0E-6701ACB5B639}"/>
-              </a:ext>
-            </a:extLst>
-          </p:cNvPr>
-          <p:cNvSpPr/>
-          <p:nvPr/>
-        </p:nvSpPr>
-        <p:spPr>
-          <a:xfrm>
-            <a:off x="738248" y="468342"/>
-            <a:ext cx="2189765" cy="1174249"/>
-          </a:xfrm>
-          <a:prstGeom prst="roundRect">
-            <a:avLst>
-              <a:gd name="adj" fmla="val 8824"/>
-            </a:avLst>
-          </a:prstGeom>
-        </p:spPr>
-        <p:style>
-          <a:lnRef idx="1">
-            <a:schemeClr val="dk1"/>
-          </a:lnRef>
-          <a:fillRef idx="2">
-            <a:schemeClr val="dk1"/>
-          </a:fillRef>
-          <a:effectRef idx="1">
-            <a:schemeClr val="dk1"/>
-          </a:effectRef>
-          <a:fontRef idx="minor">
-            <a:schemeClr val="dk1"/>
-          </a:fontRef>
-        </p:style>
-        <p:txBody>
-          <a:bodyPr rtlCol="0" anchor="t"/>
-          <a:lstStyle/>
-          <a:p>
-            <a:r>
-              <a:rPr lang="en-US" dirty="0">
-                <a:latin typeface="Abadi" panose="020B0604020104020204" pitchFamily="34" charset="0"/>
-              </a:rPr>
-              <a:t>Data Warehouse</a:t>
-            </a:r>
-          </a:p>
-        </p:txBody>
-      </p:sp>
-      <p:sp>
-        <p:nvSpPr>
-          <p:cNvPr id="16" name="Rectangle: Rounded Corners 15">
-            <a:extLst>
-              <a:ext uri="{FF2B5EF4-FFF2-40B4-BE49-F238E27FC236}">
-                <a16:creationId xmlns:a16="http://schemas.microsoft.com/office/drawing/2014/main" id="{8EFE6BA5-777D-5DDA-C51D-6656902B3C58}"/>
-              </a:ext>
-            </a:extLst>
-          </p:cNvPr>
-          <p:cNvSpPr/>
-          <p:nvPr/>
-        </p:nvSpPr>
-        <p:spPr>
-          <a:xfrm>
-            <a:off x="3580161" y="468342"/>
-            <a:ext cx="2189765" cy="1174249"/>
-          </a:xfrm>
-          <a:prstGeom prst="roundRect">
-            <a:avLst>
-              <a:gd name="adj" fmla="val 8824"/>
-            </a:avLst>
-          </a:prstGeom>
-        </p:spPr>
-        <p:style>
-          <a:lnRef idx="1">
-            <a:schemeClr val="dk1"/>
-          </a:lnRef>
-          <a:fillRef idx="2">
-            <a:schemeClr val="dk1"/>
-          </a:fillRef>
-          <a:effectRef idx="1">
-            <a:schemeClr val="dk1"/>
-          </a:effectRef>
-          <a:fontRef idx="minor">
-            <a:schemeClr val="dk1"/>
-          </a:fontRef>
-        </p:style>
-        <p:txBody>
-          <a:bodyPr rtlCol="0" anchor="t"/>
-          <a:lstStyle/>
-          <a:p>
-            <a:r>
-              <a:rPr lang="en-US" dirty="0">
-                <a:latin typeface="Abadi" panose="020B0604020104020204" pitchFamily="34" charset="0"/>
-              </a:rPr>
-              <a:t>BI Tools</a:t>
-            </a:r>
-          </a:p>
-        </p:txBody>
-      </p:sp>
-      <p:sp>
-        <p:nvSpPr>
-          <p:cNvPr id="17" name="Rectangle: Rounded Corners 16">
-            <a:extLst>
-              <a:ext uri="{FF2B5EF4-FFF2-40B4-BE49-F238E27FC236}">
-                <a16:creationId xmlns:a16="http://schemas.microsoft.com/office/drawing/2014/main" id="{8EB7173C-A961-FA99-8319-84BFB4E122CA}"/>
-              </a:ext>
-            </a:extLst>
-          </p:cNvPr>
-          <p:cNvSpPr/>
-          <p:nvPr/>
-        </p:nvSpPr>
-        <p:spPr>
-          <a:xfrm>
-            <a:off x="6422074" y="468342"/>
-            <a:ext cx="2189765" cy="1174249"/>
-          </a:xfrm>
-          <a:prstGeom prst="roundRect">
-            <a:avLst>
-              <a:gd name="adj" fmla="val 8824"/>
-            </a:avLst>
-          </a:prstGeom>
-        </p:spPr>
-        <p:style>
-          <a:lnRef idx="1">
-            <a:schemeClr val="dk1"/>
-          </a:lnRef>
-          <a:fillRef idx="2">
-            <a:schemeClr val="dk1"/>
-          </a:fillRef>
-          <a:effectRef idx="1">
-            <a:schemeClr val="dk1"/>
-          </a:effectRef>
-          <a:fontRef idx="minor">
-            <a:schemeClr val="dk1"/>
-          </a:fontRef>
-        </p:style>
-        <p:txBody>
-          <a:bodyPr rtlCol="0" anchor="t"/>
-          <a:lstStyle/>
-          <a:p>
-            <a:r>
-              <a:rPr lang="en-US" dirty="0">
-                <a:latin typeface="Abadi" panose="020B0604020104020204" pitchFamily="34" charset="0"/>
-              </a:rPr>
-              <a:t>ML/Analytics</a:t>
-            </a:r>
-          </a:p>
-        </p:txBody>
-      </p:sp>
-      <p:sp>
-        <p:nvSpPr>
-          <p:cNvPr id="18" name="Rectangle: Rounded Corners 17">
-            <a:extLst>
-              <a:ext uri="{FF2B5EF4-FFF2-40B4-BE49-F238E27FC236}">
-                <a16:creationId xmlns:a16="http://schemas.microsoft.com/office/drawing/2014/main" id="{B76FF2C5-F94B-1B68-0673-014D163DAE6C}"/>
-              </a:ext>
-            </a:extLst>
-          </p:cNvPr>
-          <p:cNvSpPr/>
-          <p:nvPr/>
-        </p:nvSpPr>
-        <p:spPr>
-          <a:xfrm>
-            <a:off x="9263988" y="468342"/>
-            <a:ext cx="2189765" cy="1174249"/>
-          </a:xfrm>
-          <a:prstGeom prst="roundRect">
-            <a:avLst>
-              <a:gd name="adj" fmla="val 8824"/>
-            </a:avLst>
-          </a:prstGeom>
-        </p:spPr>
-        <p:style>
-          <a:lnRef idx="1">
-            <a:schemeClr val="dk1"/>
-          </a:lnRef>
-          <a:fillRef idx="2">
-            <a:schemeClr val="dk1"/>
-          </a:fillRef>
-          <a:effectRef idx="1">
-            <a:schemeClr val="dk1"/>
-          </a:effectRef>
-          <a:fontRef idx="minor">
-            <a:schemeClr val="dk1"/>
-          </a:fontRef>
-        </p:style>
-        <p:txBody>
-          <a:bodyPr rtlCol="0" anchor="t"/>
-          <a:lstStyle/>
-          <a:p>
-            <a:r>
-              <a:rPr lang="en-US" dirty="0">
-                <a:latin typeface="Abadi" panose="020B0604020104020204" pitchFamily="34" charset="0"/>
-              </a:rPr>
-              <a:t>Ops Systems</a:t>
-            </a:r>
-          </a:p>
-        </p:txBody>
-      </p:sp>
       <p:pic>
         <p:nvPicPr>
-          <p:cNvPr id="1044" name="Picture 20" descr="Google BigQuery Icon Logo PNG vector in ...">
-            <a:extLst>
-              <a:ext uri="{FF2B5EF4-FFF2-40B4-BE49-F238E27FC236}">
-                <a16:creationId xmlns:a16="http://schemas.microsoft.com/office/drawing/2014/main" id="{DCB03B97-3B7E-289C-769C-44E3429E76C7}"/>
+          <p:cNvPr id="1048" name="Picture 24" descr="JupyterHub — JupyterHub 0.9.2 ...">
+            <a:extLst>
+              <a:ext uri="{FF2B5EF4-FFF2-40B4-BE49-F238E27FC236}">
+                <a16:creationId xmlns:a16="http://schemas.microsoft.com/office/drawing/2014/main" id="{A17AEA16-8698-75A6-6DE5-5DA75DE7A830}"/>
               </a:ext>
             </a:extLst>
           </p:cNvPr>
@@ -4196,8 +4139,8 @@
         </p:blipFill>
         <p:spPr bwMode="auto">
           <a:xfrm>
-            <a:off x="861103" y="1031825"/>
-            <a:ext cx="732464" cy="548640"/>
+            <a:off x="6503651" y="1055466"/>
+            <a:ext cx="615927" cy="548640"/>
           </a:xfrm>
           <a:prstGeom prst="rect">
             <a:avLst/>
@@ -4216,10 +4159,39 @@
       </p:pic>
       <p:pic>
         <p:nvPicPr>
-          <p:cNvPr id="1046" name="Picture 22" descr="Microsoft Power BI | Logopedia | Fandom">
-            <a:extLst>
-              <a:ext uri="{FF2B5EF4-FFF2-40B4-BE49-F238E27FC236}">
-                <a16:creationId xmlns:a16="http://schemas.microsoft.com/office/drawing/2014/main" id="{0058D006-D341-6C20-4E29-757AF231487C}"/>
+          <p:cNvPr id="22" name="Picture 21">
+            <a:extLst>
+              <a:ext uri="{FF2B5EF4-FFF2-40B4-BE49-F238E27FC236}">
+                <a16:creationId xmlns:a16="http://schemas.microsoft.com/office/drawing/2014/main" id="{0CD5540F-C0DA-4997-CCB8-8E459D2ACE93}"/>
+              </a:ext>
+            </a:extLst>
+          </p:cNvPr>
+          <p:cNvPicPr>
+            <a:picLocks noChangeAspect="1"/>
+          </p:cNvPicPr>
+          <p:nvPr/>
+        </p:nvPicPr>
+        <p:blipFill>
+          <a:blip r:embed="rId10"/>
+          <a:srcRect l="22554" r="22435"/>
+          <a:stretch/>
+        </p:blipFill>
+        <p:spPr>
+          <a:xfrm>
+            <a:off x="9330637" y="1031825"/>
+            <a:ext cx="538953" cy="548640"/>
+          </a:xfrm>
+          <a:prstGeom prst="rect">
+            <a:avLst/>
+          </a:prstGeom>
+        </p:spPr>
+      </p:pic>
+      <p:pic>
+        <p:nvPicPr>
+          <p:cNvPr id="1050" name="Picture 26" descr="Atlassian logo thumbnail transparent ...">
+            <a:extLst>
+              <a:ext uri="{FF2B5EF4-FFF2-40B4-BE49-F238E27FC236}">
+                <a16:creationId xmlns:a16="http://schemas.microsoft.com/office/drawing/2014/main" id="{2DE66B68-BBFC-D81D-5558-B8BA1C63CF6E}"/>
               </a:ext>
             </a:extLst>
           </p:cNvPr>
@@ -4228,23 +4200,21 @@
           </p:cNvPicPr>
           <p:nvPr/>
         </p:nvPicPr>
-        <p:blipFill>
-          <a:blip r:embed="rId10">
+        <p:blipFill rotWithShape="1">
+          <a:blip r:embed="rId11">
             <a:extLst>
               <a:ext uri="{28A0092B-C50C-407E-A947-70E740481C1C}">
                 <a14:useLocalDpi xmlns:a14="http://schemas.microsoft.com/office/drawing/2010/main" val="0"/>
               </a:ext>
             </a:extLst>
           </a:blip>
-          <a:srcRect/>
-          <a:stretch>
-            <a:fillRect/>
-          </a:stretch>
+          <a:srcRect l="16040" t="18503" r="14446" b="12028"/>
+          <a:stretch/>
         </p:blipFill>
         <p:spPr bwMode="auto">
           <a:xfrm>
-            <a:off x="3679293" y="1031825"/>
-            <a:ext cx="556023" cy="548640"/>
+            <a:off x="9894621" y="1031825"/>
+            <a:ext cx="548987" cy="548640"/>
           </a:xfrm>
           <a:prstGeom prst="rect">
             <a:avLst/>
@@ -4263,10 +4233,10 @@
       </p:pic>
       <p:pic>
         <p:nvPicPr>
-          <p:cNvPr id="1048" name="Picture 24" descr="JupyterHub — JupyterHub 0.9.2 ...">
-            <a:extLst>
-              <a:ext uri="{FF2B5EF4-FFF2-40B4-BE49-F238E27FC236}">
-                <a16:creationId xmlns:a16="http://schemas.microsoft.com/office/drawing/2014/main" id="{A17AEA16-8698-75A6-6DE5-5DA75DE7A830}"/>
+          <p:cNvPr id="1052" name="Picture 28" descr="Amazon SageMaker Autopilot ...">
+            <a:extLst>
+              <a:ext uri="{FF2B5EF4-FFF2-40B4-BE49-F238E27FC236}">
+                <a16:creationId xmlns:a16="http://schemas.microsoft.com/office/drawing/2014/main" id="{813B2EA8-63E8-DB0A-39F2-9ABA95834EDD}"/>
               </a:ext>
             </a:extLst>
           </p:cNvPr>
@@ -4276,7 +4246,7 @@
           <p:nvPr/>
         </p:nvPicPr>
         <p:blipFill>
-          <a:blip r:embed="rId11">
+          <a:blip r:embed="rId12">
             <a:extLst>
               <a:ext uri="{28A0092B-C50C-407E-A947-70E740481C1C}">
                 <a14:useLocalDpi xmlns:a14="http://schemas.microsoft.com/office/drawing/2010/main" val="0"/>
@@ -4290,8 +4260,8 @@
         </p:blipFill>
         <p:spPr bwMode="auto">
           <a:xfrm>
-            <a:off x="6503651" y="1055466"/>
-            <a:ext cx="615927" cy="548640"/>
+            <a:off x="7186227" y="1055466"/>
+            <a:ext cx="548640" cy="548640"/>
           </a:xfrm>
           <a:prstGeom prst="rect">
             <a:avLst/>
@@ -4310,39 +4280,10 @@
       </p:pic>
       <p:pic>
         <p:nvPicPr>
-          <p:cNvPr id="22" name="Picture 21">
-            <a:extLst>
-              <a:ext uri="{FF2B5EF4-FFF2-40B4-BE49-F238E27FC236}">
-                <a16:creationId xmlns:a16="http://schemas.microsoft.com/office/drawing/2014/main" id="{0CD5540F-C0DA-4997-CCB8-8E459D2ACE93}"/>
-              </a:ext>
-            </a:extLst>
-          </p:cNvPr>
-          <p:cNvPicPr>
-            <a:picLocks noChangeAspect="1"/>
-          </p:cNvPicPr>
-          <p:nvPr/>
-        </p:nvPicPr>
-        <p:blipFill>
-          <a:blip r:embed="rId12"/>
-          <a:srcRect l="22554" r="22435"/>
-          <a:stretch/>
-        </p:blipFill>
-        <p:spPr>
-          <a:xfrm>
-            <a:off x="9330637" y="1031825"/>
-            <a:ext cx="538953" cy="548640"/>
-          </a:xfrm>
-          <a:prstGeom prst="rect">
-            <a:avLst/>
-          </a:prstGeom>
-        </p:spPr>
-      </p:pic>
-      <p:pic>
-        <p:nvPicPr>
-          <p:cNvPr id="1050" name="Picture 26" descr="Atlassian logo thumbnail transparent ...">
-            <a:extLst>
-              <a:ext uri="{FF2B5EF4-FFF2-40B4-BE49-F238E27FC236}">
-                <a16:creationId xmlns:a16="http://schemas.microsoft.com/office/drawing/2014/main" id="{2DE66B68-BBFC-D81D-5558-B8BA1C63CF6E}"/>
+          <p:cNvPr id="1054" name="Picture 30" descr="Kubeflow">
+            <a:extLst>
+              <a:ext uri="{FF2B5EF4-FFF2-40B4-BE49-F238E27FC236}">
+                <a16:creationId xmlns:a16="http://schemas.microsoft.com/office/drawing/2014/main" id="{16ECBBF2-3CC0-21D3-0513-3915145F6106}"/>
               </a:ext>
             </a:extLst>
           </p:cNvPr>
@@ -4351,7 +4292,7 @@
           </p:cNvPicPr>
           <p:nvPr/>
         </p:nvPicPr>
-        <p:blipFill rotWithShape="1">
+        <p:blipFill>
           <a:blip r:embed="rId13">
             <a:extLst>
               <a:ext uri="{28A0092B-C50C-407E-A947-70E740481C1C}">
@@ -4359,13 +4300,15 @@
               </a:ext>
             </a:extLst>
           </a:blip>
-          <a:srcRect l="16040" t="18503" r="14446" b="12028"/>
-          <a:stretch/>
+          <a:srcRect/>
+          <a:stretch>
+            <a:fillRect/>
+          </a:stretch>
         </p:blipFill>
         <p:spPr bwMode="auto">
           <a:xfrm>
-            <a:off x="9894621" y="1031825"/>
-            <a:ext cx="548987" cy="548640"/>
+            <a:off x="7786621" y="1055466"/>
+            <a:ext cx="548640" cy="548640"/>
           </a:xfrm>
           <a:prstGeom prst="rect">
             <a:avLst/>
@@ -4384,10 +4327,10 @@
       </p:pic>
       <p:pic>
         <p:nvPicPr>
-          <p:cNvPr id="1052" name="Picture 28" descr="Amazon SageMaker Autopilot ...">
-            <a:extLst>
-              <a:ext uri="{FF2B5EF4-FFF2-40B4-BE49-F238E27FC236}">
-                <a16:creationId xmlns:a16="http://schemas.microsoft.com/office/drawing/2014/main" id="{813B2EA8-63E8-DB0A-39F2-9ABA95834EDD}"/>
+          <p:cNvPr id="1056" name="Picture 32" descr="Tableau desktop icon - ukrainewalker">
+            <a:extLst>
+              <a:ext uri="{FF2B5EF4-FFF2-40B4-BE49-F238E27FC236}">
+                <a16:creationId xmlns:a16="http://schemas.microsoft.com/office/drawing/2014/main" id="{C1F0B85B-165B-E432-D713-9823EE3BC9A8}"/>
               </a:ext>
             </a:extLst>
           </p:cNvPr>
@@ -4396,7 +4339,7 @@
           </p:cNvPicPr>
           <p:nvPr/>
         </p:nvPicPr>
-        <p:blipFill>
+        <p:blipFill rotWithShape="1">
           <a:blip r:embed="rId14">
             <a:extLst>
               <a:ext uri="{28A0092B-C50C-407E-A947-70E740481C1C}">
@@ -4404,15 +4347,13 @@
               </a:ext>
             </a:extLst>
           </a:blip>
-          <a:srcRect/>
-          <a:stretch>
-            <a:fillRect/>
-          </a:stretch>
+          <a:srcRect l="23273" r="20997"/>
+          <a:stretch/>
         </p:blipFill>
         <p:spPr bwMode="auto">
           <a:xfrm>
-            <a:off x="7186227" y="1055466"/>
-            <a:ext cx="548640" cy="548640"/>
+            <a:off x="4316893" y="1031825"/>
+            <a:ext cx="545997" cy="548640"/>
           </a:xfrm>
           <a:prstGeom prst="rect">
             <a:avLst/>
@@ -4431,10 +4372,10 @@
       </p:pic>
       <p:pic>
         <p:nvPicPr>
-          <p:cNvPr id="1054" name="Picture 30" descr="Kubeflow">
-            <a:extLst>
-              <a:ext uri="{FF2B5EF4-FFF2-40B4-BE49-F238E27FC236}">
-                <a16:creationId xmlns:a16="http://schemas.microsoft.com/office/drawing/2014/main" id="{16ECBBF2-3CC0-21D3-0513-3915145F6106}"/>
+          <p:cNvPr id="1058" name="Picture 34" descr="Alumio | The leader in SOAP integrations">
+            <a:extLst>
+              <a:ext uri="{FF2B5EF4-FFF2-40B4-BE49-F238E27FC236}">
+                <a16:creationId xmlns:a16="http://schemas.microsoft.com/office/drawing/2014/main" id="{1ABE8652-96D8-D0C0-69F6-FB78D7CC7DE7}"/>
               </a:ext>
             </a:extLst>
           </p:cNvPr>
@@ -4443,7 +4384,7 @@
           </p:cNvPicPr>
           <p:nvPr/>
         </p:nvPicPr>
-        <p:blipFill>
+        <p:blipFill rotWithShape="1">
           <a:blip r:embed="rId15">
             <a:extLst>
               <a:ext uri="{28A0092B-C50C-407E-A947-70E740481C1C}">
@@ -4451,15 +4392,13 @@
               </a:ext>
             </a:extLst>
           </a:blip>
-          <a:srcRect/>
-          <a:stretch>
-            <a:fillRect/>
-          </a:stretch>
+          <a:srcRect l="26336" t="11242" r="26087" b="10799"/>
+          <a:stretch/>
         </p:blipFill>
         <p:spPr bwMode="auto">
           <a:xfrm>
-            <a:off x="7786621" y="1055466"/>
-            <a:ext cx="548640" cy="548640"/>
+            <a:off x="10424374" y="5775543"/>
+            <a:ext cx="592391" cy="548640"/>
           </a:xfrm>
           <a:prstGeom prst="rect">
             <a:avLst/>
@@ -4478,10 +4417,10 @@
       </p:pic>
       <p:pic>
         <p:nvPicPr>
-          <p:cNvPr id="1056" name="Picture 32" descr="Tableau desktop icon - ukrainewalker">
-            <a:extLst>
-              <a:ext uri="{FF2B5EF4-FFF2-40B4-BE49-F238E27FC236}">
-                <a16:creationId xmlns:a16="http://schemas.microsoft.com/office/drawing/2014/main" id="{C1F0B85B-165B-E432-D713-9823EE3BC9A8}"/>
+          <p:cNvPr id="1060" name="Picture 36" descr="gRPC Logo PNG Vector (SVG) Free Download">
+            <a:extLst>
+              <a:ext uri="{FF2B5EF4-FFF2-40B4-BE49-F238E27FC236}">
+                <a16:creationId xmlns:a16="http://schemas.microsoft.com/office/drawing/2014/main" id="{8663D7C6-71A6-68CB-03F1-41FCD780FF59}"/>
               </a:ext>
             </a:extLst>
           </p:cNvPr>
@@ -4490,7 +4429,7 @@
           </p:cNvPicPr>
           <p:nvPr/>
         </p:nvPicPr>
-        <p:blipFill rotWithShape="1">
+        <p:blipFill>
           <a:blip r:embed="rId16">
             <a:extLst>
               <a:ext uri="{28A0092B-C50C-407E-A947-70E740481C1C}">
@@ -4498,13 +4437,15 @@
               </a:ext>
             </a:extLst>
           </a:blip>
-          <a:srcRect l="23273" r="20997"/>
-          <a:stretch/>
+          <a:srcRect/>
+          <a:stretch>
+            <a:fillRect/>
+          </a:stretch>
         </p:blipFill>
         <p:spPr bwMode="auto">
           <a:xfrm>
-            <a:off x="4316893" y="1031825"/>
-            <a:ext cx="545997" cy="548640"/>
+            <a:off x="2787122" y="5796081"/>
+            <a:ext cx="548640" cy="548640"/>
           </a:xfrm>
           <a:prstGeom prst="rect">
             <a:avLst/>
@@ -4523,10 +4464,10 @@
       </p:pic>
       <p:pic>
         <p:nvPicPr>
-          <p:cNvPr id="1058" name="Picture 34" descr="Alumio | The leader in SOAP integrations">
-            <a:extLst>
-              <a:ext uri="{FF2B5EF4-FFF2-40B4-BE49-F238E27FC236}">
-                <a16:creationId xmlns:a16="http://schemas.microsoft.com/office/drawing/2014/main" id="{1ABE8652-96D8-D0C0-69F6-FB78D7CC7DE7}"/>
+          <p:cNvPr id="1062" name="Picture 38">
+            <a:extLst>
+              <a:ext uri="{FF2B5EF4-FFF2-40B4-BE49-F238E27FC236}">
+                <a16:creationId xmlns:a16="http://schemas.microsoft.com/office/drawing/2014/main" id="{B65EAD17-ED9D-539B-95C6-3CAF2A6EC26C}"/>
               </a:ext>
             </a:extLst>
           </p:cNvPr>
@@ -4535,7 +4476,7 @@
           </p:cNvPicPr>
           <p:nvPr/>
         </p:nvPicPr>
-        <p:blipFill rotWithShape="1">
+        <p:blipFill>
           <a:blip r:embed="rId17">
             <a:extLst>
               <a:ext uri="{28A0092B-C50C-407E-A947-70E740481C1C}">
@@ -4543,13 +4484,15 @@
               </a:ext>
             </a:extLst>
           </a:blip>
-          <a:srcRect l="26336" t="11242" r="26087" b="10799"/>
-          <a:stretch/>
+          <a:srcRect/>
+          <a:stretch>
+            <a:fillRect/>
+          </a:stretch>
         </p:blipFill>
         <p:spPr bwMode="auto">
           <a:xfrm>
-            <a:off x="10424374" y="5775543"/>
-            <a:ext cx="592391" cy="548640"/>
+            <a:off x="8100949" y="5802534"/>
+            <a:ext cx="548640" cy="548640"/>
           </a:xfrm>
           <a:prstGeom prst="rect">
             <a:avLst/>
@@ -4568,10 +4511,10 @@
       </p:pic>
       <p:pic>
         <p:nvPicPr>
-          <p:cNvPr id="1060" name="Picture 36" descr="gRPC Logo PNG Vector (SVG) Free Download">
-            <a:extLst>
-              <a:ext uri="{FF2B5EF4-FFF2-40B4-BE49-F238E27FC236}">
-                <a16:creationId xmlns:a16="http://schemas.microsoft.com/office/drawing/2014/main" id="{8663D7C6-71A6-68CB-03F1-41FCD780FF59}"/>
+          <p:cNvPr id="1064" name="Picture 40" descr="Green excel 3 icon - Free green office ...">
+            <a:extLst>
+              <a:ext uri="{FF2B5EF4-FFF2-40B4-BE49-F238E27FC236}">
+                <a16:creationId xmlns:a16="http://schemas.microsoft.com/office/drawing/2014/main" id="{EF975D54-5A8D-9598-9A46-350916FCB022}"/>
               </a:ext>
             </a:extLst>
           </p:cNvPr>
@@ -4595,7 +4538,7 @@
         </p:blipFill>
         <p:spPr bwMode="auto">
           <a:xfrm>
-            <a:off x="2787122" y="5796081"/>
+            <a:off x="3404973" y="5795857"/>
             <a:ext cx="548640" cy="548640"/>
           </a:xfrm>
           <a:prstGeom prst="rect">
@@ -4615,10 +4558,10 @@
       </p:pic>
       <p:pic>
         <p:nvPicPr>
-          <p:cNvPr id="1062" name="Picture 38">
-            <a:extLst>
-              <a:ext uri="{FF2B5EF4-FFF2-40B4-BE49-F238E27FC236}">
-                <a16:creationId xmlns:a16="http://schemas.microsoft.com/office/drawing/2014/main" id="{B65EAD17-ED9D-539B-95C6-3CAF2A6EC26C}"/>
+          <p:cNvPr id="1066" name="Picture 42" descr="Google Cloud Storage Logo in SVG Vector ...">
+            <a:extLst>
+              <a:ext uri="{FF2B5EF4-FFF2-40B4-BE49-F238E27FC236}">
+                <a16:creationId xmlns:a16="http://schemas.microsoft.com/office/drawing/2014/main" id="{B56694C1-EC2E-1B78-01FD-DDFA41994ECD}"/>
               </a:ext>
             </a:extLst>
           </p:cNvPr>
@@ -4627,7 +4570,7 @@
           </p:cNvPicPr>
           <p:nvPr/>
         </p:nvPicPr>
-        <p:blipFill>
+        <p:blipFill rotWithShape="1">
           <a:blip r:embed="rId19">
             <a:extLst>
               <a:ext uri="{28A0092B-C50C-407E-A947-70E740481C1C}">
@@ -4635,15 +4578,13 @@
               </a:ext>
             </a:extLst>
           </a:blip>
-          <a:srcRect/>
-          <a:stretch>
-            <a:fillRect/>
-          </a:stretch>
+          <a:srcRect l="23091" t="6831" r="20546" b="8057"/>
+          <a:stretch/>
         </p:blipFill>
         <p:spPr bwMode="auto">
           <a:xfrm>
-            <a:off x="8100949" y="5802534"/>
-            <a:ext cx="548640" cy="548640"/>
+            <a:off x="5765577" y="5800630"/>
+            <a:ext cx="545979" cy="548640"/>
           </a:xfrm>
           <a:prstGeom prst="rect">
             <a:avLst/>
@@ -4662,10 +4603,10 @@
       </p:pic>
       <p:pic>
         <p:nvPicPr>
-          <p:cNvPr id="1064" name="Picture 40" descr="Green excel 3 icon - Free green office ...">
-            <a:extLst>
-              <a:ext uri="{FF2B5EF4-FFF2-40B4-BE49-F238E27FC236}">
-                <a16:creationId xmlns:a16="http://schemas.microsoft.com/office/drawing/2014/main" id="{EF975D54-5A8D-9598-9A46-350916FCB022}"/>
+          <p:cNvPr id="1068" name="Picture 44" descr="Snowflake Logo &amp; Brand Assets (SVG, PNG ...">
+            <a:extLst>
+              <a:ext uri="{FF2B5EF4-FFF2-40B4-BE49-F238E27FC236}">
+                <a16:creationId xmlns:a16="http://schemas.microsoft.com/office/drawing/2014/main" id="{891C9B69-BEB7-70F4-54E1-C3D328D24182}"/>
               </a:ext>
             </a:extLst>
           </p:cNvPr>
@@ -4689,7 +4630,7 @@
         </p:blipFill>
         <p:spPr bwMode="auto">
           <a:xfrm>
-            <a:off x="3404973" y="5795857"/>
+            <a:off x="1675144" y="1031825"/>
             <a:ext cx="548640" cy="548640"/>
           </a:xfrm>
           <a:prstGeom prst="rect">
@@ -4707,362 +4648,444 @@
           </a:extLst>
         </p:spPr>
       </p:pic>
-      <p:pic>
-        <p:nvPicPr>
-          <p:cNvPr id="1066" name="Picture 42" descr="Google Cloud Storage Logo in SVG Vector ...">
-            <a:extLst>
-              <a:ext uri="{FF2B5EF4-FFF2-40B4-BE49-F238E27FC236}">
-                <a16:creationId xmlns:a16="http://schemas.microsoft.com/office/drawing/2014/main" id="{B56694C1-EC2E-1B78-01FD-DDFA41994ECD}"/>
-              </a:ext>
-            </a:extLst>
-          </p:cNvPr>
-          <p:cNvPicPr>
-            <a:picLocks noChangeAspect="1" noChangeArrowheads="1"/>
-          </p:cNvPicPr>
-          <p:nvPr/>
-        </p:nvPicPr>
-        <p:blipFill rotWithShape="1">
-          <a:blip r:embed="rId21">
-            <a:extLst>
-              <a:ext uri="{28A0092B-C50C-407E-A947-70E740481C1C}">
-                <a14:useLocalDpi xmlns:a14="http://schemas.microsoft.com/office/drawing/2010/main" val="0"/>
-              </a:ext>
-            </a:extLst>
-          </a:blip>
-          <a:srcRect l="23091" t="6831" r="20546" b="8057"/>
-          <a:stretch/>
-        </p:blipFill>
-        <p:spPr bwMode="auto">
-          <a:xfrm>
-            <a:off x="5765577" y="5800630"/>
-            <a:ext cx="545979" cy="548640"/>
-          </a:xfrm>
-          <a:prstGeom prst="rect">
-            <a:avLst/>
-          </a:prstGeom>
-          <a:noFill/>
-          <a:extLst>
-            <a:ext uri="{909E8E84-426E-40DD-AFC4-6F175D3DCCD1}">
-              <a14:hiddenFill xmlns:a14="http://schemas.microsoft.com/office/drawing/2010/main">
-                <a:solidFill>
-                  <a:srgbClr val="FFFFFF"/>
-                </a:solidFill>
-              </a14:hiddenFill>
-            </a:ext>
-          </a:extLst>
-        </p:spPr>
-      </p:pic>
-      <p:pic>
-        <p:nvPicPr>
-          <p:cNvPr id="1068" name="Picture 44" descr="Snowflake Logo &amp; Brand Assets (SVG, PNG ...">
-            <a:extLst>
-              <a:ext uri="{FF2B5EF4-FFF2-40B4-BE49-F238E27FC236}">
-                <a16:creationId xmlns:a16="http://schemas.microsoft.com/office/drawing/2014/main" id="{891C9B69-BEB7-70F4-54E1-C3D328D24182}"/>
-              </a:ext>
-            </a:extLst>
-          </p:cNvPr>
-          <p:cNvPicPr>
-            <a:picLocks noChangeAspect="1" noChangeArrowheads="1"/>
-          </p:cNvPicPr>
-          <p:nvPr/>
-        </p:nvPicPr>
-        <p:blipFill>
-          <a:blip r:embed="rId22">
-            <a:extLst>
-              <a:ext uri="{28A0092B-C50C-407E-A947-70E740481C1C}">
-                <a14:useLocalDpi xmlns:a14="http://schemas.microsoft.com/office/drawing/2010/main" val="0"/>
-              </a:ext>
-            </a:extLst>
-          </a:blip>
-          <a:srcRect/>
-          <a:stretch>
-            <a:fillRect/>
-          </a:stretch>
-        </p:blipFill>
-        <p:spPr bwMode="auto">
-          <a:xfrm>
-            <a:off x="1675144" y="1031825"/>
-            <a:ext cx="548640" cy="548640"/>
-          </a:xfrm>
-          <a:prstGeom prst="rect">
-            <a:avLst/>
-          </a:prstGeom>
-          <a:noFill/>
-          <a:extLst>
-            <a:ext uri="{909E8E84-426E-40DD-AFC4-6F175D3DCCD1}">
-              <a14:hiddenFill xmlns:a14="http://schemas.microsoft.com/office/drawing/2010/main">
-                <a:solidFill>
-                  <a:srgbClr val="FFFFFF"/>
-                </a:solidFill>
-              </a14:hiddenFill>
-            </a:ext>
-          </a:extLst>
-        </p:spPr>
-      </p:pic>
-      <p:sp>
-        <p:nvSpPr>
-          <p:cNvPr id="25" name="Rectangle: Rounded Corners 24">
-            <a:extLst>
-              <a:ext uri="{FF2B5EF4-FFF2-40B4-BE49-F238E27FC236}">
-                <a16:creationId xmlns:a16="http://schemas.microsoft.com/office/drawing/2014/main" id="{4D01C4AB-1A41-B394-989E-3A82636AF563}"/>
-              </a:ext>
-            </a:extLst>
-          </p:cNvPr>
-          <p:cNvSpPr/>
-          <p:nvPr/>
-        </p:nvSpPr>
-        <p:spPr>
-          <a:xfrm>
-            <a:off x="705535" y="2206074"/>
-            <a:ext cx="1755941" cy="2028717"/>
-          </a:xfrm>
-          <a:prstGeom prst="roundRect">
-            <a:avLst>
-              <a:gd name="adj" fmla="val 8824"/>
-            </a:avLst>
-          </a:prstGeom>
-        </p:spPr>
-        <p:style>
-          <a:lnRef idx="1">
-            <a:schemeClr val="dk1"/>
-          </a:lnRef>
-          <a:fillRef idx="2">
-            <a:schemeClr val="dk1"/>
-          </a:fillRef>
-          <a:effectRef idx="1">
-            <a:schemeClr val="dk1"/>
-          </a:effectRef>
-          <a:fontRef idx="minor">
-            <a:schemeClr val="dk1"/>
-          </a:fontRef>
-        </p:style>
-        <p:txBody>
-          <a:bodyPr rtlCol="0" anchor="t"/>
-          <a:lstStyle/>
-          <a:p>
-            <a:r>
-              <a:rPr lang="en-US" dirty="0">
-                <a:latin typeface="Abadi" panose="020B0604020104020204" pitchFamily="34" charset="0"/>
-              </a:rPr>
-              <a:t>Cyber Tools</a:t>
-            </a:r>
-          </a:p>
-        </p:txBody>
-      </p:sp>
-      <p:pic>
-        <p:nvPicPr>
-          <p:cNvPr id="1070" name="Picture 46" descr="Rapid7 Logo &amp; Brand Assets (SVG, PNG ...">
-            <a:extLst>
-              <a:ext uri="{FF2B5EF4-FFF2-40B4-BE49-F238E27FC236}">
-                <a16:creationId xmlns:a16="http://schemas.microsoft.com/office/drawing/2014/main" id="{35A83B7C-46A1-8EC2-C949-60855260F029}"/>
-              </a:ext>
-            </a:extLst>
-          </p:cNvPr>
-          <p:cNvPicPr>
-            <a:picLocks noChangeAspect="1" noChangeArrowheads="1"/>
-          </p:cNvPicPr>
-          <p:nvPr/>
-        </p:nvPicPr>
-        <p:blipFill>
-          <a:blip r:embed="rId23">
-            <a:extLst>
-              <a:ext uri="{28A0092B-C50C-407E-A947-70E740481C1C}">
-                <a14:useLocalDpi xmlns:a14="http://schemas.microsoft.com/office/drawing/2010/main" val="0"/>
-              </a:ext>
-            </a:extLst>
-          </a:blip>
-          <a:srcRect/>
-          <a:stretch>
-            <a:fillRect/>
-          </a:stretch>
-        </p:blipFill>
-        <p:spPr bwMode="auto">
-          <a:xfrm>
-            <a:off x="802038" y="3572373"/>
-            <a:ext cx="712953" cy="548640"/>
-          </a:xfrm>
-          <a:prstGeom prst="rect">
-            <a:avLst/>
-          </a:prstGeom>
-          <a:noFill/>
-          <a:extLst>
-            <a:ext uri="{909E8E84-426E-40DD-AFC4-6F175D3DCCD1}">
-              <a14:hiddenFill xmlns:a14="http://schemas.microsoft.com/office/drawing/2010/main">
-                <a:solidFill>
-                  <a:srgbClr val="FFFFFF"/>
-                </a:solidFill>
-              </a14:hiddenFill>
-            </a:ext>
-          </a:extLst>
-        </p:spPr>
-      </p:pic>
-      <p:pic>
-        <p:nvPicPr>
-          <p:cNvPr id="1072" name="Picture 48">
-            <a:extLst>
-              <a:ext uri="{FF2B5EF4-FFF2-40B4-BE49-F238E27FC236}">
-                <a16:creationId xmlns:a16="http://schemas.microsoft.com/office/drawing/2014/main" id="{0A5E976E-1933-2865-7585-792950C1F534}"/>
-              </a:ext>
-            </a:extLst>
-          </p:cNvPr>
-          <p:cNvPicPr>
-            <a:picLocks noChangeAspect="1" noChangeArrowheads="1"/>
-          </p:cNvPicPr>
-          <p:nvPr/>
-        </p:nvPicPr>
-        <p:blipFill>
-          <a:blip r:embed="rId24">
-            <a:extLst>
-              <a:ext uri="{28A0092B-C50C-407E-A947-70E740481C1C}">
-                <a14:useLocalDpi xmlns:a14="http://schemas.microsoft.com/office/drawing/2010/main" val="0"/>
-              </a:ext>
-            </a:extLst>
-          </a:blip>
-          <a:srcRect/>
-          <a:stretch/>
-        </p:blipFill>
-        <p:spPr bwMode="auto">
-          <a:xfrm>
-            <a:off x="802038" y="2946112"/>
-            <a:ext cx="703020" cy="548640"/>
-          </a:xfrm>
-          <a:prstGeom prst="rect">
-            <a:avLst/>
-          </a:prstGeom>
-          <a:noFill/>
-          <a:extLst>
-            <a:ext uri="{909E8E84-426E-40DD-AFC4-6F175D3DCCD1}">
-              <a14:hiddenFill xmlns:a14="http://schemas.microsoft.com/office/drawing/2010/main">
-                <a:solidFill>
-                  <a:srgbClr val="FFFFFF"/>
-                </a:solidFill>
-              </a14:hiddenFill>
-            </a:ext>
-          </a:extLst>
-        </p:spPr>
-      </p:pic>
-      <p:pic>
-        <p:nvPicPr>
-          <p:cNvPr id="27" name="Picture 26">
-            <a:extLst>
-              <a:ext uri="{FF2B5EF4-FFF2-40B4-BE49-F238E27FC236}">
-                <a16:creationId xmlns:a16="http://schemas.microsoft.com/office/drawing/2014/main" id="{52D9D9CC-8FAA-0FF3-0C5A-C7DCB80AD0F3}"/>
-              </a:ext>
-            </a:extLst>
-          </p:cNvPr>
-          <p:cNvPicPr>
-            <a:picLocks noChangeAspect="1"/>
-          </p:cNvPicPr>
-          <p:nvPr/>
-        </p:nvPicPr>
-        <p:blipFill>
-          <a:blip r:embed="rId25"/>
-          <a:stretch>
-            <a:fillRect/>
-          </a:stretch>
-        </p:blipFill>
-        <p:spPr>
-          <a:xfrm>
-            <a:off x="1558810" y="2946112"/>
-            <a:ext cx="548640" cy="548640"/>
-          </a:xfrm>
-          <a:prstGeom prst="rect">
-            <a:avLst/>
-          </a:prstGeom>
-        </p:spPr>
-      </p:pic>
-      <p:pic>
-        <p:nvPicPr>
-          <p:cNvPr id="1074" name="Picture 50" descr="Advanced Security dashboard Widgets ...">
-            <a:extLst>
-              <a:ext uri="{FF2B5EF4-FFF2-40B4-BE49-F238E27FC236}">
-                <a16:creationId xmlns:a16="http://schemas.microsoft.com/office/drawing/2014/main" id="{649E90CD-97B5-F1F5-822E-C707E12945F4}"/>
-              </a:ext>
-            </a:extLst>
-          </p:cNvPr>
-          <p:cNvPicPr>
-            <a:picLocks noChangeAspect="1" noChangeArrowheads="1"/>
-          </p:cNvPicPr>
-          <p:nvPr/>
-        </p:nvPicPr>
-        <p:blipFill>
-          <a:blip r:embed="rId26">
-            <a:extLst>
-              <a:ext uri="{28A0092B-C50C-407E-A947-70E740481C1C}">
-                <a14:useLocalDpi xmlns:a14="http://schemas.microsoft.com/office/drawing/2010/main" val="0"/>
-              </a:ext>
-            </a:extLst>
-          </a:blip>
-          <a:srcRect/>
-          <a:stretch>
-            <a:fillRect/>
-          </a:stretch>
-        </p:blipFill>
-        <p:spPr bwMode="auto">
-          <a:xfrm>
-            <a:off x="1593567" y="3570846"/>
-            <a:ext cx="548640" cy="548640"/>
-          </a:xfrm>
-          <a:prstGeom prst="rect">
-            <a:avLst/>
-          </a:prstGeom>
-          <a:noFill/>
-          <a:extLst>
-            <a:ext uri="{909E8E84-426E-40DD-AFC4-6F175D3DCCD1}">
-              <a14:hiddenFill xmlns:a14="http://schemas.microsoft.com/office/drawing/2010/main">
-                <a:solidFill>
-                  <a:srgbClr val="FFFFFF"/>
-                </a:solidFill>
-              </a14:hiddenFill>
-            </a:ext>
-          </a:extLst>
-        </p:spPr>
-      </p:pic>
-      <p:pic>
-        <p:nvPicPr>
-          <p:cNvPr id="1076" name="Picture 52" descr="Zero Trust Guide for Cloud-Native ...">
-            <a:extLst>
-              <a:ext uri="{FF2B5EF4-FFF2-40B4-BE49-F238E27FC236}">
-                <a16:creationId xmlns:a16="http://schemas.microsoft.com/office/drawing/2014/main" id="{3CA64B89-41DE-10C4-CB6E-AB6D861EDEAA}"/>
-              </a:ext>
-            </a:extLst>
-          </p:cNvPr>
-          <p:cNvPicPr>
-            <a:picLocks noChangeAspect="1" noChangeArrowheads="1"/>
-          </p:cNvPicPr>
-          <p:nvPr/>
-        </p:nvPicPr>
-        <p:blipFill rotWithShape="1">
-          <a:blip r:embed="rId27">
-            <a:extLst>
-              <a:ext uri="{28A0092B-C50C-407E-A947-70E740481C1C}">
-                <a14:useLocalDpi xmlns:a14="http://schemas.microsoft.com/office/drawing/2010/main" val="0"/>
-              </a:ext>
-            </a:extLst>
-          </a:blip>
-          <a:srcRect l="18873" r="18405"/>
-          <a:stretch/>
-        </p:blipFill>
-        <p:spPr bwMode="auto">
-          <a:xfrm>
-            <a:off x="9198651" y="3220432"/>
-            <a:ext cx="920228" cy="914400"/>
-          </a:xfrm>
-          <a:prstGeom prst="rect">
-            <a:avLst/>
-          </a:prstGeom>
-          <a:noFill/>
-          <a:extLst>
-            <a:ext uri="{909E8E84-426E-40DD-AFC4-6F175D3DCCD1}">
-              <a14:hiddenFill xmlns:a14="http://schemas.microsoft.com/office/drawing/2010/main">
-                <a:solidFill>
-                  <a:srgbClr val="FFFFFF"/>
-                </a:solidFill>
-              </a14:hiddenFill>
-            </a:ext>
-          </a:extLst>
-        </p:spPr>
-      </p:pic>
+      <p:grpSp>
+        <p:nvGrpSpPr>
+          <p:cNvPr id="29" name="Group 28">
+            <a:extLst>
+              <a:ext uri="{FF2B5EF4-FFF2-40B4-BE49-F238E27FC236}">
+                <a16:creationId xmlns:a16="http://schemas.microsoft.com/office/drawing/2014/main" id="{F1266ABC-BA93-EFF4-9006-23D9D679E3A7}"/>
+              </a:ext>
+            </a:extLst>
+          </p:cNvPr>
+          <p:cNvGrpSpPr/>
+          <p:nvPr/>
+        </p:nvGrpSpPr>
+        <p:grpSpPr>
+          <a:xfrm>
+            <a:off x="1270163" y="2206074"/>
+            <a:ext cx="9651674" cy="2028717"/>
+            <a:chOff x="705535" y="2206074"/>
+            <a:chExt cx="9651674" cy="2028717"/>
+          </a:xfrm>
+        </p:grpSpPr>
+        <p:sp>
+          <p:nvSpPr>
+            <p:cNvPr id="14" name="Rectangle: Rounded Corners 13">
+              <a:extLst>
+                <a:ext uri="{FF2B5EF4-FFF2-40B4-BE49-F238E27FC236}">
+                  <a16:creationId xmlns:a16="http://schemas.microsoft.com/office/drawing/2014/main" id="{09EB53E3-1B68-BB75-9ADB-308289FBA6E8}"/>
+                </a:ext>
+              </a:extLst>
+            </p:cNvPr>
+            <p:cNvSpPr/>
+            <p:nvPr/>
+          </p:nvSpPr>
+          <p:spPr>
+            <a:xfrm>
+              <a:off x="2650093" y="2206074"/>
+              <a:ext cx="7707116" cy="2028717"/>
+            </a:xfrm>
+            <a:prstGeom prst="roundRect">
+              <a:avLst>
+                <a:gd name="adj" fmla="val 8824"/>
+              </a:avLst>
+            </a:prstGeom>
+            <a:solidFill>
+              <a:schemeClr val="accent2"/>
+            </a:solidFill>
+          </p:spPr>
+          <p:style>
+            <a:lnRef idx="1">
+              <a:schemeClr val="dk1"/>
+            </a:lnRef>
+            <a:fillRef idx="2">
+              <a:schemeClr val="dk1"/>
+            </a:fillRef>
+            <a:effectRef idx="1">
+              <a:schemeClr val="dk1"/>
+            </a:effectRef>
+            <a:fontRef idx="minor">
+              <a:schemeClr val="dk1"/>
+            </a:fontRef>
+          </p:style>
+          <p:txBody>
+            <a:bodyPr rtlCol="0" anchor="t"/>
+            <a:lstStyle/>
+            <a:p>
+              <a:r>
+                <a:rPr lang="en-US" dirty="0" err="1">
+                  <a:latin typeface="Abadi" panose="020B0604020104020204" pitchFamily="34" charset="0"/>
+                </a:rPr>
+                <a:t>NewCo</a:t>
+              </a:r>
+              <a:r>
+                <a:rPr lang="en-US" dirty="0">
+                  <a:latin typeface="Abadi" panose="020B0604020104020204" pitchFamily="34" charset="0"/>
+                </a:rPr>
+                <a:t> Solution</a:t>
+              </a:r>
+            </a:p>
+          </p:txBody>
+        </p:sp>
+        <p:pic>
+          <p:nvPicPr>
+            <p:cNvPr id="1038" name="Picture 14" descr="Airflow Operators Worth Knowing | by ...">
+              <a:extLst>
+                <a:ext uri="{FF2B5EF4-FFF2-40B4-BE49-F238E27FC236}">
+                  <a16:creationId xmlns:a16="http://schemas.microsoft.com/office/drawing/2014/main" id="{21379B79-1DF8-9FE1-6FBD-6C287E5800D4}"/>
+                </a:ext>
+              </a:extLst>
+            </p:cNvPr>
+            <p:cNvPicPr>
+              <a:picLocks noChangeAspect="1" noChangeArrowheads="1"/>
+            </p:cNvPicPr>
+            <p:nvPr/>
+          </p:nvPicPr>
+          <p:blipFill>
+            <a:blip r:embed="rId21">
+              <a:extLst>
+                <a:ext uri="{28A0092B-C50C-407E-A947-70E740481C1C}">
+                  <a14:useLocalDpi xmlns:a14="http://schemas.microsoft.com/office/drawing/2010/main" val="0"/>
+                </a:ext>
+              </a:extLst>
+            </a:blip>
+            <a:srcRect/>
+            <a:stretch>
+              <a:fillRect/>
+            </a:stretch>
+          </p:blipFill>
+          <p:spPr bwMode="auto">
+            <a:xfrm>
+              <a:off x="3991843" y="2645892"/>
+              <a:ext cx="914400" cy="914400"/>
+            </a:xfrm>
+            <a:prstGeom prst="rect">
+              <a:avLst/>
+            </a:prstGeom>
+            <a:noFill/>
+            <a:extLst>
+              <a:ext uri="{909E8E84-426E-40DD-AFC4-6F175D3DCCD1}">
+                <a14:hiddenFill xmlns:a14="http://schemas.microsoft.com/office/drawing/2010/main">
+                  <a:solidFill>
+                    <a:srgbClr val="FFFFFF"/>
+                  </a:solidFill>
+                </a14:hiddenFill>
+              </a:ext>
+            </a:extLst>
+          </p:spPr>
+        </p:pic>
+        <p:pic>
+          <p:nvPicPr>
+            <p:cNvPr id="1040" name="Picture 16" descr="Kestra · GitHub">
+              <a:extLst>
+                <a:ext uri="{FF2B5EF4-FFF2-40B4-BE49-F238E27FC236}">
+                  <a16:creationId xmlns:a16="http://schemas.microsoft.com/office/drawing/2014/main" id="{3B2C2491-C5E4-EE05-A6B4-4D084FDCCCCB}"/>
+                </a:ext>
+              </a:extLst>
+            </p:cNvPr>
+            <p:cNvPicPr>
+              <a:picLocks noChangeAspect="1" noChangeArrowheads="1"/>
+            </p:cNvPicPr>
+            <p:nvPr/>
+          </p:nvPicPr>
+          <p:blipFill>
+            <a:blip r:embed="rId22">
+              <a:extLst>
+                <a:ext uri="{28A0092B-C50C-407E-A947-70E740481C1C}">
+                  <a14:useLocalDpi xmlns:a14="http://schemas.microsoft.com/office/drawing/2010/main" val="0"/>
+                </a:ext>
+              </a:extLst>
+            </a:blip>
+            <a:srcRect/>
+            <a:stretch>
+              <a:fillRect/>
+            </a:stretch>
+          </p:blipFill>
+          <p:spPr bwMode="auto">
+            <a:xfrm>
+              <a:off x="2888826" y="2645892"/>
+              <a:ext cx="914400" cy="914400"/>
+            </a:xfrm>
+            <a:prstGeom prst="rect">
+              <a:avLst/>
+            </a:prstGeom>
+            <a:noFill/>
+            <a:extLst>
+              <a:ext uri="{909E8E84-426E-40DD-AFC4-6F175D3DCCD1}">
+                <a14:hiddenFill xmlns:a14="http://schemas.microsoft.com/office/drawing/2010/main">
+                  <a:solidFill>
+                    <a:srgbClr val="FFFFFF"/>
+                  </a:solidFill>
+                </a14:hiddenFill>
+              </a:ext>
+            </a:extLst>
+          </p:spPr>
+        </p:pic>
+        <p:sp>
+          <p:nvSpPr>
+            <p:cNvPr id="25" name="Rectangle: Rounded Corners 24">
+              <a:extLst>
+                <a:ext uri="{FF2B5EF4-FFF2-40B4-BE49-F238E27FC236}">
+                  <a16:creationId xmlns:a16="http://schemas.microsoft.com/office/drawing/2014/main" id="{4D01C4AB-1A41-B394-989E-3A82636AF563}"/>
+                </a:ext>
+              </a:extLst>
+            </p:cNvPr>
+            <p:cNvSpPr/>
+            <p:nvPr/>
+          </p:nvSpPr>
+          <p:spPr>
+            <a:xfrm>
+              <a:off x="705535" y="2206074"/>
+              <a:ext cx="1755941" cy="2028717"/>
+            </a:xfrm>
+            <a:prstGeom prst="roundRect">
+              <a:avLst>
+                <a:gd name="adj" fmla="val 8824"/>
+              </a:avLst>
+            </a:prstGeom>
+          </p:spPr>
+          <p:style>
+            <a:lnRef idx="1">
+              <a:schemeClr val="dk1"/>
+            </a:lnRef>
+            <a:fillRef idx="2">
+              <a:schemeClr val="dk1"/>
+            </a:fillRef>
+            <a:effectRef idx="1">
+              <a:schemeClr val="dk1"/>
+            </a:effectRef>
+            <a:fontRef idx="minor">
+              <a:schemeClr val="dk1"/>
+            </a:fontRef>
+          </p:style>
+          <p:txBody>
+            <a:bodyPr rtlCol="0" anchor="t"/>
+            <a:lstStyle/>
+            <a:p>
+              <a:r>
+                <a:rPr lang="en-US" dirty="0">
+                  <a:latin typeface="Abadi" panose="020B0604020104020204" pitchFamily="34" charset="0"/>
+                </a:rPr>
+                <a:t>Cyber Tools</a:t>
+              </a:r>
+            </a:p>
+          </p:txBody>
+        </p:sp>
+        <p:pic>
+          <p:nvPicPr>
+            <p:cNvPr id="1070" name="Picture 46" descr="Rapid7 Logo &amp; Brand Assets (SVG, PNG ...">
+              <a:extLst>
+                <a:ext uri="{FF2B5EF4-FFF2-40B4-BE49-F238E27FC236}">
+                  <a16:creationId xmlns:a16="http://schemas.microsoft.com/office/drawing/2014/main" id="{35A83B7C-46A1-8EC2-C949-60855260F029}"/>
+                </a:ext>
+              </a:extLst>
+            </p:cNvPr>
+            <p:cNvPicPr>
+              <a:picLocks noChangeAspect="1" noChangeArrowheads="1"/>
+            </p:cNvPicPr>
+            <p:nvPr/>
+          </p:nvPicPr>
+          <p:blipFill>
+            <a:blip r:embed="rId23">
+              <a:extLst>
+                <a:ext uri="{28A0092B-C50C-407E-A947-70E740481C1C}">
+                  <a14:useLocalDpi xmlns:a14="http://schemas.microsoft.com/office/drawing/2010/main" val="0"/>
+                </a:ext>
+              </a:extLst>
+            </a:blip>
+            <a:srcRect/>
+            <a:stretch>
+              <a:fillRect/>
+            </a:stretch>
+          </p:blipFill>
+          <p:spPr bwMode="auto">
+            <a:xfrm>
+              <a:off x="802038" y="3572373"/>
+              <a:ext cx="712953" cy="548640"/>
+            </a:xfrm>
+            <a:prstGeom prst="rect">
+              <a:avLst/>
+            </a:prstGeom>
+            <a:noFill/>
+            <a:extLst>
+              <a:ext uri="{909E8E84-426E-40DD-AFC4-6F175D3DCCD1}">
+                <a14:hiddenFill xmlns:a14="http://schemas.microsoft.com/office/drawing/2010/main">
+                  <a:solidFill>
+                    <a:srgbClr val="FFFFFF"/>
+                  </a:solidFill>
+                </a14:hiddenFill>
+              </a:ext>
+            </a:extLst>
+          </p:spPr>
+        </p:pic>
+        <p:pic>
+          <p:nvPicPr>
+            <p:cNvPr id="1072" name="Picture 48">
+              <a:extLst>
+                <a:ext uri="{FF2B5EF4-FFF2-40B4-BE49-F238E27FC236}">
+                  <a16:creationId xmlns:a16="http://schemas.microsoft.com/office/drawing/2014/main" id="{0A5E976E-1933-2865-7585-792950C1F534}"/>
+                </a:ext>
+              </a:extLst>
+            </p:cNvPr>
+            <p:cNvPicPr>
+              <a:picLocks noChangeAspect="1" noChangeArrowheads="1"/>
+            </p:cNvPicPr>
+            <p:nvPr/>
+          </p:nvPicPr>
+          <p:blipFill>
+            <a:blip r:embed="rId24">
+              <a:extLst>
+                <a:ext uri="{28A0092B-C50C-407E-A947-70E740481C1C}">
+                  <a14:useLocalDpi xmlns:a14="http://schemas.microsoft.com/office/drawing/2010/main" val="0"/>
+                </a:ext>
+              </a:extLst>
+            </a:blip>
+            <a:srcRect/>
+            <a:stretch/>
+          </p:blipFill>
+          <p:spPr bwMode="auto">
+            <a:xfrm>
+              <a:off x="802038" y="2946112"/>
+              <a:ext cx="703020" cy="548640"/>
+            </a:xfrm>
+            <a:prstGeom prst="rect">
+              <a:avLst/>
+            </a:prstGeom>
+            <a:noFill/>
+            <a:extLst>
+              <a:ext uri="{909E8E84-426E-40DD-AFC4-6F175D3DCCD1}">
+                <a14:hiddenFill xmlns:a14="http://schemas.microsoft.com/office/drawing/2010/main">
+                  <a:solidFill>
+                    <a:srgbClr val="FFFFFF"/>
+                  </a:solidFill>
+                </a14:hiddenFill>
+              </a:ext>
+            </a:extLst>
+          </p:spPr>
+        </p:pic>
+        <p:pic>
+          <p:nvPicPr>
+            <p:cNvPr id="27" name="Picture 26">
+              <a:extLst>
+                <a:ext uri="{FF2B5EF4-FFF2-40B4-BE49-F238E27FC236}">
+                  <a16:creationId xmlns:a16="http://schemas.microsoft.com/office/drawing/2014/main" id="{52D9D9CC-8FAA-0FF3-0C5A-C7DCB80AD0F3}"/>
+                </a:ext>
+              </a:extLst>
+            </p:cNvPr>
+            <p:cNvPicPr>
+              <a:picLocks noChangeAspect="1"/>
+            </p:cNvPicPr>
+            <p:nvPr/>
+          </p:nvPicPr>
+          <p:blipFill>
+            <a:blip r:embed="rId25"/>
+            <a:stretch>
+              <a:fillRect/>
+            </a:stretch>
+          </p:blipFill>
+          <p:spPr>
+            <a:xfrm>
+              <a:off x="1558810" y="2946112"/>
+              <a:ext cx="548640" cy="548640"/>
+            </a:xfrm>
+            <a:prstGeom prst="rect">
+              <a:avLst/>
+            </a:prstGeom>
+          </p:spPr>
+        </p:pic>
+        <p:pic>
+          <p:nvPicPr>
+            <p:cNvPr id="1074" name="Picture 50" descr="Advanced Security dashboard Widgets ...">
+              <a:extLst>
+                <a:ext uri="{FF2B5EF4-FFF2-40B4-BE49-F238E27FC236}">
+                  <a16:creationId xmlns:a16="http://schemas.microsoft.com/office/drawing/2014/main" id="{649E90CD-97B5-F1F5-822E-C707E12945F4}"/>
+                </a:ext>
+              </a:extLst>
+            </p:cNvPr>
+            <p:cNvPicPr>
+              <a:picLocks noChangeAspect="1" noChangeArrowheads="1"/>
+            </p:cNvPicPr>
+            <p:nvPr/>
+          </p:nvPicPr>
+          <p:blipFill>
+            <a:blip r:embed="rId26">
+              <a:extLst>
+                <a:ext uri="{28A0092B-C50C-407E-A947-70E740481C1C}">
+                  <a14:useLocalDpi xmlns:a14="http://schemas.microsoft.com/office/drawing/2010/main" val="0"/>
+                </a:ext>
+              </a:extLst>
+            </a:blip>
+            <a:srcRect/>
+            <a:stretch>
+              <a:fillRect/>
+            </a:stretch>
+          </p:blipFill>
+          <p:spPr bwMode="auto">
+            <a:xfrm>
+              <a:off x="1593567" y="3570846"/>
+              <a:ext cx="548640" cy="548640"/>
+            </a:xfrm>
+            <a:prstGeom prst="rect">
+              <a:avLst/>
+            </a:prstGeom>
+            <a:noFill/>
+            <a:extLst>
+              <a:ext uri="{909E8E84-426E-40DD-AFC4-6F175D3DCCD1}">
+                <a14:hiddenFill xmlns:a14="http://schemas.microsoft.com/office/drawing/2010/main">
+                  <a:solidFill>
+                    <a:srgbClr val="FFFFFF"/>
+                  </a:solidFill>
+                </a14:hiddenFill>
+              </a:ext>
+            </a:extLst>
+          </p:spPr>
+        </p:pic>
+        <p:pic>
+          <p:nvPicPr>
+            <p:cNvPr id="1076" name="Picture 52" descr="Zero Trust Guide for Cloud-Native ...">
+              <a:extLst>
+                <a:ext uri="{FF2B5EF4-FFF2-40B4-BE49-F238E27FC236}">
+                  <a16:creationId xmlns:a16="http://schemas.microsoft.com/office/drawing/2014/main" id="{3CA64B89-41DE-10C4-CB6E-AB6D861EDEAA}"/>
+                </a:ext>
+              </a:extLst>
+            </p:cNvPr>
+            <p:cNvPicPr>
+              <a:picLocks noChangeAspect="1" noChangeArrowheads="1"/>
+            </p:cNvPicPr>
+            <p:nvPr/>
+          </p:nvPicPr>
+          <p:blipFill rotWithShape="1">
+            <a:blip r:embed="rId27">
+              <a:extLst>
+                <a:ext uri="{28A0092B-C50C-407E-A947-70E740481C1C}">
+                  <a14:useLocalDpi xmlns:a14="http://schemas.microsoft.com/office/drawing/2010/main" val="0"/>
+                </a:ext>
+              </a:extLst>
+            </a:blip>
+            <a:srcRect l="18873" r="18405"/>
+            <a:stretch/>
+          </p:blipFill>
+          <p:spPr bwMode="auto">
+            <a:xfrm>
+              <a:off x="9198651" y="3220432"/>
+              <a:ext cx="920228" cy="914400"/>
+            </a:xfrm>
+            <a:prstGeom prst="rect">
+              <a:avLst/>
+            </a:prstGeom>
+            <a:noFill/>
+            <a:extLst>
+              <a:ext uri="{909E8E84-426E-40DD-AFC4-6F175D3DCCD1}">
+                <a14:hiddenFill xmlns:a14="http://schemas.microsoft.com/office/drawing/2010/main">
+                  <a:solidFill>
+                    <a:srgbClr val="FFFFFF"/>
+                  </a:solidFill>
+                </a14:hiddenFill>
+              </a:ext>
+            </a:extLst>
+          </p:spPr>
+        </p:pic>
+      </p:grpSp>
     </p:spTree>
     <p:extLst>
       <p:ext uri="{BB962C8B-B14F-4D97-AF65-F5344CB8AC3E}">
@@ -5077,6 +5100,4453 @@
 </file>
 
 <file path=ppt/slides/slide2.xml><?xml version="1.0" encoding="utf-8"?>
+<p:sld xmlns:a="http://schemas.openxmlformats.org/drawingml/2006/main" xmlns:r="http://schemas.openxmlformats.org/officeDocument/2006/relationships" xmlns:p="http://schemas.openxmlformats.org/presentationml/2006/main">
+  <p:cSld>
+    <p:spTree>
+      <p:nvGrpSpPr>
+        <p:cNvPr id="1" name="">
+          <a:extLst>
+            <a:ext uri="{FF2B5EF4-FFF2-40B4-BE49-F238E27FC236}">
+              <a16:creationId xmlns:a16="http://schemas.microsoft.com/office/drawing/2014/main" id="{775DFB63-C985-DB99-6B49-94D850298DE1}"/>
+            </a:ext>
+          </a:extLst>
+        </p:cNvPr>
+        <p:cNvGrpSpPr/>
+        <p:nvPr/>
+      </p:nvGrpSpPr>
+      <p:grpSpPr>
+        <a:xfrm>
+          <a:off x="0" y="0"/>
+          <a:ext cx="0" cy="0"/>
+          <a:chOff x="0" y="0"/>
+          <a:chExt cx="0" cy="0"/>
+        </a:xfrm>
+      </p:grpSpPr>
+      <p:sp>
+        <p:nvSpPr>
+          <p:cNvPr id="8" name="Rectangle: Rounded Corners 7">
+            <a:extLst>
+              <a:ext uri="{FF2B5EF4-FFF2-40B4-BE49-F238E27FC236}">
+                <a16:creationId xmlns:a16="http://schemas.microsoft.com/office/drawing/2014/main" id="{29D55BD8-6F8B-06BB-454A-E3564E279889}"/>
+              </a:ext>
+            </a:extLst>
+          </p:cNvPr>
+          <p:cNvSpPr/>
+          <p:nvPr/>
+        </p:nvSpPr>
+        <p:spPr>
+          <a:xfrm>
+            <a:off x="242643" y="4935619"/>
+            <a:ext cx="2194560" cy="1463040"/>
+          </a:xfrm>
+          <a:prstGeom prst="roundRect">
+            <a:avLst>
+              <a:gd name="adj" fmla="val 8824"/>
+            </a:avLst>
+          </a:prstGeom>
+        </p:spPr>
+        <p:style>
+          <a:lnRef idx="1">
+            <a:schemeClr val="dk1"/>
+          </a:lnRef>
+          <a:fillRef idx="2">
+            <a:schemeClr val="dk1"/>
+          </a:fillRef>
+          <a:effectRef idx="1">
+            <a:schemeClr val="dk1"/>
+          </a:effectRef>
+          <a:fontRef idx="minor">
+            <a:schemeClr val="dk1"/>
+          </a:fontRef>
+        </p:style>
+        <p:txBody>
+          <a:bodyPr rtlCol="0" anchor="t"/>
+          <a:lstStyle/>
+          <a:p>
+            <a:endParaRPr lang="en-US" dirty="0">
+              <a:latin typeface="Abadi" panose="020B0604020104020204" pitchFamily="34" charset="0"/>
+            </a:endParaRPr>
+          </a:p>
+        </p:txBody>
+      </p:sp>
+      <p:sp>
+        <p:nvSpPr>
+          <p:cNvPr id="2" name="Rectangle: Rounded Corners 1">
+            <a:extLst>
+              <a:ext uri="{FF2B5EF4-FFF2-40B4-BE49-F238E27FC236}">
+                <a16:creationId xmlns:a16="http://schemas.microsoft.com/office/drawing/2014/main" id="{4534482E-E21E-6108-E251-9B209C5936FE}"/>
+              </a:ext>
+            </a:extLst>
+          </p:cNvPr>
+          <p:cNvSpPr/>
+          <p:nvPr/>
+        </p:nvSpPr>
+        <p:spPr>
+          <a:xfrm>
+            <a:off x="422241" y="5035694"/>
+            <a:ext cx="1760527" cy="1232554"/>
+          </a:xfrm>
+          <a:prstGeom prst="roundRect">
+            <a:avLst>
+              <a:gd name="adj" fmla="val 8824"/>
+            </a:avLst>
+          </a:prstGeom>
+          <a:ln w="9525">
+            <a:solidFill>
+              <a:schemeClr val="tx1"/>
+            </a:solidFill>
+          </a:ln>
+        </p:spPr>
+        <p:style>
+          <a:lnRef idx="3">
+            <a:schemeClr val="lt1"/>
+          </a:lnRef>
+          <a:fillRef idx="1">
+            <a:schemeClr val="accent2"/>
+          </a:fillRef>
+          <a:effectRef idx="1">
+            <a:schemeClr val="accent2"/>
+          </a:effectRef>
+          <a:fontRef idx="minor">
+            <a:schemeClr val="lt1"/>
+          </a:fontRef>
+        </p:style>
+        <p:txBody>
+          <a:bodyPr rtlCol="0" anchor="t"/>
+          <a:lstStyle/>
+          <a:p>
+            <a:endParaRPr lang="en-US" dirty="0">
+              <a:latin typeface="Abadi" panose="020B0604020104020204" pitchFamily="34" charset="0"/>
+            </a:endParaRPr>
+          </a:p>
+        </p:txBody>
+      </p:sp>
+      <p:sp>
+        <p:nvSpPr>
+          <p:cNvPr id="6" name="Rectangle: Rounded Corners 5">
+            <a:extLst>
+              <a:ext uri="{FF2B5EF4-FFF2-40B4-BE49-F238E27FC236}">
+                <a16:creationId xmlns:a16="http://schemas.microsoft.com/office/drawing/2014/main" id="{48DC6885-8C78-7BFD-DD42-BDD6286194EC}"/>
+              </a:ext>
+            </a:extLst>
+          </p:cNvPr>
+          <p:cNvSpPr/>
+          <p:nvPr/>
+        </p:nvSpPr>
+        <p:spPr>
+          <a:xfrm>
+            <a:off x="7376596" y="4935619"/>
+            <a:ext cx="2194560" cy="1463040"/>
+          </a:xfrm>
+          <a:prstGeom prst="roundRect">
+            <a:avLst>
+              <a:gd name="adj" fmla="val 8824"/>
+            </a:avLst>
+          </a:prstGeom>
+        </p:spPr>
+        <p:style>
+          <a:lnRef idx="1">
+            <a:schemeClr val="dk1"/>
+          </a:lnRef>
+          <a:fillRef idx="2">
+            <a:schemeClr val="dk1"/>
+          </a:fillRef>
+          <a:effectRef idx="1">
+            <a:schemeClr val="dk1"/>
+          </a:effectRef>
+          <a:fontRef idx="minor">
+            <a:schemeClr val="dk1"/>
+          </a:fontRef>
+        </p:style>
+        <p:txBody>
+          <a:bodyPr rtlCol="0" anchor="t"/>
+          <a:lstStyle/>
+          <a:p>
+            <a:endParaRPr lang="en-US" dirty="0">
+              <a:latin typeface="Abadi" panose="020B0604020104020204" pitchFamily="34" charset="0"/>
+            </a:endParaRPr>
+          </a:p>
+        </p:txBody>
+      </p:sp>
+      <p:sp>
+        <p:nvSpPr>
+          <p:cNvPr id="7" name="Rectangle: Rounded Corners 6">
+            <a:extLst>
+              <a:ext uri="{FF2B5EF4-FFF2-40B4-BE49-F238E27FC236}">
+                <a16:creationId xmlns:a16="http://schemas.microsoft.com/office/drawing/2014/main" id="{6463625B-A891-F4DC-8BD3-C2A28D092C4C}"/>
+              </a:ext>
+            </a:extLst>
+          </p:cNvPr>
+          <p:cNvSpPr/>
+          <p:nvPr/>
+        </p:nvSpPr>
+        <p:spPr>
+          <a:xfrm>
+            <a:off x="9794355" y="4935619"/>
+            <a:ext cx="2194560" cy="1463040"/>
+          </a:xfrm>
+          <a:prstGeom prst="roundRect">
+            <a:avLst>
+              <a:gd name="adj" fmla="val 8824"/>
+            </a:avLst>
+          </a:prstGeom>
+        </p:spPr>
+        <p:style>
+          <a:lnRef idx="1">
+            <a:schemeClr val="dk1"/>
+          </a:lnRef>
+          <a:fillRef idx="2">
+            <a:schemeClr val="dk1"/>
+          </a:fillRef>
+          <a:effectRef idx="1">
+            <a:schemeClr val="dk1"/>
+          </a:effectRef>
+          <a:fontRef idx="minor">
+            <a:schemeClr val="dk1"/>
+          </a:fontRef>
+        </p:style>
+        <p:txBody>
+          <a:bodyPr rtlCol="0" anchor="t"/>
+          <a:lstStyle/>
+          <a:p>
+            <a:endParaRPr lang="en-US" dirty="0">
+              <a:latin typeface="Abadi" panose="020B0604020104020204" pitchFamily="34" charset="0"/>
+            </a:endParaRPr>
+          </a:p>
+        </p:txBody>
+      </p:sp>
+      <p:sp>
+        <p:nvSpPr>
+          <p:cNvPr id="9" name="Rectangle: Rounded Corners 8">
+            <a:extLst>
+              <a:ext uri="{FF2B5EF4-FFF2-40B4-BE49-F238E27FC236}">
+                <a16:creationId xmlns:a16="http://schemas.microsoft.com/office/drawing/2014/main" id="{540FE5CC-7683-63DD-813F-22E69E5B51C1}"/>
+              </a:ext>
+            </a:extLst>
+          </p:cNvPr>
+          <p:cNvSpPr/>
+          <p:nvPr/>
+        </p:nvSpPr>
+        <p:spPr>
+          <a:xfrm>
+            <a:off x="2605821" y="4935619"/>
+            <a:ext cx="2194560" cy="1463040"/>
+          </a:xfrm>
+          <a:prstGeom prst="roundRect">
+            <a:avLst>
+              <a:gd name="adj" fmla="val 8824"/>
+            </a:avLst>
+          </a:prstGeom>
+        </p:spPr>
+        <p:style>
+          <a:lnRef idx="1">
+            <a:schemeClr val="dk1"/>
+          </a:lnRef>
+          <a:fillRef idx="2">
+            <a:schemeClr val="dk1"/>
+          </a:fillRef>
+          <a:effectRef idx="1">
+            <a:schemeClr val="dk1"/>
+          </a:effectRef>
+          <a:fontRef idx="minor">
+            <a:schemeClr val="dk1"/>
+          </a:fontRef>
+        </p:style>
+        <p:txBody>
+          <a:bodyPr rtlCol="0" anchor="t"/>
+          <a:lstStyle/>
+          <a:p>
+            <a:endParaRPr lang="en-US" dirty="0">
+              <a:latin typeface="Abadi" panose="020B0604020104020204" pitchFamily="34" charset="0"/>
+            </a:endParaRPr>
+          </a:p>
+        </p:txBody>
+      </p:sp>
+      <p:sp>
+        <p:nvSpPr>
+          <p:cNvPr id="10" name="Rectangle: Rounded Corners 9">
+            <a:extLst>
+              <a:ext uri="{FF2B5EF4-FFF2-40B4-BE49-F238E27FC236}">
+                <a16:creationId xmlns:a16="http://schemas.microsoft.com/office/drawing/2014/main" id="{C1574D5E-3F60-753F-0B8A-6D052D9E38D7}"/>
+              </a:ext>
+            </a:extLst>
+          </p:cNvPr>
+          <p:cNvSpPr/>
+          <p:nvPr/>
+        </p:nvSpPr>
+        <p:spPr>
+          <a:xfrm>
+            <a:off x="5006462" y="4935619"/>
+            <a:ext cx="2194560" cy="1463040"/>
+          </a:xfrm>
+          <a:prstGeom prst="roundRect">
+            <a:avLst>
+              <a:gd name="adj" fmla="val 8824"/>
+            </a:avLst>
+          </a:prstGeom>
+        </p:spPr>
+        <p:style>
+          <a:lnRef idx="1">
+            <a:schemeClr val="dk1"/>
+          </a:lnRef>
+          <a:fillRef idx="2">
+            <a:schemeClr val="dk1"/>
+          </a:fillRef>
+          <a:effectRef idx="1">
+            <a:schemeClr val="dk1"/>
+          </a:effectRef>
+          <a:fontRef idx="minor">
+            <a:schemeClr val="dk1"/>
+          </a:fontRef>
+        </p:style>
+        <p:txBody>
+          <a:bodyPr rtlCol="0" anchor="t"/>
+          <a:lstStyle/>
+          <a:p>
+            <a:endParaRPr lang="en-US" dirty="0">
+              <a:latin typeface="Abadi" panose="020B0604020104020204" pitchFamily="34" charset="0"/>
+            </a:endParaRPr>
+          </a:p>
+        </p:txBody>
+      </p:sp>
+      <p:pic>
+        <p:nvPicPr>
+          <p:cNvPr id="1026" name="Picture 2">
+            <a:extLst>
+              <a:ext uri="{FF2B5EF4-FFF2-40B4-BE49-F238E27FC236}">
+                <a16:creationId xmlns:a16="http://schemas.microsoft.com/office/drawing/2014/main" id="{2B199E21-820E-7BF8-47E1-824FF419816F}"/>
+              </a:ext>
+            </a:extLst>
+          </p:cNvPr>
+          <p:cNvPicPr>
+            <a:picLocks noChangeAspect="1" noChangeArrowheads="1"/>
+          </p:cNvPicPr>
+          <p:nvPr/>
+        </p:nvPicPr>
+        <p:blipFill>
+          <a:blip r:embed="rId2">
+            <a:extLst>
+              <a:ext uri="{28A0092B-C50C-407E-A947-70E740481C1C}">
+                <a14:useLocalDpi xmlns:a14="http://schemas.microsoft.com/office/drawing/2010/main" val="0"/>
+              </a:ext>
+            </a:extLst>
+          </a:blip>
+          <a:srcRect/>
+          <a:stretch>
+            <a:fillRect/>
+          </a:stretch>
+        </p:blipFill>
+        <p:spPr bwMode="auto">
+          <a:xfrm>
+            <a:off x="1410270" y="5436432"/>
+            <a:ext cx="529046" cy="548640"/>
+          </a:xfrm>
+          <a:prstGeom prst="rect">
+            <a:avLst/>
+          </a:prstGeom>
+          <a:noFill/>
+          <a:extLst>
+            <a:ext uri="{909E8E84-426E-40DD-AFC4-6F175D3DCCD1}">
+              <a14:hiddenFill xmlns:a14="http://schemas.microsoft.com/office/drawing/2010/main">
+                <a:solidFill>
+                  <a:srgbClr val="FFFFFF"/>
+                </a:solidFill>
+              </a14:hiddenFill>
+            </a:ext>
+          </a:extLst>
+        </p:spPr>
+      </p:pic>
+      <p:pic>
+        <p:nvPicPr>
+          <p:cNvPr id="1030" name="Picture 6" descr="Exploring the Popularity of REST API ...">
+            <a:extLst>
+              <a:ext uri="{FF2B5EF4-FFF2-40B4-BE49-F238E27FC236}">
+                <a16:creationId xmlns:a16="http://schemas.microsoft.com/office/drawing/2014/main" id="{60BEDC12-0EC4-4710-C37F-B98C654D69B0}"/>
+              </a:ext>
+            </a:extLst>
+          </p:cNvPr>
+          <p:cNvPicPr>
+            <a:picLocks noChangeAspect="1" noChangeArrowheads="1"/>
+          </p:cNvPicPr>
+          <p:nvPr/>
+        </p:nvPicPr>
+        <p:blipFill>
+          <a:blip r:embed="rId3">
+            <a:extLst>
+              <a:ext uri="{28A0092B-C50C-407E-A947-70E740481C1C}">
+                <a14:useLocalDpi xmlns:a14="http://schemas.microsoft.com/office/drawing/2010/main" val="0"/>
+              </a:ext>
+            </a:extLst>
+          </a:blip>
+          <a:srcRect/>
+          <a:stretch>
+            <a:fillRect/>
+          </a:stretch>
+        </p:blipFill>
+        <p:spPr bwMode="auto">
+          <a:xfrm>
+            <a:off x="511682" y="5436432"/>
+            <a:ext cx="670260" cy="548640"/>
+          </a:xfrm>
+          <a:prstGeom prst="rect">
+            <a:avLst/>
+          </a:prstGeom>
+          <a:noFill/>
+          <a:extLst>
+            <a:ext uri="{909E8E84-426E-40DD-AFC4-6F175D3DCCD1}">
+              <a14:hiddenFill xmlns:a14="http://schemas.microsoft.com/office/drawing/2010/main">
+                <a:solidFill>
+                  <a:srgbClr val="FFFFFF"/>
+                </a:solidFill>
+              </a14:hiddenFill>
+            </a:ext>
+          </a:extLst>
+        </p:spPr>
+      </p:pic>
+      <p:pic>
+        <p:nvPicPr>
+          <p:cNvPr id="1036" name="Picture 12" descr="asf - Revision 1925738: /kafka/site ...">
+            <a:extLst>
+              <a:ext uri="{FF2B5EF4-FFF2-40B4-BE49-F238E27FC236}">
+                <a16:creationId xmlns:a16="http://schemas.microsoft.com/office/drawing/2014/main" id="{D9E6E147-D7F3-DC5B-FBCE-7B7F3FA90BEF}"/>
+              </a:ext>
+            </a:extLst>
+          </p:cNvPr>
+          <p:cNvPicPr>
+            <a:picLocks noChangeAspect="1" noChangeArrowheads="1"/>
+          </p:cNvPicPr>
+          <p:nvPr/>
+        </p:nvPicPr>
+        <p:blipFill>
+          <a:blip r:embed="rId4">
+            <a:extLst>
+              <a:ext uri="{28A0092B-C50C-407E-A947-70E740481C1C}">
+                <a14:useLocalDpi xmlns:a14="http://schemas.microsoft.com/office/drawing/2010/main" val="0"/>
+              </a:ext>
+            </a:extLst>
+          </a:blip>
+          <a:srcRect/>
+          <a:stretch>
+            <a:fillRect/>
+          </a:stretch>
+        </p:blipFill>
+        <p:spPr bwMode="auto">
+          <a:xfrm>
+            <a:off x="7540248" y="5802758"/>
+            <a:ext cx="548640" cy="548640"/>
+          </a:xfrm>
+          <a:prstGeom prst="rect">
+            <a:avLst/>
+          </a:prstGeom>
+          <a:noFill/>
+          <a:extLst>
+            <a:ext uri="{909E8E84-426E-40DD-AFC4-6F175D3DCCD1}">
+              <a14:hiddenFill xmlns:a14="http://schemas.microsoft.com/office/drawing/2010/main">
+                <a:solidFill>
+                  <a:srgbClr val="FFFFFF"/>
+                </a:solidFill>
+              </a14:hiddenFill>
+            </a:ext>
+          </a:extLst>
+        </p:spPr>
+      </p:pic>
+      <p:sp>
+        <p:nvSpPr>
+          <p:cNvPr id="12" name="Rectangle: Rounded Corners 11">
+            <a:extLst>
+              <a:ext uri="{FF2B5EF4-FFF2-40B4-BE49-F238E27FC236}">
+                <a16:creationId xmlns:a16="http://schemas.microsoft.com/office/drawing/2014/main" id="{16CA3F70-F55A-7B75-49BA-884A25F97A36}"/>
+              </a:ext>
+            </a:extLst>
+          </p:cNvPr>
+          <p:cNvSpPr/>
+          <p:nvPr/>
+        </p:nvSpPr>
+        <p:spPr>
+          <a:xfrm>
+            <a:off x="738248" y="468342"/>
+            <a:ext cx="2189765" cy="1174249"/>
+          </a:xfrm>
+          <a:prstGeom prst="roundRect">
+            <a:avLst>
+              <a:gd name="adj" fmla="val 8824"/>
+            </a:avLst>
+          </a:prstGeom>
+        </p:spPr>
+        <p:style>
+          <a:lnRef idx="1">
+            <a:schemeClr val="dk1"/>
+          </a:lnRef>
+          <a:fillRef idx="2">
+            <a:schemeClr val="dk1"/>
+          </a:fillRef>
+          <a:effectRef idx="1">
+            <a:schemeClr val="dk1"/>
+          </a:effectRef>
+          <a:fontRef idx="minor">
+            <a:schemeClr val="dk1"/>
+          </a:fontRef>
+        </p:style>
+        <p:txBody>
+          <a:bodyPr rtlCol="0" anchor="t"/>
+          <a:lstStyle/>
+          <a:p>
+            <a:r>
+              <a:rPr lang="en-US" dirty="0">
+                <a:latin typeface="Abadi" panose="020B0604020104020204" pitchFamily="34" charset="0"/>
+              </a:rPr>
+              <a:t>Data Warehouse</a:t>
+            </a:r>
+          </a:p>
+        </p:txBody>
+      </p:sp>
+      <p:sp>
+        <p:nvSpPr>
+          <p:cNvPr id="16" name="Rectangle: Rounded Corners 15">
+            <a:extLst>
+              <a:ext uri="{FF2B5EF4-FFF2-40B4-BE49-F238E27FC236}">
+                <a16:creationId xmlns:a16="http://schemas.microsoft.com/office/drawing/2014/main" id="{E56372D7-0E1C-F58F-987E-A8D50F2668C4}"/>
+              </a:ext>
+            </a:extLst>
+          </p:cNvPr>
+          <p:cNvSpPr/>
+          <p:nvPr/>
+        </p:nvSpPr>
+        <p:spPr>
+          <a:xfrm>
+            <a:off x="3580161" y="468342"/>
+            <a:ext cx="2189765" cy="1174249"/>
+          </a:xfrm>
+          <a:prstGeom prst="roundRect">
+            <a:avLst>
+              <a:gd name="adj" fmla="val 8824"/>
+            </a:avLst>
+          </a:prstGeom>
+        </p:spPr>
+        <p:style>
+          <a:lnRef idx="1">
+            <a:schemeClr val="dk1"/>
+          </a:lnRef>
+          <a:fillRef idx="2">
+            <a:schemeClr val="dk1"/>
+          </a:fillRef>
+          <a:effectRef idx="1">
+            <a:schemeClr val="dk1"/>
+          </a:effectRef>
+          <a:fontRef idx="minor">
+            <a:schemeClr val="dk1"/>
+          </a:fontRef>
+        </p:style>
+        <p:txBody>
+          <a:bodyPr rtlCol="0" anchor="t"/>
+          <a:lstStyle/>
+          <a:p>
+            <a:r>
+              <a:rPr lang="en-US" dirty="0">
+                <a:latin typeface="Abadi" panose="020B0604020104020204" pitchFamily="34" charset="0"/>
+              </a:rPr>
+              <a:t>BI Tools</a:t>
+            </a:r>
+          </a:p>
+        </p:txBody>
+      </p:sp>
+      <p:sp>
+        <p:nvSpPr>
+          <p:cNvPr id="17" name="Rectangle: Rounded Corners 16">
+            <a:extLst>
+              <a:ext uri="{FF2B5EF4-FFF2-40B4-BE49-F238E27FC236}">
+                <a16:creationId xmlns:a16="http://schemas.microsoft.com/office/drawing/2014/main" id="{41E1C689-981E-1DBB-44C3-1BCE888F169F}"/>
+              </a:ext>
+            </a:extLst>
+          </p:cNvPr>
+          <p:cNvSpPr/>
+          <p:nvPr/>
+        </p:nvSpPr>
+        <p:spPr>
+          <a:xfrm>
+            <a:off x="6422074" y="468342"/>
+            <a:ext cx="2189765" cy="1174249"/>
+          </a:xfrm>
+          <a:prstGeom prst="roundRect">
+            <a:avLst>
+              <a:gd name="adj" fmla="val 8824"/>
+            </a:avLst>
+          </a:prstGeom>
+        </p:spPr>
+        <p:style>
+          <a:lnRef idx="1">
+            <a:schemeClr val="dk1"/>
+          </a:lnRef>
+          <a:fillRef idx="2">
+            <a:schemeClr val="dk1"/>
+          </a:fillRef>
+          <a:effectRef idx="1">
+            <a:schemeClr val="dk1"/>
+          </a:effectRef>
+          <a:fontRef idx="minor">
+            <a:schemeClr val="dk1"/>
+          </a:fontRef>
+        </p:style>
+        <p:txBody>
+          <a:bodyPr rtlCol="0" anchor="t"/>
+          <a:lstStyle/>
+          <a:p>
+            <a:r>
+              <a:rPr lang="en-US" dirty="0">
+                <a:latin typeface="Abadi" panose="020B0604020104020204" pitchFamily="34" charset="0"/>
+              </a:rPr>
+              <a:t>ML/Analytics</a:t>
+            </a:r>
+          </a:p>
+        </p:txBody>
+      </p:sp>
+      <p:sp>
+        <p:nvSpPr>
+          <p:cNvPr id="18" name="Rectangle: Rounded Corners 17">
+            <a:extLst>
+              <a:ext uri="{FF2B5EF4-FFF2-40B4-BE49-F238E27FC236}">
+                <a16:creationId xmlns:a16="http://schemas.microsoft.com/office/drawing/2014/main" id="{792F5ACC-BA88-2C27-A4FA-9877A1934DEC}"/>
+              </a:ext>
+            </a:extLst>
+          </p:cNvPr>
+          <p:cNvSpPr/>
+          <p:nvPr/>
+        </p:nvSpPr>
+        <p:spPr>
+          <a:xfrm>
+            <a:off x="9263988" y="468342"/>
+            <a:ext cx="2189765" cy="1174249"/>
+          </a:xfrm>
+          <a:prstGeom prst="roundRect">
+            <a:avLst>
+              <a:gd name="adj" fmla="val 8824"/>
+            </a:avLst>
+          </a:prstGeom>
+        </p:spPr>
+        <p:style>
+          <a:lnRef idx="1">
+            <a:schemeClr val="dk1"/>
+          </a:lnRef>
+          <a:fillRef idx="2">
+            <a:schemeClr val="dk1"/>
+          </a:fillRef>
+          <a:effectRef idx="1">
+            <a:schemeClr val="dk1"/>
+          </a:effectRef>
+          <a:fontRef idx="minor">
+            <a:schemeClr val="dk1"/>
+          </a:fontRef>
+        </p:style>
+        <p:txBody>
+          <a:bodyPr rtlCol="0" anchor="t"/>
+          <a:lstStyle/>
+          <a:p>
+            <a:r>
+              <a:rPr lang="en-US" dirty="0">
+                <a:latin typeface="Abadi" panose="020B0604020104020204" pitchFamily="34" charset="0"/>
+              </a:rPr>
+              <a:t>Ops Systems</a:t>
+            </a:r>
+          </a:p>
+        </p:txBody>
+      </p:sp>
+      <p:pic>
+        <p:nvPicPr>
+          <p:cNvPr id="1044" name="Picture 20" descr="Google BigQuery Icon Logo PNG vector in ...">
+            <a:extLst>
+              <a:ext uri="{FF2B5EF4-FFF2-40B4-BE49-F238E27FC236}">
+                <a16:creationId xmlns:a16="http://schemas.microsoft.com/office/drawing/2014/main" id="{2D9A6F23-F2E5-A1CA-1D3D-13C336A54801}"/>
+              </a:ext>
+            </a:extLst>
+          </p:cNvPr>
+          <p:cNvPicPr>
+            <a:picLocks noChangeAspect="1" noChangeArrowheads="1"/>
+          </p:cNvPicPr>
+          <p:nvPr/>
+        </p:nvPicPr>
+        <p:blipFill>
+          <a:blip r:embed="rId5">
+            <a:extLst>
+              <a:ext uri="{28A0092B-C50C-407E-A947-70E740481C1C}">
+                <a14:useLocalDpi xmlns:a14="http://schemas.microsoft.com/office/drawing/2010/main" val="0"/>
+              </a:ext>
+            </a:extLst>
+          </a:blip>
+          <a:srcRect/>
+          <a:stretch>
+            <a:fillRect/>
+          </a:stretch>
+        </p:blipFill>
+        <p:spPr bwMode="auto">
+          <a:xfrm>
+            <a:off x="861103" y="1031825"/>
+            <a:ext cx="732464" cy="548640"/>
+          </a:xfrm>
+          <a:prstGeom prst="rect">
+            <a:avLst/>
+          </a:prstGeom>
+          <a:noFill/>
+          <a:extLst>
+            <a:ext uri="{909E8E84-426E-40DD-AFC4-6F175D3DCCD1}">
+              <a14:hiddenFill xmlns:a14="http://schemas.microsoft.com/office/drawing/2010/main">
+                <a:solidFill>
+                  <a:srgbClr val="FFFFFF"/>
+                </a:solidFill>
+              </a14:hiddenFill>
+            </a:ext>
+          </a:extLst>
+        </p:spPr>
+      </p:pic>
+      <p:pic>
+        <p:nvPicPr>
+          <p:cNvPr id="1046" name="Picture 22" descr="Microsoft Power BI | Logopedia | Fandom">
+            <a:extLst>
+              <a:ext uri="{FF2B5EF4-FFF2-40B4-BE49-F238E27FC236}">
+                <a16:creationId xmlns:a16="http://schemas.microsoft.com/office/drawing/2014/main" id="{0D713503-5971-CD7B-ABB6-FFCF4725DB9F}"/>
+              </a:ext>
+            </a:extLst>
+          </p:cNvPr>
+          <p:cNvPicPr>
+            <a:picLocks noChangeAspect="1" noChangeArrowheads="1"/>
+          </p:cNvPicPr>
+          <p:nvPr/>
+        </p:nvPicPr>
+        <p:blipFill>
+          <a:blip r:embed="rId6">
+            <a:extLst>
+              <a:ext uri="{28A0092B-C50C-407E-A947-70E740481C1C}">
+                <a14:useLocalDpi xmlns:a14="http://schemas.microsoft.com/office/drawing/2010/main" val="0"/>
+              </a:ext>
+            </a:extLst>
+          </a:blip>
+          <a:srcRect/>
+          <a:stretch>
+            <a:fillRect/>
+          </a:stretch>
+        </p:blipFill>
+        <p:spPr bwMode="auto">
+          <a:xfrm>
+            <a:off x="3679293" y="1031825"/>
+            <a:ext cx="556023" cy="548640"/>
+          </a:xfrm>
+          <a:prstGeom prst="rect">
+            <a:avLst/>
+          </a:prstGeom>
+          <a:noFill/>
+          <a:extLst>
+            <a:ext uri="{909E8E84-426E-40DD-AFC4-6F175D3DCCD1}">
+              <a14:hiddenFill xmlns:a14="http://schemas.microsoft.com/office/drawing/2010/main">
+                <a:solidFill>
+                  <a:srgbClr val="FFFFFF"/>
+                </a:solidFill>
+              </a14:hiddenFill>
+            </a:ext>
+          </a:extLst>
+        </p:spPr>
+      </p:pic>
+      <p:pic>
+        <p:nvPicPr>
+          <p:cNvPr id="1048" name="Picture 24" descr="JupyterHub — JupyterHub 0.9.2 ...">
+            <a:extLst>
+              <a:ext uri="{FF2B5EF4-FFF2-40B4-BE49-F238E27FC236}">
+                <a16:creationId xmlns:a16="http://schemas.microsoft.com/office/drawing/2014/main" id="{F748D48D-D5BF-1083-31EE-AB91BA423D29}"/>
+              </a:ext>
+            </a:extLst>
+          </p:cNvPr>
+          <p:cNvPicPr>
+            <a:picLocks noChangeAspect="1" noChangeArrowheads="1"/>
+          </p:cNvPicPr>
+          <p:nvPr/>
+        </p:nvPicPr>
+        <p:blipFill>
+          <a:blip r:embed="rId7">
+            <a:extLst>
+              <a:ext uri="{28A0092B-C50C-407E-A947-70E740481C1C}">
+                <a14:useLocalDpi xmlns:a14="http://schemas.microsoft.com/office/drawing/2010/main" val="0"/>
+              </a:ext>
+            </a:extLst>
+          </a:blip>
+          <a:srcRect/>
+          <a:stretch>
+            <a:fillRect/>
+          </a:stretch>
+        </p:blipFill>
+        <p:spPr bwMode="auto">
+          <a:xfrm>
+            <a:off x="6503651" y="1055466"/>
+            <a:ext cx="615927" cy="548640"/>
+          </a:xfrm>
+          <a:prstGeom prst="rect">
+            <a:avLst/>
+          </a:prstGeom>
+          <a:noFill/>
+          <a:extLst>
+            <a:ext uri="{909E8E84-426E-40DD-AFC4-6F175D3DCCD1}">
+              <a14:hiddenFill xmlns:a14="http://schemas.microsoft.com/office/drawing/2010/main">
+                <a:solidFill>
+                  <a:srgbClr val="FFFFFF"/>
+                </a:solidFill>
+              </a14:hiddenFill>
+            </a:ext>
+          </a:extLst>
+        </p:spPr>
+      </p:pic>
+      <p:pic>
+        <p:nvPicPr>
+          <p:cNvPr id="22" name="Picture 21">
+            <a:extLst>
+              <a:ext uri="{FF2B5EF4-FFF2-40B4-BE49-F238E27FC236}">
+                <a16:creationId xmlns:a16="http://schemas.microsoft.com/office/drawing/2014/main" id="{833368D5-6A97-ADF1-CB8A-7E2D6B8DAE31}"/>
+              </a:ext>
+            </a:extLst>
+          </p:cNvPr>
+          <p:cNvPicPr>
+            <a:picLocks noChangeAspect="1"/>
+          </p:cNvPicPr>
+          <p:nvPr/>
+        </p:nvPicPr>
+        <p:blipFill>
+          <a:blip r:embed="rId8"/>
+          <a:srcRect l="22554" r="22435"/>
+          <a:stretch/>
+        </p:blipFill>
+        <p:spPr>
+          <a:xfrm>
+            <a:off x="9330637" y="1031825"/>
+            <a:ext cx="538953" cy="548640"/>
+          </a:xfrm>
+          <a:prstGeom prst="rect">
+            <a:avLst/>
+          </a:prstGeom>
+        </p:spPr>
+      </p:pic>
+      <p:pic>
+        <p:nvPicPr>
+          <p:cNvPr id="1050" name="Picture 26" descr="Atlassian logo thumbnail transparent ...">
+            <a:extLst>
+              <a:ext uri="{FF2B5EF4-FFF2-40B4-BE49-F238E27FC236}">
+                <a16:creationId xmlns:a16="http://schemas.microsoft.com/office/drawing/2014/main" id="{C52C5856-B84C-48B4-7F6C-AD5CD98C3D23}"/>
+              </a:ext>
+            </a:extLst>
+          </p:cNvPr>
+          <p:cNvPicPr>
+            <a:picLocks noChangeAspect="1" noChangeArrowheads="1"/>
+          </p:cNvPicPr>
+          <p:nvPr/>
+        </p:nvPicPr>
+        <p:blipFill rotWithShape="1">
+          <a:blip r:embed="rId9">
+            <a:extLst>
+              <a:ext uri="{28A0092B-C50C-407E-A947-70E740481C1C}">
+                <a14:useLocalDpi xmlns:a14="http://schemas.microsoft.com/office/drawing/2010/main" val="0"/>
+              </a:ext>
+            </a:extLst>
+          </a:blip>
+          <a:srcRect l="16040" t="18503" r="14446" b="12028"/>
+          <a:stretch/>
+        </p:blipFill>
+        <p:spPr bwMode="auto">
+          <a:xfrm>
+            <a:off x="9894621" y="1031825"/>
+            <a:ext cx="548987" cy="548640"/>
+          </a:xfrm>
+          <a:prstGeom prst="rect">
+            <a:avLst/>
+          </a:prstGeom>
+          <a:noFill/>
+          <a:extLst>
+            <a:ext uri="{909E8E84-426E-40DD-AFC4-6F175D3DCCD1}">
+              <a14:hiddenFill xmlns:a14="http://schemas.microsoft.com/office/drawing/2010/main">
+                <a:solidFill>
+                  <a:srgbClr val="FFFFFF"/>
+                </a:solidFill>
+              </a14:hiddenFill>
+            </a:ext>
+          </a:extLst>
+        </p:spPr>
+      </p:pic>
+      <p:pic>
+        <p:nvPicPr>
+          <p:cNvPr id="1052" name="Picture 28" descr="Amazon SageMaker Autopilot ...">
+            <a:extLst>
+              <a:ext uri="{FF2B5EF4-FFF2-40B4-BE49-F238E27FC236}">
+                <a16:creationId xmlns:a16="http://schemas.microsoft.com/office/drawing/2014/main" id="{07B7CB99-3BE7-964F-BB32-2FF59774E0B6}"/>
+              </a:ext>
+            </a:extLst>
+          </p:cNvPr>
+          <p:cNvPicPr>
+            <a:picLocks noChangeAspect="1" noChangeArrowheads="1"/>
+          </p:cNvPicPr>
+          <p:nvPr/>
+        </p:nvPicPr>
+        <p:blipFill>
+          <a:blip r:embed="rId10">
+            <a:extLst>
+              <a:ext uri="{28A0092B-C50C-407E-A947-70E740481C1C}">
+                <a14:useLocalDpi xmlns:a14="http://schemas.microsoft.com/office/drawing/2010/main" val="0"/>
+              </a:ext>
+            </a:extLst>
+          </a:blip>
+          <a:srcRect/>
+          <a:stretch>
+            <a:fillRect/>
+          </a:stretch>
+        </p:blipFill>
+        <p:spPr bwMode="auto">
+          <a:xfrm>
+            <a:off x="7186227" y="1055466"/>
+            <a:ext cx="548640" cy="548640"/>
+          </a:xfrm>
+          <a:prstGeom prst="rect">
+            <a:avLst/>
+          </a:prstGeom>
+          <a:noFill/>
+          <a:extLst>
+            <a:ext uri="{909E8E84-426E-40DD-AFC4-6F175D3DCCD1}">
+              <a14:hiddenFill xmlns:a14="http://schemas.microsoft.com/office/drawing/2010/main">
+                <a:solidFill>
+                  <a:srgbClr val="FFFFFF"/>
+                </a:solidFill>
+              </a14:hiddenFill>
+            </a:ext>
+          </a:extLst>
+        </p:spPr>
+      </p:pic>
+      <p:pic>
+        <p:nvPicPr>
+          <p:cNvPr id="1054" name="Picture 30" descr="Kubeflow">
+            <a:extLst>
+              <a:ext uri="{FF2B5EF4-FFF2-40B4-BE49-F238E27FC236}">
+                <a16:creationId xmlns:a16="http://schemas.microsoft.com/office/drawing/2014/main" id="{796BA2FD-9E0F-3413-EF61-3995D4F090A6}"/>
+              </a:ext>
+            </a:extLst>
+          </p:cNvPr>
+          <p:cNvPicPr>
+            <a:picLocks noChangeAspect="1" noChangeArrowheads="1"/>
+          </p:cNvPicPr>
+          <p:nvPr/>
+        </p:nvPicPr>
+        <p:blipFill>
+          <a:blip r:embed="rId11">
+            <a:extLst>
+              <a:ext uri="{28A0092B-C50C-407E-A947-70E740481C1C}">
+                <a14:useLocalDpi xmlns:a14="http://schemas.microsoft.com/office/drawing/2010/main" val="0"/>
+              </a:ext>
+            </a:extLst>
+          </a:blip>
+          <a:srcRect/>
+          <a:stretch>
+            <a:fillRect/>
+          </a:stretch>
+        </p:blipFill>
+        <p:spPr bwMode="auto">
+          <a:xfrm>
+            <a:off x="7786621" y="1055466"/>
+            <a:ext cx="548640" cy="548640"/>
+          </a:xfrm>
+          <a:prstGeom prst="rect">
+            <a:avLst/>
+          </a:prstGeom>
+          <a:noFill/>
+          <a:extLst>
+            <a:ext uri="{909E8E84-426E-40DD-AFC4-6F175D3DCCD1}">
+              <a14:hiddenFill xmlns:a14="http://schemas.microsoft.com/office/drawing/2010/main">
+                <a:solidFill>
+                  <a:srgbClr val="FFFFFF"/>
+                </a:solidFill>
+              </a14:hiddenFill>
+            </a:ext>
+          </a:extLst>
+        </p:spPr>
+      </p:pic>
+      <p:pic>
+        <p:nvPicPr>
+          <p:cNvPr id="1056" name="Picture 32" descr="Tableau desktop icon - ukrainewalker">
+            <a:extLst>
+              <a:ext uri="{FF2B5EF4-FFF2-40B4-BE49-F238E27FC236}">
+                <a16:creationId xmlns:a16="http://schemas.microsoft.com/office/drawing/2014/main" id="{C66D3CB7-AB0E-6B4D-9317-EBBE977666A7}"/>
+              </a:ext>
+            </a:extLst>
+          </p:cNvPr>
+          <p:cNvPicPr>
+            <a:picLocks noChangeAspect="1" noChangeArrowheads="1"/>
+          </p:cNvPicPr>
+          <p:nvPr/>
+        </p:nvPicPr>
+        <p:blipFill rotWithShape="1">
+          <a:blip r:embed="rId12">
+            <a:extLst>
+              <a:ext uri="{28A0092B-C50C-407E-A947-70E740481C1C}">
+                <a14:useLocalDpi xmlns:a14="http://schemas.microsoft.com/office/drawing/2010/main" val="0"/>
+              </a:ext>
+            </a:extLst>
+          </a:blip>
+          <a:srcRect l="23273" r="20997"/>
+          <a:stretch/>
+        </p:blipFill>
+        <p:spPr bwMode="auto">
+          <a:xfrm>
+            <a:off x="4316893" y="1031825"/>
+            <a:ext cx="545997" cy="548640"/>
+          </a:xfrm>
+          <a:prstGeom prst="rect">
+            <a:avLst/>
+          </a:prstGeom>
+          <a:noFill/>
+          <a:extLst>
+            <a:ext uri="{909E8E84-426E-40DD-AFC4-6F175D3DCCD1}">
+              <a14:hiddenFill xmlns:a14="http://schemas.microsoft.com/office/drawing/2010/main">
+                <a:solidFill>
+                  <a:srgbClr val="FFFFFF"/>
+                </a:solidFill>
+              </a14:hiddenFill>
+            </a:ext>
+          </a:extLst>
+        </p:spPr>
+      </p:pic>
+      <p:pic>
+        <p:nvPicPr>
+          <p:cNvPr id="1058" name="Picture 34" descr="Alumio | The leader in SOAP integrations">
+            <a:extLst>
+              <a:ext uri="{FF2B5EF4-FFF2-40B4-BE49-F238E27FC236}">
+                <a16:creationId xmlns:a16="http://schemas.microsoft.com/office/drawing/2014/main" id="{ECCD1957-4A58-F685-F658-FA36A40BD361}"/>
+              </a:ext>
+            </a:extLst>
+          </p:cNvPr>
+          <p:cNvPicPr>
+            <a:picLocks noChangeAspect="1" noChangeArrowheads="1"/>
+          </p:cNvPicPr>
+          <p:nvPr/>
+        </p:nvPicPr>
+        <p:blipFill rotWithShape="1">
+          <a:blip r:embed="rId13">
+            <a:extLst>
+              <a:ext uri="{28A0092B-C50C-407E-A947-70E740481C1C}">
+                <a14:useLocalDpi xmlns:a14="http://schemas.microsoft.com/office/drawing/2010/main" val="0"/>
+              </a:ext>
+            </a:extLst>
+          </a:blip>
+          <a:srcRect l="26336" t="11242" r="26087" b="10799"/>
+          <a:stretch/>
+        </p:blipFill>
+        <p:spPr bwMode="auto">
+          <a:xfrm>
+            <a:off x="10424374" y="5775543"/>
+            <a:ext cx="592391" cy="548640"/>
+          </a:xfrm>
+          <a:prstGeom prst="rect">
+            <a:avLst/>
+          </a:prstGeom>
+          <a:noFill/>
+          <a:extLst>
+            <a:ext uri="{909E8E84-426E-40DD-AFC4-6F175D3DCCD1}">
+              <a14:hiddenFill xmlns:a14="http://schemas.microsoft.com/office/drawing/2010/main">
+                <a:solidFill>
+                  <a:srgbClr val="FFFFFF"/>
+                </a:solidFill>
+              </a14:hiddenFill>
+            </a:ext>
+          </a:extLst>
+        </p:spPr>
+      </p:pic>
+      <p:pic>
+        <p:nvPicPr>
+          <p:cNvPr id="1060" name="Picture 36" descr="gRPC Logo PNG Vector (SVG) Free Download">
+            <a:extLst>
+              <a:ext uri="{FF2B5EF4-FFF2-40B4-BE49-F238E27FC236}">
+                <a16:creationId xmlns:a16="http://schemas.microsoft.com/office/drawing/2014/main" id="{CC1D49BB-F916-67F0-844A-2572ED080E99}"/>
+              </a:ext>
+            </a:extLst>
+          </p:cNvPr>
+          <p:cNvPicPr>
+            <a:picLocks noChangeAspect="1" noChangeArrowheads="1"/>
+          </p:cNvPicPr>
+          <p:nvPr/>
+        </p:nvPicPr>
+        <p:blipFill>
+          <a:blip r:embed="rId14">
+            <a:extLst>
+              <a:ext uri="{28A0092B-C50C-407E-A947-70E740481C1C}">
+                <a14:useLocalDpi xmlns:a14="http://schemas.microsoft.com/office/drawing/2010/main" val="0"/>
+              </a:ext>
+            </a:extLst>
+          </a:blip>
+          <a:srcRect/>
+          <a:stretch>
+            <a:fillRect/>
+          </a:stretch>
+        </p:blipFill>
+        <p:spPr bwMode="auto">
+          <a:xfrm>
+            <a:off x="2787122" y="5796081"/>
+            <a:ext cx="548640" cy="548640"/>
+          </a:xfrm>
+          <a:prstGeom prst="rect">
+            <a:avLst/>
+          </a:prstGeom>
+          <a:noFill/>
+          <a:extLst>
+            <a:ext uri="{909E8E84-426E-40DD-AFC4-6F175D3DCCD1}">
+              <a14:hiddenFill xmlns:a14="http://schemas.microsoft.com/office/drawing/2010/main">
+                <a:solidFill>
+                  <a:srgbClr val="FFFFFF"/>
+                </a:solidFill>
+              </a14:hiddenFill>
+            </a:ext>
+          </a:extLst>
+        </p:spPr>
+      </p:pic>
+      <p:pic>
+        <p:nvPicPr>
+          <p:cNvPr id="1062" name="Picture 38">
+            <a:extLst>
+              <a:ext uri="{FF2B5EF4-FFF2-40B4-BE49-F238E27FC236}">
+                <a16:creationId xmlns:a16="http://schemas.microsoft.com/office/drawing/2014/main" id="{9E1DF767-7712-68B3-4821-715F6D377E1D}"/>
+              </a:ext>
+            </a:extLst>
+          </p:cNvPr>
+          <p:cNvPicPr>
+            <a:picLocks noChangeAspect="1" noChangeArrowheads="1"/>
+          </p:cNvPicPr>
+          <p:nvPr/>
+        </p:nvPicPr>
+        <p:blipFill>
+          <a:blip r:embed="rId15">
+            <a:extLst>
+              <a:ext uri="{28A0092B-C50C-407E-A947-70E740481C1C}">
+                <a14:useLocalDpi xmlns:a14="http://schemas.microsoft.com/office/drawing/2010/main" val="0"/>
+              </a:ext>
+            </a:extLst>
+          </a:blip>
+          <a:srcRect/>
+          <a:stretch>
+            <a:fillRect/>
+          </a:stretch>
+        </p:blipFill>
+        <p:spPr bwMode="auto">
+          <a:xfrm>
+            <a:off x="8158099" y="5802534"/>
+            <a:ext cx="548640" cy="548640"/>
+          </a:xfrm>
+          <a:prstGeom prst="rect">
+            <a:avLst/>
+          </a:prstGeom>
+          <a:noFill/>
+          <a:extLst>
+            <a:ext uri="{909E8E84-426E-40DD-AFC4-6F175D3DCCD1}">
+              <a14:hiddenFill xmlns:a14="http://schemas.microsoft.com/office/drawing/2010/main">
+                <a:solidFill>
+                  <a:srgbClr val="FFFFFF"/>
+                </a:solidFill>
+              </a14:hiddenFill>
+            </a:ext>
+          </a:extLst>
+        </p:spPr>
+      </p:pic>
+      <p:pic>
+        <p:nvPicPr>
+          <p:cNvPr id="1064" name="Picture 40" descr="Green excel 3 icon - Free green office ...">
+            <a:extLst>
+              <a:ext uri="{FF2B5EF4-FFF2-40B4-BE49-F238E27FC236}">
+                <a16:creationId xmlns:a16="http://schemas.microsoft.com/office/drawing/2014/main" id="{77567DCC-8F02-AD99-916E-27AE91C63218}"/>
+              </a:ext>
+            </a:extLst>
+          </p:cNvPr>
+          <p:cNvPicPr>
+            <a:picLocks noChangeAspect="1" noChangeArrowheads="1"/>
+          </p:cNvPicPr>
+          <p:nvPr/>
+        </p:nvPicPr>
+        <p:blipFill>
+          <a:blip r:embed="rId16">
+            <a:extLst>
+              <a:ext uri="{28A0092B-C50C-407E-A947-70E740481C1C}">
+                <a14:useLocalDpi xmlns:a14="http://schemas.microsoft.com/office/drawing/2010/main" val="0"/>
+              </a:ext>
+            </a:extLst>
+          </a:blip>
+          <a:srcRect/>
+          <a:stretch>
+            <a:fillRect/>
+          </a:stretch>
+        </p:blipFill>
+        <p:spPr bwMode="auto">
+          <a:xfrm>
+            <a:off x="3404973" y="5795857"/>
+            <a:ext cx="548640" cy="548640"/>
+          </a:xfrm>
+          <a:prstGeom prst="rect">
+            <a:avLst/>
+          </a:prstGeom>
+          <a:noFill/>
+          <a:extLst>
+            <a:ext uri="{909E8E84-426E-40DD-AFC4-6F175D3DCCD1}">
+              <a14:hiddenFill xmlns:a14="http://schemas.microsoft.com/office/drawing/2010/main">
+                <a:solidFill>
+                  <a:srgbClr val="FFFFFF"/>
+                </a:solidFill>
+              </a14:hiddenFill>
+            </a:ext>
+          </a:extLst>
+        </p:spPr>
+      </p:pic>
+      <p:pic>
+        <p:nvPicPr>
+          <p:cNvPr id="1066" name="Picture 42" descr="Google Cloud Storage Logo in SVG Vector ...">
+            <a:extLst>
+              <a:ext uri="{FF2B5EF4-FFF2-40B4-BE49-F238E27FC236}">
+                <a16:creationId xmlns:a16="http://schemas.microsoft.com/office/drawing/2014/main" id="{79DDE110-4F66-2485-50A1-DB643055C0AD}"/>
+              </a:ext>
+            </a:extLst>
+          </p:cNvPr>
+          <p:cNvPicPr>
+            <a:picLocks noChangeAspect="1" noChangeArrowheads="1"/>
+          </p:cNvPicPr>
+          <p:nvPr/>
+        </p:nvPicPr>
+        <p:blipFill rotWithShape="1">
+          <a:blip r:embed="rId17">
+            <a:extLst>
+              <a:ext uri="{28A0092B-C50C-407E-A947-70E740481C1C}">
+                <a14:useLocalDpi xmlns:a14="http://schemas.microsoft.com/office/drawing/2010/main" val="0"/>
+              </a:ext>
+            </a:extLst>
+          </a:blip>
+          <a:srcRect l="23091" t="6831" r="20546" b="8057"/>
+          <a:stretch/>
+        </p:blipFill>
+        <p:spPr bwMode="auto">
+          <a:xfrm>
+            <a:off x="6512179" y="5683276"/>
+            <a:ext cx="545979" cy="548640"/>
+          </a:xfrm>
+          <a:prstGeom prst="rect">
+            <a:avLst/>
+          </a:prstGeom>
+          <a:noFill/>
+          <a:extLst>
+            <a:ext uri="{909E8E84-426E-40DD-AFC4-6F175D3DCCD1}">
+              <a14:hiddenFill xmlns:a14="http://schemas.microsoft.com/office/drawing/2010/main">
+                <a:solidFill>
+                  <a:srgbClr val="FFFFFF"/>
+                </a:solidFill>
+              </a14:hiddenFill>
+            </a:ext>
+          </a:extLst>
+        </p:spPr>
+      </p:pic>
+      <p:pic>
+        <p:nvPicPr>
+          <p:cNvPr id="1068" name="Picture 44" descr="Snowflake Logo &amp; Brand Assets (SVG, PNG ...">
+            <a:extLst>
+              <a:ext uri="{FF2B5EF4-FFF2-40B4-BE49-F238E27FC236}">
+                <a16:creationId xmlns:a16="http://schemas.microsoft.com/office/drawing/2014/main" id="{F67EDA4A-583B-EF03-B322-94600547B404}"/>
+              </a:ext>
+            </a:extLst>
+          </p:cNvPr>
+          <p:cNvPicPr>
+            <a:picLocks noChangeAspect="1" noChangeArrowheads="1"/>
+          </p:cNvPicPr>
+          <p:nvPr/>
+        </p:nvPicPr>
+        <p:blipFill>
+          <a:blip r:embed="rId18">
+            <a:extLst>
+              <a:ext uri="{28A0092B-C50C-407E-A947-70E740481C1C}">
+                <a14:useLocalDpi xmlns:a14="http://schemas.microsoft.com/office/drawing/2010/main" val="0"/>
+              </a:ext>
+            </a:extLst>
+          </a:blip>
+          <a:srcRect/>
+          <a:stretch>
+            <a:fillRect/>
+          </a:stretch>
+        </p:blipFill>
+        <p:spPr bwMode="auto">
+          <a:xfrm>
+            <a:off x="1675144" y="1031825"/>
+            <a:ext cx="548640" cy="548640"/>
+          </a:xfrm>
+          <a:prstGeom prst="rect">
+            <a:avLst/>
+          </a:prstGeom>
+          <a:noFill/>
+          <a:extLst>
+            <a:ext uri="{909E8E84-426E-40DD-AFC4-6F175D3DCCD1}">
+              <a14:hiddenFill xmlns:a14="http://schemas.microsoft.com/office/drawing/2010/main">
+                <a:solidFill>
+                  <a:srgbClr val="FFFFFF"/>
+                </a:solidFill>
+              </a14:hiddenFill>
+            </a:ext>
+          </a:extLst>
+        </p:spPr>
+      </p:pic>
+      <p:sp>
+        <p:nvSpPr>
+          <p:cNvPr id="14" name="Rectangle: Rounded Corners 13">
+            <a:extLst>
+              <a:ext uri="{FF2B5EF4-FFF2-40B4-BE49-F238E27FC236}">
+                <a16:creationId xmlns:a16="http://schemas.microsoft.com/office/drawing/2014/main" id="{A7C1DEB7-E016-5754-9207-FBC8392B232D}"/>
+              </a:ext>
+            </a:extLst>
+          </p:cNvPr>
+          <p:cNvSpPr/>
+          <p:nvPr/>
+        </p:nvSpPr>
+        <p:spPr>
+          <a:xfrm>
+            <a:off x="2338421" y="2206074"/>
+            <a:ext cx="7707116" cy="2028717"/>
+          </a:xfrm>
+          <a:prstGeom prst="roundRect">
+            <a:avLst>
+              <a:gd name="adj" fmla="val 8824"/>
+            </a:avLst>
+          </a:prstGeom>
+          <a:solidFill>
+            <a:srgbClr val="EF11A0"/>
+          </a:solidFill>
+        </p:spPr>
+        <p:style>
+          <a:lnRef idx="1">
+            <a:schemeClr val="dk1"/>
+          </a:lnRef>
+          <a:fillRef idx="2">
+            <a:schemeClr val="dk1"/>
+          </a:fillRef>
+          <a:effectRef idx="1">
+            <a:schemeClr val="dk1"/>
+          </a:effectRef>
+          <a:fontRef idx="minor">
+            <a:schemeClr val="dk1"/>
+          </a:fontRef>
+        </p:style>
+        <p:txBody>
+          <a:bodyPr rtlCol="0" anchor="t"/>
+          <a:lstStyle/>
+          <a:p>
+            <a:r>
+              <a:rPr lang="en-US" dirty="0" err="1">
+                <a:latin typeface="Abadi" panose="020B0604020104020204" pitchFamily="34" charset="0"/>
+              </a:rPr>
+              <a:t>NewCo</a:t>
+            </a:r>
+            <a:r>
+              <a:rPr lang="en-US" dirty="0">
+                <a:latin typeface="Abadi" panose="020B0604020104020204" pitchFamily="34" charset="0"/>
+              </a:rPr>
+              <a:t> Solution</a:t>
+            </a:r>
+          </a:p>
+        </p:txBody>
+      </p:sp>
+      <p:pic>
+        <p:nvPicPr>
+          <p:cNvPr id="1038" name="Picture 14" descr="Airflow Operators Worth Knowing | by ...">
+            <a:extLst>
+              <a:ext uri="{FF2B5EF4-FFF2-40B4-BE49-F238E27FC236}">
+                <a16:creationId xmlns:a16="http://schemas.microsoft.com/office/drawing/2014/main" id="{8C61B063-5701-EF75-2BB9-39BE339D493C}"/>
+              </a:ext>
+            </a:extLst>
+          </p:cNvPr>
+          <p:cNvPicPr>
+            <a:picLocks noChangeAspect="1" noChangeArrowheads="1"/>
+          </p:cNvPicPr>
+          <p:nvPr/>
+        </p:nvPicPr>
+        <p:blipFill>
+          <a:blip r:embed="rId19">
+            <a:extLst>
+              <a:ext uri="{28A0092B-C50C-407E-A947-70E740481C1C}">
+                <a14:useLocalDpi xmlns:a14="http://schemas.microsoft.com/office/drawing/2010/main" val="0"/>
+              </a:ext>
+            </a:extLst>
+          </a:blip>
+          <a:srcRect/>
+          <a:stretch>
+            <a:fillRect/>
+          </a:stretch>
+        </p:blipFill>
+        <p:spPr bwMode="auto">
+          <a:xfrm>
+            <a:off x="3680171" y="2645892"/>
+            <a:ext cx="914400" cy="914400"/>
+          </a:xfrm>
+          <a:prstGeom prst="rect">
+            <a:avLst/>
+          </a:prstGeom>
+          <a:noFill/>
+          <a:extLst>
+            <a:ext uri="{909E8E84-426E-40DD-AFC4-6F175D3DCCD1}">
+              <a14:hiddenFill xmlns:a14="http://schemas.microsoft.com/office/drawing/2010/main">
+                <a:solidFill>
+                  <a:srgbClr val="FFFFFF"/>
+                </a:solidFill>
+              </a14:hiddenFill>
+            </a:ext>
+          </a:extLst>
+        </p:spPr>
+      </p:pic>
+      <p:pic>
+        <p:nvPicPr>
+          <p:cNvPr id="1040" name="Picture 16" descr="Kestra · GitHub">
+            <a:extLst>
+              <a:ext uri="{FF2B5EF4-FFF2-40B4-BE49-F238E27FC236}">
+                <a16:creationId xmlns:a16="http://schemas.microsoft.com/office/drawing/2014/main" id="{8CC3062D-FC51-41A6-DB91-63B34D0A4CCF}"/>
+              </a:ext>
+            </a:extLst>
+          </p:cNvPr>
+          <p:cNvPicPr>
+            <a:picLocks noChangeAspect="1" noChangeArrowheads="1"/>
+          </p:cNvPicPr>
+          <p:nvPr/>
+        </p:nvPicPr>
+        <p:blipFill>
+          <a:blip r:embed="rId20">
+            <a:extLst>
+              <a:ext uri="{28A0092B-C50C-407E-A947-70E740481C1C}">
+                <a14:useLocalDpi xmlns:a14="http://schemas.microsoft.com/office/drawing/2010/main" val="0"/>
+              </a:ext>
+            </a:extLst>
+          </a:blip>
+          <a:srcRect/>
+          <a:stretch>
+            <a:fillRect/>
+          </a:stretch>
+        </p:blipFill>
+        <p:spPr bwMode="auto">
+          <a:xfrm>
+            <a:off x="2577154" y="2645892"/>
+            <a:ext cx="914400" cy="914400"/>
+          </a:xfrm>
+          <a:prstGeom prst="rect">
+            <a:avLst/>
+          </a:prstGeom>
+          <a:noFill/>
+          <a:extLst>
+            <a:ext uri="{909E8E84-426E-40DD-AFC4-6F175D3DCCD1}">
+              <a14:hiddenFill xmlns:a14="http://schemas.microsoft.com/office/drawing/2010/main">
+                <a:solidFill>
+                  <a:srgbClr val="FFFFFF"/>
+                </a:solidFill>
+              </a14:hiddenFill>
+            </a:ext>
+          </a:extLst>
+        </p:spPr>
+      </p:pic>
+      <p:sp>
+        <p:nvSpPr>
+          <p:cNvPr id="25" name="Rectangle: Rounded Corners 24">
+            <a:extLst>
+              <a:ext uri="{FF2B5EF4-FFF2-40B4-BE49-F238E27FC236}">
+                <a16:creationId xmlns:a16="http://schemas.microsoft.com/office/drawing/2014/main" id="{BB6022A8-8C53-5972-AC1C-A2F5301CCB2C}"/>
+              </a:ext>
+            </a:extLst>
+          </p:cNvPr>
+          <p:cNvSpPr/>
+          <p:nvPr/>
+        </p:nvSpPr>
+        <p:spPr>
+          <a:xfrm>
+            <a:off x="393863" y="2206074"/>
+            <a:ext cx="1755941" cy="2028717"/>
+          </a:xfrm>
+          <a:prstGeom prst="roundRect">
+            <a:avLst>
+              <a:gd name="adj" fmla="val 8824"/>
+            </a:avLst>
+          </a:prstGeom>
+        </p:spPr>
+        <p:style>
+          <a:lnRef idx="1">
+            <a:schemeClr val="dk1"/>
+          </a:lnRef>
+          <a:fillRef idx="2">
+            <a:schemeClr val="dk1"/>
+          </a:fillRef>
+          <a:effectRef idx="1">
+            <a:schemeClr val="dk1"/>
+          </a:effectRef>
+          <a:fontRef idx="minor">
+            <a:schemeClr val="dk1"/>
+          </a:fontRef>
+        </p:style>
+        <p:txBody>
+          <a:bodyPr rtlCol="0" anchor="t"/>
+          <a:lstStyle/>
+          <a:p>
+            <a:r>
+              <a:rPr lang="en-US" dirty="0">
+                <a:latin typeface="Abadi" panose="020B0604020104020204" pitchFamily="34" charset="0"/>
+              </a:rPr>
+              <a:t>Cyber Tools</a:t>
+            </a:r>
+          </a:p>
+        </p:txBody>
+      </p:sp>
+      <p:pic>
+        <p:nvPicPr>
+          <p:cNvPr id="1070" name="Picture 46" descr="Rapid7 Logo &amp; Brand Assets (SVG, PNG ...">
+            <a:extLst>
+              <a:ext uri="{FF2B5EF4-FFF2-40B4-BE49-F238E27FC236}">
+                <a16:creationId xmlns:a16="http://schemas.microsoft.com/office/drawing/2014/main" id="{3DB9050B-9E01-095A-6D96-72A410CDBBB0}"/>
+              </a:ext>
+            </a:extLst>
+          </p:cNvPr>
+          <p:cNvPicPr>
+            <a:picLocks noChangeAspect="1" noChangeArrowheads="1"/>
+          </p:cNvPicPr>
+          <p:nvPr/>
+        </p:nvPicPr>
+        <p:blipFill>
+          <a:blip r:embed="rId21">
+            <a:extLst>
+              <a:ext uri="{28A0092B-C50C-407E-A947-70E740481C1C}">
+                <a14:useLocalDpi xmlns:a14="http://schemas.microsoft.com/office/drawing/2010/main" val="0"/>
+              </a:ext>
+            </a:extLst>
+          </a:blip>
+          <a:srcRect/>
+          <a:stretch>
+            <a:fillRect/>
+          </a:stretch>
+        </p:blipFill>
+        <p:spPr bwMode="auto">
+          <a:xfrm>
+            <a:off x="490366" y="3572373"/>
+            <a:ext cx="712953" cy="548640"/>
+          </a:xfrm>
+          <a:prstGeom prst="rect">
+            <a:avLst/>
+          </a:prstGeom>
+          <a:noFill/>
+          <a:extLst>
+            <a:ext uri="{909E8E84-426E-40DD-AFC4-6F175D3DCCD1}">
+              <a14:hiddenFill xmlns:a14="http://schemas.microsoft.com/office/drawing/2010/main">
+                <a:solidFill>
+                  <a:srgbClr val="FFFFFF"/>
+                </a:solidFill>
+              </a14:hiddenFill>
+            </a:ext>
+          </a:extLst>
+        </p:spPr>
+      </p:pic>
+      <p:pic>
+        <p:nvPicPr>
+          <p:cNvPr id="1072" name="Picture 48">
+            <a:extLst>
+              <a:ext uri="{FF2B5EF4-FFF2-40B4-BE49-F238E27FC236}">
+                <a16:creationId xmlns:a16="http://schemas.microsoft.com/office/drawing/2014/main" id="{FA17E409-CE64-E069-A2E5-8DBBB510B614}"/>
+              </a:ext>
+            </a:extLst>
+          </p:cNvPr>
+          <p:cNvPicPr>
+            <a:picLocks noChangeAspect="1" noChangeArrowheads="1"/>
+          </p:cNvPicPr>
+          <p:nvPr/>
+        </p:nvPicPr>
+        <p:blipFill>
+          <a:blip r:embed="rId22">
+            <a:extLst>
+              <a:ext uri="{28A0092B-C50C-407E-A947-70E740481C1C}">
+                <a14:useLocalDpi xmlns:a14="http://schemas.microsoft.com/office/drawing/2010/main" val="0"/>
+              </a:ext>
+            </a:extLst>
+          </a:blip>
+          <a:srcRect/>
+          <a:stretch/>
+        </p:blipFill>
+        <p:spPr bwMode="auto">
+          <a:xfrm>
+            <a:off x="490366" y="2946112"/>
+            <a:ext cx="703020" cy="548640"/>
+          </a:xfrm>
+          <a:prstGeom prst="rect">
+            <a:avLst/>
+          </a:prstGeom>
+          <a:noFill/>
+          <a:extLst>
+            <a:ext uri="{909E8E84-426E-40DD-AFC4-6F175D3DCCD1}">
+              <a14:hiddenFill xmlns:a14="http://schemas.microsoft.com/office/drawing/2010/main">
+                <a:solidFill>
+                  <a:srgbClr val="FFFFFF"/>
+                </a:solidFill>
+              </a14:hiddenFill>
+            </a:ext>
+          </a:extLst>
+        </p:spPr>
+      </p:pic>
+      <p:pic>
+        <p:nvPicPr>
+          <p:cNvPr id="27" name="Picture 26">
+            <a:extLst>
+              <a:ext uri="{FF2B5EF4-FFF2-40B4-BE49-F238E27FC236}">
+                <a16:creationId xmlns:a16="http://schemas.microsoft.com/office/drawing/2014/main" id="{4562FFEE-3CA9-E56A-D5F2-D274605469D2}"/>
+              </a:ext>
+            </a:extLst>
+          </p:cNvPr>
+          <p:cNvPicPr>
+            <a:picLocks noChangeAspect="1"/>
+          </p:cNvPicPr>
+          <p:nvPr/>
+        </p:nvPicPr>
+        <p:blipFill>
+          <a:blip r:embed="rId23"/>
+          <a:stretch>
+            <a:fillRect/>
+          </a:stretch>
+        </p:blipFill>
+        <p:spPr>
+          <a:xfrm>
+            <a:off x="1247138" y="2946112"/>
+            <a:ext cx="548640" cy="548640"/>
+          </a:xfrm>
+          <a:prstGeom prst="rect">
+            <a:avLst/>
+          </a:prstGeom>
+        </p:spPr>
+      </p:pic>
+      <p:pic>
+        <p:nvPicPr>
+          <p:cNvPr id="1074" name="Picture 50" descr="Advanced Security dashboard Widgets ...">
+            <a:extLst>
+              <a:ext uri="{FF2B5EF4-FFF2-40B4-BE49-F238E27FC236}">
+                <a16:creationId xmlns:a16="http://schemas.microsoft.com/office/drawing/2014/main" id="{E4A09B28-8B4F-BEBD-FA94-0E0EEBEA2F29}"/>
+              </a:ext>
+            </a:extLst>
+          </p:cNvPr>
+          <p:cNvPicPr>
+            <a:picLocks noChangeAspect="1" noChangeArrowheads="1"/>
+          </p:cNvPicPr>
+          <p:nvPr/>
+        </p:nvPicPr>
+        <p:blipFill>
+          <a:blip r:embed="rId24">
+            <a:extLst>
+              <a:ext uri="{28A0092B-C50C-407E-A947-70E740481C1C}">
+                <a14:useLocalDpi xmlns:a14="http://schemas.microsoft.com/office/drawing/2010/main" val="0"/>
+              </a:ext>
+            </a:extLst>
+          </a:blip>
+          <a:srcRect/>
+          <a:stretch>
+            <a:fillRect/>
+          </a:stretch>
+        </p:blipFill>
+        <p:spPr bwMode="auto">
+          <a:xfrm>
+            <a:off x="1281895" y="3570846"/>
+            <a:ext cx="548640" cy="548640"/>
+          </a:xfrm>
+          <a:prstGeom prst="rect">
+            <a:avLst/>
+          </a:prstGeom>
+          <a:noFill/>
+          <a:extLst>
+            <a:ext uri="{909E8E84-426E-40DD-AFC4-6F175D3DCCD1}">
+              <a14:hiddenFill xmlns:a14="http://schemas.microsoft.com/office/drawing/2010/main">
+                <a:solidFill>
+                  <a:srgbClr val="FFFFFF"/>
+                </a:solidFill>
+              </a14:hiddenFill>
+            </a:ext>
+          </a:extLst>
+        </p:spPr>
+      </p:pic>
+      <p:pic>
+        <p:nvPicPr>
+          <p:cNvPr id="1076" name="Picture 52" descr="Zero Trust Guide for Cloud-Native ...">
+            <a:extLst>
+              <a:ext uri="{FF2B5EF4-FFF2-40B4-BE49-F238E27FC236}">
+                <a16:creationId xmlns:a16="http://schemas.microsoft.com/office/drawing/2014/main" id="{2C2983BB-6A4A-4056-4DA4-D2CD20F6B82D}"/>
+              </a:ext>
+            </a:extLst>
+          </p:cNvPr>
+          <p:cNvPicPr>
+            <a:picLocks noChangeAspect="1" noChangeArrowheads="1"/>
+          </p:cNvPicPr>
+          <p:nvPr/>
+        </p:nvPicPr>
+        <p:blipFill rotWithShape="1">
+          <a:blip r:embed="rId25">
+            <a:extLst>
+              <a:ext uri="{28A0092B-C50C-407E-A947-70E740481C1C}">
+                <a14:useLocalDpi xmlns:a14="http://schemas.microsoft.com/office/drawing/2010/main" val="0"/>
+              </a:ext>
+            </a:extLst>
+          </a:blip>
+          <a:srcRect l="18873" r="18405"/>
+          <a:stretch/>
+        </p:blipFill>
+        <p:spPr bwMode="auto">
+          <a:xfrm>
+            <a:off x="8886979" y="3220432"/>
+            <a:ext cx="920228" cy="914400"/>
+          </a:xfrm>
+          <a:prstGeom prst="rect">
+            <a:avLst/>
+          </a:prstGeom>
+          <a:noFill/>
+          <a:extLst>
+            <a:ext uri="{909E8E84-426E-40DD-AFC4-6F175D3DCCD1}">
+              <a14:hiddenFill xmlns:a14="http://schemas.microsoft.com/office/drawing/2010/main">
+                <a:solidFill>
+                  <a:srgbClr val="FFFFFF"/>
+                </a:solidFill>
+              </a14:hiddenFill>
+            </a:ext>
+          </a:extLst>
+        </p:spPr>
+      </p:pic>
+      <p:pic>
+        <p:nvPicPr>
+          <p:cNvPr id="4098" name="Picture 2" descr="Free Aws Logo Icon - Free Download Logos Logo Icons | IconScout">
+            <a:extLst>
+              <a:ext uri="{FF2B5EF4-FFF2-40B4-BE49-F238E27FC236}">
+                <a16:creationId xmlns:a16="http://schemas.microsoft.com/office/drawing/2014/main" id="{34BD82F5-9A73-5A30-1AAC-20EE6E05FE5B}"/>
+              </a:ext>
+            </a:extLst>
+          </p:cNvPr>
+          <p:cNvPicPr>
+            <a:picLocks noChangeAspect="1" noChangeArrowheads="1"/>
+          </p:cNvPicPr>
+          <p:nvPr/>
+        </p:nvPicPr>
+        <p:blipFill>
+          <a:blip r:embed="rId26">
+            <a:extLst>
+              <a:ext uri="{28A0092B-C50C-407E-A947-70E740481C1C}">
+                <a14:useLocalDpi xmlns:a14="http://schemas.microsoft.com/office/drawing/2010/main" val="0"/>
+              </a:ext>
+            </a:extLst>
+          </a:blip>
+          <a:srcRect/>
+          <a:stretch>
+            <a:fillRect/>
+          </a:stretch>
+        </p:blipFill>
+        <p:spPr bwMode="auto">
+          <a:xfrm>
+            <a:off x="736398" y="5101587"/>
+            <a:ext cx="225661" cy="225661"/>
+          </a:xfrm>
+          <a:prstGeom prst="roundRect">
+            <a:avLst/>
+          </a:prstGeom>
+          <a:noFill/>
+          <a:extLst>
+            <a:ext uri="{909E8E84-426E-40DD-AFC4-6F175D3DCCD1}">
+              <a14:hiddenFill xmlns:a14="http://schemas.microsoft.com/office/drawing/2010/main">
+                <a:solidFill>
+                  <a:srgbClr val="FFFFFF"/>
+                </a:solidFill>
+              </a14:hiddenFill>
+            </a:ext>
+          </a:extLst>
+        </p:spPr>
+      </p:pic>
+      <p:sp>
+        <p:nvSpPr>
+          <p:cNvPr id="3" name="TextBox 2">
+            <a:extLst>
+              <a:ext uri="{FF2B5EF4-FFF2-40B4-BE49-F238E27FC236}">
+                <a16:creationId xmlns:a16="http://schemas.microsoft.com/office/drawing/2014/main" id="{9964C578-AA87-61BF-B161-ECD45B970C2E}"/>
+              </a:ext>
+            </a:extLst>
+          </p:cNvPr>
+          <p:cNvSpPr txBox="1"/>
+          <p:nvPr/>
+        </p:nvSpPr>
+        <p:spPr>
+          <a:xfrm>
+            <a:off x="917250" y="5078338"/>
+            <a:ext cx="981359" cy="261610"/>
+          </a:xfrm>
+          <a:prstGeom prst="rect">
+            <a:avLst/>
+          </a:prstGeom>
+          <a:noFill/>
+        </p:spPr>
+        <p:txBody>
+          <a:bodyPr wrap="none" rtlCol="0">
+            <a:spAutoFit/>
+          </a:bodyPr>
+          <a:lstStyle/>
+          <a:p>
+            <a:r>
+              <a:rPr lang="en-US" sz="1100" dirty="0" err="1"/>
+              <a:t>aws</a:t>
+            </a:r>
+            <a:r>
+              <a:rPr lang="en-US" sz="1100" dirty="0"/>
+              <a:t>-account</a:t>
+            </a:r>
+          </a:p>
+        </p:txBody>
+      </p:sp>
+      <p:sp>
+        <p:nvSpPr>
+          <p:cNvPr id="5" name="TextBox 4">
+            <a:extLst>
+              <a:ext uri="{FF2B5EF4-FFF2-40B4-BE49-F238E27FC236}">
+                <a16:creationId xmlns:a16="http://schemas.microsoft.com/office/drawing/2014/main" id="{EDBE7328-7D33-6E9B-F66B-5B36BA9DABCD}"/>
+              </a:ext>
+            </a:extLst>
+          </p:cNvPr>
+          <p:cNvSpPr txBox="1"/>
+          <p:nvPr/>
+        </p:nvSpPr>
+        <p:spPr>
+          <a:xfrm>
+            <a:off x="330273" y="4666361"/>
+            <a:ext cx="2019300" cy="369332"/>
+          </a:xfrm>
+          <a:prstGeom prst="rect">
+            <a:avLst/>
+          </a:prstGeom>
+          <a:noFill/>
+        </p:spPr>
+        <p:txBody>
+          <a:bodyPr wrap="square">
+            <a:spAutoFit/>
+          </a:bodyPr>
+          <a:lstStyle/>
+          <a:p>
+            <a:pPr algn="ctr"/>
+            <a:r>
+              <a:rPr lang="en-US" b="1" dirty="0">
+                <a:latin typeface="Abadi" panose="020B0604020104020204" pitchFamily="34" charset="0"/>
+              </a:rPr>
+              <a:t>HR</a:t>
+            </a:r>
+            <a:endParaRPr lang="en-US" b="1" dirty="0"/>
+          </a:p>
+        </p:txBody>
+      </p:sp>
+      <p:pic>
+        <p:nvPicPr>
+          <p:cNvPr id="4100" name="Picture 4" descr="AWS API Gateway | Pulumi Registry">
+            <a:extLst>
+              <a:ext uri="{FF2B5EF4-FFF2-40B4-BE49-F238E27FC236}">
+                <a16:creationId xmlns:a16="http://schemas.microsoft.com/office/drawing/2014/main" id="{DF309A17-51B3-D65A-32C2-52228E5E8B28}"/>
+              </a:ext>
+            </a:extLst>
+          </p:cNvPr>
+          <p:cNvPicPr>
+            <a:picLocks noChangeAspect="1" noChangeArrowheads="1"/>
+          </p:cNvPicPr>
+          <p:nvPr/>
+        </p:nvPicPr>
+        <p:blipFill>
+          <a:blip r:embed="rId27">
+            <a:extLst>
+              <a:ext uri="{28A0092B-C50C-407E-A947-70E740481C1C}">
+                <a14:useLocalDpi xmlns:a14="http://schemas.microsoft.com/office/drawing/2010/main" val="0"/>
+              </a:ext>
+            </a:extLst>
+          </a:blip>
+          <a:srcRect/>
+          <a:stretch>
+            <a:fillRect/>
+          </a:stretch>
+        </p:blipFill>
+        <p:spPr bwMode="auto">
+          <a:xfrm>
+            <a:off x="728492" y="6017690"/>
+            <a:ext cx="182880" cy="182880"/>
+          </a:xfrm>
+          <a:prstGeom prst="rect">
+            <a:avLst/>
+          </a:prstGeom>
+          <a:noFill/>
+          <a:ln w="19050">
+            <a:solidFill>
+              <a:schemeClr val="tx1"/>
+            </a:solidFill>
+          </a:ln>
+          <a:extLst>
+            <a:ext uri="{909E8E84-426E-40DD-AFC4-6F175D3DCCD1}">
+              <a14:hiddenFill xmlns:a14="http://schemas.microsoft.com/office/drawing/2010/main">
+                <a:solidFill>
+                  <a:srgbClr val="FFFFFF"/>
+                </a:solidFill>
+              </a14:hiddenFill>
+            </a:ext>
+          </a:extLst>
+        </p:spPr>
+      </p:pic>
+      <p:pic>
+        <p:nvPicPr>
+          <p:cNvPr id="4102" name="Picture 6" descr="Aws Ec2 icon as SVG, PNG, JSX, and ...">
+            <a:extLst>
+              <a:ext uri="{FF2B5EF4-FFF2-40B4-BE49-F238E27FC236}">
+                <a16:creationId xmlns:a16="http://schemas.microsoft.com/office/drawing/2014/main" id="{07304062-3DE7-8B6C-DD1A-C92F0226913E}"/>
+              </a:ext>
+            </a:extLst>
+          </p:cNvPr>
+          <p:cNvPicPr>
+            <a:picLocks noChangeAspect="1" noChangeArrowheads="1"/>
+          </p:cNvPicPr>
+          <p:nvPr/>
+        </p:nvPicPr>
+        <p:blipFill>
+          <a:blip r:embed="rId28">
+            <a:extLst>
+              <a:ext uri="{28A0092B-C50C-407E-A947-70E740481C1C}">
+                <a14:useLocalDpi xmlns:a14="http://schemas.microsoft.com/office/drawing/2010/main" val="0"/>
+              </a:ext>
+            </a:extLst>
+          </a:blip>
+          <a:srcRect/>
+          <a:stretch>
+            <a:fillRect/>
+          </a:stretch>
+        </p:blipFill>
+        <p:spPr bwMode="auto">
+          <a:xfrm>
+            <a:off x="1576514" y="6017690"/>
+            <a:ext cx="182880" cy="182880"/>
+          </a:xfrm>
+          <a:prstGeom prst="rect">
+            <a:avLst/>
+          </a:prstGeom>
+          <a:noFill/>
+          <a:ln w="19050">
+            <a:solidFill>
+              <a:schemeClr val="tx1"/>
+            </a:solidFill>
+          </a:ln>
+          <a:extLst>
+            <a:ext uri="{909E8E84-426E-40DD-AFC4-6F175D3DCCD1}">
+              <a14:hiddenFill xmlns:a14="http://schemas.microsoft.com/office/drawing/2010/main">
+                <a:solidFill>
+                  <a:srgbClr val="FFFFFF"/>
+                </a:solidFill>
+              </a14:hiddenFill>
+            </a:ext>
+          </a:extLst>
+        </p:spPr>
+      </p:pic>
+      <p:sp>
+        <p:nvSpPr>
+          <p:cNvPr id="13" name="TextBox 12">
+            <a:extLst>
+              <a:ext uri="{FF2B5EF4-FFF2-40B4-BE49-F238E27FC236}">
+                <a16:creationId xmlns:a16="http://schemas.microsoft.com/office/drawing/2014/main" id="{6ACA92D0-BAB9-B05A-B7A7-BDF06FA3CAF6}"/>
+              </a:ext>
+            </a:extLst>
+          </p:cNvPr>
+          <p:cNvSpPr txBox="1"/>
+          <p:nvPr/>
+        </p:nvSpPr>
+        <p:spPr>
+          <a:xfrm>
+            <a:off x="2693451" y="4666361"/>
+            <a:ext cx="2019300" cy="369332"/>
+          </a:xfrm>
+          <a:prstGeom prst="rect">
+            <a:avLst/>
+          </a:prstGeom>
+          <a:noFill/>
+        </p:spPr>
+        <p:txBody>
+          <a:bodyPr wrap="square">
+            <a:spAutoFit/>
+          </a:bodyPr>
+          <a:lstStyle/>
+          <a:p>
+            <a:pPr algn="ctr"/>
+            <a:r>
+              <a:rPr lang="en-US" b="1" dirty="0">
+                <a:latin typeface="Abadi" panose="020B0604020104020204" pitchFamily="34" charset="0"/>
+              </a:rPr>
+              <a:t>Finance</a:t>
+            </a:r>
+            <a:endParaRPr lang="en-US" b="1" dirty="0"/>
+          </a:p>
+        </p:txBody>
+      </p:sp>
+      <p:sp>
+        <p:nvSpPr>
+          <p:cNvPr id="15" name="TextBox 14">
+            <a:extLst>
+              <a:ext uri="{FF2B5EF4-FFF2-40B4-BE49-F238E27FC236}">
+                <a16:creationId xmlns:a16="http://schemas.microsoft.com/office/drawing/2014/main" id="{2FF0359F-F19A-3DA4-6C6E-20C9772371A9}"/>
+              </a:ext>
+            </a:extLst>
+          </p:cNvPr>
+          <p:cNvSpPr txBox="1"/>
+          <p:nvPr/>
+        </p:nvSpPr>
+        <p:spPr>
+          <a:xfrm>
+            <a:off x="5094092" y="4666361"/>
+            <a:ext cx="2019300" cy="369332"/>
+          </a:xfrm>
+          <a:prstGeom prst="rect">
+            <a:avLst/>
+          </a:prstGeom>
+          <a:noFill/>
+        </p:spPr>
+        <p:txBody>
+          <a:bodyPr wrap="square">
+            <a:spAutoFit/>
+          </a:bodyPr>
+          <a:lstStyle/>
+          <a:p>
+            <a:pPr algn="ctr"/>
+            <a:r>
+              <a:rPr lang="en-US" b="1" dirty="0">
+                <a:latin typeface="Abadi" panose="020B0604020104020204" pitchFamily="34" charset="0"/>
+              </a:rPr>
+              <a:t>Sales</a:t>
+            </a:r>
+            <a:endParaRPr lang="en-US" b="1" dirty="0"/>
+          </a:p>
+        </p:txBody>
+      </p:sp>
+      <p:sp>
+        <p:nvSpPr>
+          <p:cNvPr id="19" name="TextBox 18">
+            <a:extLst>
+              <a:ext uri="{FF2B5EF4-FFF2-40B4-BE49-F238E27FC236}">
+                <a16:creationId xmlns:a16="http://schemas.microsoft.com/office/drawing/2014/main" id="{8331DB4A-8DAE-3EBB-A32F-19657DAE29F2}"/>
+              </a:ext>
+            </a:extLst>
+          </p:cNvPr>
+          <p:cNvSpPr txBox="1"/>
+          <p:nvPr/>
+        </p:nvSpPr>
+        <p:spPr>
+          <a:xfrm>
+            <a:off x="7464226" y="4666361"/>
+            <a:ext cx="2019300" cy="369332"/>
+          </a:xfrm>
+          <a:prstGeom prst="rect">
+            <a:avLst/>
+          </a:prstGeom>
+          <a:noFill/>
+        </p:spPr>
+        <p:txBody>
+          <a:bodyPr wrap="square">
+            <a:spAutoFit/>
+          </a:bodyPr>
+          <a:lstStyle/>
+          <a:p>
+            <a:pPr algn="ctr"/>
+            <a:r>
+              <a:rPr lang="en-US" b="1" dirty="0">
+                <a:latin typeface="Abadi" panose="020B0604020104020204" pitchFamily="34" charset="0"/>
+              </a:rPr>
+              <a:t>Security</a:t>
+            </a:r>
+            <a:endParaRPr lang="en-US" b="1" dirty="0"/>
+          </a:p>
+        </p:txBody>
+      </p:sp>
+      <p:sp>
+        <p:nvSpPr>
+          <p:cNvPr id="20" name="TextBox 19">
+            <a:extLst>
+              <a:ext uri="{FF2B5EF4-FFF2-40B4-BE49-F238E27FC236}">
+                <a16:creationId xmlns:a16="http://schemas.microsoft.com/office/drawing/2014/main" id="{EBDC7FAB-7C2B-B5CE-87A2-489CCC954DF4}"/>
+              </a:ext>
+            </a:extLst>
+          </p:cNvPr>
+          <p:cNvSpPr txBox="1"/>
+          <p:nvPr/>
+        </p:nvSpPr>
+        <p:spPr>
+          <a:xfrm>
+            <a:off x="9881985" y="4666361"/>
+            <a:ext cx="2019300" cy="369332"/>
+          </a:xfrm>
+          <a:prstGeom prst="rect">
+            <a:avLst/>
+          </a:prstGeom>
+          <a:noFill/>
+        </p:spPr>
+        <p:txBody>
+          <a:bodyPr wrap="square">
+            <a:spAutoFit/>
+          </a:bodyPr>
+          <a:lstStyle/>
+          <a:p>
+            <a:pPr algn="ctr"/>
+            <a:r>
+              <a:rPr lang="en-US" b="1" dirty="0">
+                <a:latin typeface="Abadi" panose="020B0604020104020204" pitchFamily="34" charset="0"/>
+              </a:rPr>
+              <a:t>Marketing</a:t>
+            </a:r>
+            <a:endParaRPr lang="en-US" b="1" dirty="0"/>
+          </a:p>
+        </p:txBody>
+      </p:sp>
+      <p:sp>
+        <p:nvSpPr>
+          <p:cNvPr id="21" name="Rectangle: Rounded Corners 20">
+            <a:extLst>
+              <a:ext uri="{FF2B5EF4-FFF2-40B4-BE49-F238E27FC236}">
+                <a16:creationId xmlns:a16="http://schemas.microsoft.com/office/drawing/2014/main" id="{79D84685-D8EE-D4D5-1751-FFDECABC8786}"/>
+              </a:ext>
+            </a:extLst>
+          </p:cNvPr>
+          <p:cNvSpPr/>
+          <p:nvPr/>
+        </p:nvSpPr>
+        <p:spPr>
+          <a:xfrm>
+            <a:off x="10265158" y="2206074"/>
+            <a:ext cx="1755941" cy="2028717"/>
+          </a:xfrm>
+          <a:prstGeom prst="roundRect">
+            <a:avLst>
+              <a:gd name="adj" fmla="val 8824"/>
+            </a:avLst>
+          </a:prstGeom>
+        </p:spPr>
+        <p:style>
+          <a:lnRef idx="1">
+            <a:schemeClr val="dk1"/>
+          </a:lnRef>
+          <a:fillRef idx="2">
+            <a:schemeClr val="dk1"/>
+          </a:fillRef>
+          <a:effectRef idx="1">
+            <a:schemeClr val="dk1"/>
+          </a:effectRef>
+          <a:fontRef idx="minor">
+            <a:schemeClr val="dk1"/>
+          </a:fontRef>
+        </p:style>
+        <p:txBody>
+          <a:bodyPr rtlCol="0" anchor="t"/>
+          <a:lstStyle/>
+          <a:p>
+            <a:r>
+              <a:rPr lang="en-US" dirty="0">
+                <a:latin typeface="Abadi" panose="020B0604020104020204" pitchFamily="34" charset="0"/>
+              </a:rPr>
+              <a:t>CICD Tooling</a:t>
+            </a:r>
+          </a:p>
+        </p:txBody>
+      </p:sp>
+      <p:pic>
+        <p:nvPicPr>
+          <p:cNvPr id="4104" name="Picture 8" descr="Github Logo - Free social media icons">
+            <a:extLst>
+              <a:ext uri="{FF2B5EF4-FFF2-40B4-BE49-F238E27FC236}">
+                <a16:creationId xmlns:a16="http://schemas.microsoft.com/office/drawing/2014/main" id="{1A967644-A7B3-EA7E-92C9-5DDCAB74B455}"/>
+              </a:ext>
+            </a:extLst>
+          </p:cNvPr>
+          <p:cNvPicPr>
+            <a:picLocks noChangeAspect="1" noChangeArrowheads="1"/>
+          </p:cNvPicPr>
+          <p:nvPr/>
+        </p:nvPicPr>
+        <p:blipFill>
+          <a:blip r:embed="rId29">
+            <a:extLst>
+              <a:ext uri="{28A0092B-C50C-407E-A947-70E740481C1C}">
+                <a14:useLocalDpi xmlns:a14="http://schemas.microsoft.com/office/drawing/2010/main" val="0"/>
+              </a:ext>
+            </a:extLst>
+          </a:blip>
+          <a:srcRect/>
+          <a:stretch>
+            <a:fillRect/>
+          </a:stretch>
+        </p:blipFill>
+        <p:spPr bwMode="auto">
+          <a:xfrm>
+            <a:off x="10415498" y="2735389"/>
+            <a:ext cx="548640" cy="548640"/>
+          </a:xfrm>
+          <a:prstGeom prst="rect">
+            <a:avLst/>
+          </a:prstGeom>
+          <a:noFill/>
+          <a:extLst>
+            <a:ext uri="{909E8E84-426E-40DD-AFC4-6F175D3DCCD1}">
+              <a14:hiddenFill xmlns:a14="http://schemas.microsoft.com/office/drawing/2010/main">
+                <a:solidFill>
+                  <a:srgbClr val="FFFFFF"/>
+                </a:solidFill>
+              </a14:hiddenFill>
+            </a:ext>
+          </a:extLst>
+        </p:spPr>
+      </p:pic>
+      <p:pic>
+        <p:nvPicPr>
+          <p:cNvPr id="4106" name="Picture 10" descr="terraform&quot; Icon - Download for free ...">
+            <a:extLst>
+              <a:ext uri="{FF2B5EF4-FFF2-40B4-BE49-F238E27FC236}">
+                <a16:creationId xmlns:a16="http://schemas.microsoft.com/office/drawing/2014/main" id="{119C653A-7A51-675D-EE97-A3E17CA8A707}"/>
+              </a:ext>
+            </a:extLst>
+          </p:cNvPr>
+          <p:cNvPicPr>
+            <a:picLocks noChangeAspect="1" noChangeArrowheads="1"/>
+          </p:cNvPicPr>
+          <p:nvPr/>
+        </p:nvPicPr>
+        <p:blipFill>
+          <a:blip r:embed="rId30">
+            <a:extLst>
+              <a:ext uri="{28A0092B-C50C-407E-A947-70E740481C1C}">
+                <a14:useLocalDpi xmlns:a14="http://schemas.microsoft.com/office/drawing/2010/main" val="0"/>
+              </a:ext>
+            </a:extLst>
+          </a:blip>
+          <a:srcRect/>
+          <a:stretch>
+            <a:fillRect/>
+          </a:stretch>
+        </p:blipFill>
+        <p:spPr bwMode="auto">
+          <a:xfrm>
+            <a:off x="11143128" y="2735389"/>
+            <a:ext cx="484365" cy="548640"/>
+          </a:xfrm>
+          <a:prstGeom prst="rect">
+            <a:avLst/>
+          </a:prstGeom>
+          <a:noFill/>
+          <a:extLst>
+            <a:ext uri="{909E8E84-426E-40DD-AFC4-6F175D3DCCD1}">
+              <a14:hiddenFill xmlns:a14="http://schemas.microsoft.com/office/drawing/2010/main">
+                <a:solidFill>
+                  <a:srgbClr val="FFFFFF"/>
+                </a:solidFill>
+              </a14:hiddenFill>
+            </a:ext>
+          </a:extLst>
+        </p:spPr>
+      </p:pic>
+      <p:sp>
+        <p:nvSpPr>
+          <p:cNvPr id="30" name="Rectangle: Rounded Corners 29">
+            <a:extLst>
+              <a:ext uri="{FF2B5EF4-FFF2-40B4-BE49-F238E27FC236}">
+                <a16:creationId xmlns:a16="http://schemas.microsoft.com/office/drawing/2014/main" id="{44C03256-B206-7368-E4DE-AE9EDCF1D480}"/>
+              </a:ext>
+            </a:extLst>
+          </p:cNvPr>
+          <p:cNvSpPr/>
+          <p:nvPr/>
+        </p:nvSpPr>
+        <p:spPr>
+          <a:xfrm>
+            <a:off x="5094092" y="5049724"/>
+            <a:ext cx="1108365" cy="1232554"/>
+          </a:xfrm>
+          <a:prstGeom prst="roundRect">
+            <a:avLst>
+              <a:gd name="adj" fmla="val 8824"/>
+            </a:avLst>
+          </a:prstGeom>
+          <a:ln w="9525">
+            <a:solidFill>
+              <a:schemeClr val="tx1"/>
+            </a:solidFill>
+          </a:ln>
+        </p:spPr>
+        <p:style>
+          <a:lnRef idx="3">
+            <a:schemeClr val="lt1"/>
+          </a:lnRef>
+          <a:fillRef idx="1">
+            <a:schemeClr val="accent2"/>
+          </a:fillRef>
+          <a:effectRef idx="1">
+            <a:schemeClr val="accent2"/>
+          </a:effectRef>
+          <a:fontRef idx="minor">
+            <a:schemeClr val="lt1"/>
+          </a:fontRef>
+        </p:style>
+        <p:txBody>
+          <a:bodyPr rtlCol="0" anchor="t"/>
+          <a:lstStyle/>
+          <a:p>
+            <a:endParaRPr lang="en-US" dirty="0">
+              <a:latin typeface="Abadi" panose="020B0604020104020204" pitchFamily="34" charset="0"/>
+            </a:endParaRPr>
+          </a:p>
+        </p:txBody>
+      </p:sp>
+      <p:grpSp>
+        <p:nvGrpSpPr>
+          <p:cNvPr id="37" name="Group 36">
+            <a:extLst>
+              <a:ext uri="{FF2B5EF4-FFF2-40B4-BE49-F238E27FC236}">
+                <a16:creationId xmlns:a16="http://schemas.microsoft.com/office/drawing/2014/main" id="{852FE527-1D89-FEF6-1068-D255B7B2AB10}"/>
+              </a:ext>
+            </a:extLst>
+          </p:cNvPr>
+          <p:cNvGrpSpPr/>
+          <p:nvPr/>
+        </p:nvGrpSpPr>
+        <p:grpSpPr>
+          <a:xfrm>
+            <a:off x="5129044" y="5092368"/>
+            <a:ext cx="1143260" cy="261610"/>
+            <a:chOff x="-1561058" y="3263076"/>
+            <a:chExt cx="1143260" cy="261610"/>
+          </a:xfrm>
+        </p:grpSpPr>
+        <p:pic>
+          <p:nvPicPr>
+            <p:cNvPr id="33" name="Picture 2" descr="Free Aws Logo Icon - Free Download Logos Logo Icons | IconScout">
+              <a:extLst>
+                <a:ext uri="{FF2B5EF4-FFF2-40B4-BE49-F238E27FC236}">
+                  <a16:creationId xmlns:a16="http://schemas.microsoft.com/office/drawing/2014/main" id="{12D2FD33-B642-E620-D056-3F0C979E75E2}"/>
+                </a:ext>
+              </a:extLst>
+            </p:cNvPr>
+            <p:cNvPicPr>
+              <a:picLocks noChangeAspect="1" noChangeArrowheads="1"/>
+            </p:cNvPicPr>
+            <p:nvPr/>
+          </p:nvPicPr>
+          <p:blipFill>
+            <a:blip r:embed="rId26">
+              <a:extLst>
+                <a:ext uri="{28A0092B-C50C-407E-A947-70E740481C1C}">
+                  <a14:useLocalDpi xmlns:a14="http://schemas.microsoft.com/office/drawing/2010/main" val="0"/>
+                </a:ext>
+              </a:extLst>
+            </a:blip>
+            <a:srcRect/>
+            <a:stretch>
+              <a:fillRect/>
+            </a:stretch>
+          </p:blipFill>
+          <p:spPr bwMode="auto">
+            <a:xfrm>
+              <a:off x="-1561058" y="3286325"/>
+              <a:ext cx="225661" cy="225661"/>
+            </a:xfrm>
+            <a:prstGeom prst="roundRect">
+              <a:avLst/>
+            </a:prstGeom>
+            <a:noFill/>
+            <a:extLst>
+              <a:ext uri="{909E8E84-426E-40DD-AFC4-6F175D3DCCD1}">
+                <a14:hiddenFill xmlns:a14="http://schemas.microsoft.com/office/drawing/2010/main">
+                  <a:solidFill>
+                    <a:srgbClr val="FFFFFF"/>
+                  </a:solidFill>
+                </a14:hiddenFill>
+              </a:ext>
+            </a:extLst>
+          </p:spPr>
+        </p:pic>
+        <p:sp>
+          <p:nvSpPr>
+            <p:cNvPr id="34" name="TextBox 33">
+              <a:extLst>
+                <a:ext uri="{FF2B5EF4-FFF2-40B4-BE49-F238E27FC236}">
+                  <a16:creationId xmlns:a16="http://schemas.microsoft.com/office/drawing/2014/main" id="{C67214A5-694A-FA89-C5B4-B769396112B9}"/>
+                </a:ext>
+              </a:extLst>
+            </p:cNvPr>
+            <p:cNvSpPr txBox="1"/>
+            <p:nvPr/>
+          </p:nvSpPr>
+          <p:spPr>
+            <a:xfrm>
+              <a:off x="-1399157" y="3263076"/>
+              <a:ext cx="981359" cy="261610"/>
+            </a:xfrm>
+            <a:prstGeom prst="rect">
+              <a:avLst/>
+            </a:prstGeom>
+            <a:noFill/>
+          </p:spPr>
+          <p:txBody>
+            <a:bodyPr wrap="none" rtlCol="0">
+              <a:spAutoFit/>
+            </a:bodyPr>
+            <a:lstStyle/>
+            <a:p>
+              <a:r>
+                <a:rPr lang="en-US" sz="1100" dirty="0" err="1"/>
+                <a:t>aws</a:t>
+              </a:r>
+              <a:r>
+                <a:rPr lang="en-US" sz="1100" dirty="0"/>
+                <a:t>-account</a:t>
+              </a:r>
+            </a:p>
+          </p:txBody>
+        </p:sp>
+      </p:grpSp>
+      <p:pic>
+        <p:nvPicPr>
+          <p:cNvPr id="36" name="Picture 6" descr="Aws Ec2 icon as SVG, PNG, JSX, and ...">
+            <a:extLst>
+              <a:ext uri="{FF2B5EF4-FFF2-40B4-BE49-F238E27FC236}">
+                <a16:creationId xmlns:a16="http://schemas.microsoft.com/office/drawing/2014/main" id="{2415217B-D445-352B-66F6-1DF02ED4F924}"/>
+              </a:ext>
+            </a:extLst>
+          </p:cNvPr>
+          <p:cNvPicPr>
+            <a:picLocks noChangeAspect="1" noChangeArrowheads="1"/>
+          </p:cNvPicPr>
+          <p:nvPr/>
+        </p:nvPicPr>
+        <p:blipFill>
+          <a:blip r:embed="rId28">
+            <a:extLst>
+              <a:ext uri="{28A0092B-C50C-407E-A947-70E740481C1C}">
+                <a14:useLocalDpi xmlns:a14="http://schemas.microsoft.com/office/drawing/2010/main" val="0"/>
+              </a:ext>
+            </a:extLst>
+          </a:blip>
+          <a:srcRect/>
+          <a:stretch>
+            <a:fillRect/>
+          </a:stretch>
+        </p:blipFill>
+        <p:spPr bwMode="auto">
+          <a:xfrm>
+            <a:off x="5556834" y="6049036"/>
+            <a:ext cx="182880" cy="182880"/>
+          </a:xfrm>
+          <a:prstGeom prst="rect">
+            <a:avLst/>
+          </a:prstGeom>
+          <a:noFill/>
+          <a:ln w="19050">
+            <a:solidFill>
+              <a:schemeClr val="tx1"/>
+            </a:solidFill>
+          </a:ln>
+          <a:extLst>
+            <a:ext uri="{909E8E84-426E-40DD-AFC4-6F175D3DCCD1}">
+              <a14:hiddenFill xmlns:a14="http://schemas.microsoft.com/office/drawing/2010/main">
+                <a:solidFill>
+                  <a:srgbClr val="FFFFFF"/>
+                </a:solidFill>
+              </a14:hiddenFill>
+            </a:ext>
+          </a:extLst>
+        </p:spPr>
+      </p:pic>
+      <p:pic>
+        <p:nvPicPr>
+          <p:cNvPr id="1028" name="Picture 4" descr="MongoDB">
+            <a:extLst>
+              <a:ext uri="{FF2B5EF4-FFF2-40B4-BE49-F238E27FC236}">
+                <a16:creationId xmlns:a16="http://schemas.microsoft.com/office/drawing/2014/main" id="{BAA9AB73-AC16-4FA5-6011-00514583DE80}"/>
+              </a:ext>
+            </a:extLst>
+          </p:cNvPr>
+          <p:cNvPicPr>
+            <a:picLocks noChangeAspect="1" noChangeArrowheads="1"/>
+          </p:cNvPicPr>
+          <p:nvPr/>
+        </p:nvPicPr>
+        <p:blipFill>
+          <a:blip r:embed="rId31">
+            <a:extLst>
+              <a:ext uri="{28A0092B-C50C-407E-A947-70E740481C1C}">
+                <a14:useLocalDpi xmlns:a14="http://schemas.microsoft.com/office/drawing/2010/main" val="0"/>
+              </a:ext>
+            </a:extLst>
+          </a:blip>
+          <a:srcRect/>
+          <a:stretch>
+            <a:fillRect/>
+          </a:stretch>
+        </p:blipFill>
+        <p:spPr bwMode="auto">
+          <a:xfrm>
+            <a:off x="5373954" y="5453849"/>
+            <a:ext cx="548640" cy="548640"/>
+          </a:xfrm>
+          <a:prstGeom prst="rect">
+            <a:avLst/>
+          </a:prstGeom>
+          <a:noFill/>
+          <a:extLst>
+            <a:ext uri="{909E8E84-426E-40DD-AFC4-6F175D3DCCD1}">
+              <a14:hiddenFill xmlns:a14="http://schemas.microsoft.com/office/drawing/2010/main">
+                <a:solidFill>
+                  <a:srgbClr val="FFFFFF"/>
+                </a:solidFill>
+              </a14:hiddenFill>
+            </a:ext>
+          </a:extLst>
+        </p:spPr>
+      </p:pic>
+      <p:pic>
+        <p:nvPicPr>
+          <p:cNvPr id="4108" name="Picture 12" descr="Amazon S3 Simple Storage Service Vector ...">
+            <a:extLst>
+              <a:ext uri="{FF2B5EF4-FFF2-40B4-BE49-F238E27FC236}">
+                <a16:creationId xmlns:a16="http://schemas.microsoft.com/office/drawing/2014/main" id="{E66E391C-FB6D-FE0E-A9D5-6BE714DB6246}"/>
+              </a:ext>
+            </a:extLst>
+          </p:cNvPr>
+          <p:cNvPicPr>
+            <a:picLocks noChangeAspect="1" noChangeArrowheads="1"/>
+          </p:cNvPicPr>
+          <p:nvPr/>
+        </p:nvPicPr>
+        <p:blipFill>
+          <a:blip r:embed="rId32">
+            <a:extLst>
+              <a:ext uri="{28A0092B-C50C-407E-A947-70E740481C1C}">
+                <a14:useLocalDpi xmlns:a14="http://schemas.microsoft.com/office/drawing/2010/main" val="0"/>
+              </a:ext>
+            </a:extLst>
+          </a:blip>
+          <a:srcRect/>
+          <a:stretch>
+            <a:fillRect/>
+          </a:stretch>
+        </p:blipFill>
+        <p:spPr bwMode="auto">
+          <a:xfrm>
+            <a:off x="10415498" y="3416872"/>
+            <a:ext cx="548640" cy="548640"/>
+          </a:xfrm>
+          <a:prstGeom prst="rect">
+            <a:avLst/>
+          </a:prstGeom>
+          <a:noFill/>
+          <a:extLst>
+            <a:ext uri="{909E8E84-426E-40DD-AFC4-6F175D3DCCD1}">
+              <a14:hiddenFill xmlns:a14="http://schemas.microsoft.com/office/drawing/2010/main">
+                <a:solidFill>
+                  <a:srgbClr val="FFFFFF"/>
+                </a:solidFill>
+              </a14:hiddenFill>
+            </a:ext>
+          </a:extLst>
+        </p:spPr>
+      </p:pic>
+      <p:pic>
+        <p:nvPicPr>
+          <p:cNvPr id="38" name="Picture 12" descr="Amazon S3 Simple Storage Service Vector ...">
+            <a:extLst>
+              <a:ext uri="{FF2B5EF4-FFF2-40B4-BE49-F238E27FC236}">
+                <a16:creationId xmlns:a16="http://schemas.microsoft.com/office/drawing/2014/main" id="{42D14BEE-F687-D72B-E335-6CDBC33A4F9B}"/>
+              </a:ext>
+            </a:extLst>
+          </p:cNvPr>
+          <p:cNvPicPr>
+            <a:picLocks noChangeAspect="1" noChangeArrowheads="1"/>
+          </p:cNvPicPr>
+          <p:nvPr/>
+        </p:nvPicPr>
+        <p:blipFill>
+          <a:blip r:embed="rId32">
+            <a:extLst>
+              <a:ext uri="{28A0092B-C50C-407E-A947-70E740481C1C}">
+                <a14:useLocalDpi xmlns:a14="http://schemas.microsoft.com/office/drawing/2010/main" val="0"/>
+              </a:ext>
+            </a:extLst>
+          </a:blip>
+          <a:srcRect/>
+          <a:stretch>
+            <a:fillRect/>
+          </a:stretch>
+        </p:blipFill>
+        <p:spPr bwMode="auto">
+          <a:xfrm>
+            <a:off x="9840342" y="5775543"/>
+            <a:ext cx="548640" cy="548640"/>
+          </a:xfrm>
+          <a:prstGeom prst="rect">
+            <a:avLst/>
+          </a:prstGeom>
+          <a:noFill/>
+          <a:extLst>
+            <a:ext uri="{909E8E84-426E-40DD-AFC4-6F175D3DCCD1}">
+              <a14:hiddenFill xmlns:a14="http://schemas.microsoft.com/office/drawing/2010/main">
+                <a:solidFill>
+                  <a:srgbClr val="FFFFFF"/>
+                </a:solidFill>
+              </a14:hiddenFill>
+            </a:ext>
+          </a:extLst>
+        </p:spPr>
+      </p:pic>
+    </p:spTree>
+    <p:extLst>
+      <p:ext uri="{BB962C8B-B14F-4D97-AF65-F5344CB8AC3E}">
+        <p14:creationId xmlns:p14="http://schemas.microsoft.com/office/powerpoint/2010/main" val="49607365"/>
+      </p:ext>
+    </p:extLst>
+  </p:cSld>
+  <p:clrMapOvr>
+    <a:masterClrMapping/>
+  </p:clrMapOvr>
+</p:sld>
+</file>
+
+<file path=ppt/slides/slide3.xml><?xml version="1.0" encoding="utf-8"?>
+<p:sld xmlns:a="http://schemas.openxmlformats.org/drawingml/2006/main" xmlns:r="http://schemas.openxmlformats.org/officeDocument/2006/relationships" xmlns:p="http://schemas.openxmlformats.org/presentationml/2006/main">
+  <p:cSld>
+    <p:spTree>
+      <p:nvGrpSpPr>
+        <p:cNvPr id="1" name="">
+          <a:extLst>
+            <a:ext uri="{FF2B5EF4-FFF2-40B4-BE49-F238E27FC236}">
+              <a16:creationId xmlns:a16="http://schemas.microsoft.com/office/drawing/2014/main" id="{ADDA852D-D843-43A4-63BB-E9F846866080}"/>
+            </a:ext>
+          </a:extLst>
+        </p:cNvPr>
+        <p:cNvGrpSpPr/>
+        <p:nvPr/>
+      </p:nvGrpSpPr>
+      <p:grpSpPr>
+        <a:xfrm>
+          <a:off x="0" y="0"/>
+          <a:ext cx="0" cy="0"/>
+          <a:chOff x="0" y="0"/>
+          <a:chExt cx="0" cy="0"/>
+        </a:xfrm>
+      </p:grpSpPr>
+      <p:sp>
+        <p:nvSpPr>
+          <p:cNvPr id="6" name="Rectangle: Rounded Corners 5">
+            <a:extLst>
+              <a:ext uri="{FF2B5EF4-FFF2-40B4-BE49-F238E27FC236}">
+                <a16:creationId xmlns:a16="http://schemas.microsoft.com/office/drawing/2014/main" id="{A113EA1A-A807-5986-E509-BEC57238E6DA}"/>
+              </a:ext>
+            </a:extLst>
+          </p:cNvPr>
+          <p:cNvSpPr/>
+          <p:nvPr/>
+        </p:nvSpPr>
+        <p:spPr>
+          <a:xfrm>
+            <a:off x="7392171" y="4935619"/>
+            <a:ext cx="2194560" cy="1463040"/>
+          </a:xfrm>
+          <a:prstGeom prst="roundRect">
+            <a:avLst>
+              <a:gd name="adj" fmla="val 8824"/>
+            </a:avLst>
+          </a:prstGeom>
+        </p:spPr>
+        <p:style>
+          <a:lnRef idx="1">
+            <a:schemeClr val="dk1"/>
+          </a:lnRef>
+          <a:fillRef idx="2">
+            <a:schemeClr val="dk1"/>
+          </a:fillRef>
+          <a:effectRef idx="1">
+            <a:schemeClr val="dk1"/>
+          </a:effectRef>
+          <a:fontRef idx="minor">
+            <a:schemeClr val="dk1"/>
+          </a:fontRef>
+        </p:style>
+        <p:txBody>
+          <a:bodyPr rtlCol="0" anchor="t"/>
+          <a:lstStyle/>
+          <a:p>
+            <a:r>
+              <a:rPr lang="en-US" dirty="0">
+                <a:latin typeface="Abadi" panose="020B0604020104020204" pitchFamily="34" charset="0"/>
+              </a:rPr>
+              <a:t>Security</a:t>
+            </a:r>
+          </a:p>
+        </p:txBody>
+      </p:sp>
+      <p:sp>
+        <p:nvSpPr>
+          <p:cNvPr id="7" name="Rectangle: Rounded Corners 6">
+            <a:extLst>
+              <a:ext uri="{FF2B5EF4-FFF2-40B4-BE49-F238E27FC236}">
+                <a16:creationId xmlns:a16="http://schemas.microsoft.com/office/drawing/2014/main" id="{A4A373B5-852C-5BE3-8324-9B6ACEB4EFBA}"/>
+              </a:ext>
+            </a:extLst>
+          </p:cNvPr>
+          <p:cNvSpPr/>
+          <p:nvPr/>
+        </p:nvSpPr>
+        <p:spPr>
+          <a:xfrm>
+            <a:off x="9775348" y="4935619"/>
+            <a:ext cx="2194560" cy="1463040"/>
+          </a:xfrm>
+          <a:prstGeom prst="roundRect">
+            <a:avLst>
+              <a:gd name="adj" fmla="val 8824"/>
+            </a:avLst>
+          </a:prstGeom>
+        </p:spPr>
+        <p:style>
+          <a:lnRef idx="1">
+            <a:schemeClr val="dk1"/>
+          </a:lnRef>
+          <a:fillRef idx="2">
+            <a:schemeClr val="dk1"/>
+          </a:fillRef>
+          <a:effectRef idx="1">
+            <a:schemeClr val="dk1"/>
+          </a:effectRef>
+          <a:fontRef idx="minor">
+            <a:schemeClr val="dk1"/>
+          </a:fontRef>
+        </p:style>
+        <p:txBody>
+          <a:bodyPr rtlCol="0" anchor="t"/>
+          <a:lstStyle/>
+          <a:p>
+            <a:r>
+              <a:rPr lang="en-US" dirty="0">
+                <a:latin typeface="Abadi" panose="020B0604020104020204" pitchFamily="34" charset="0"/>
+              </a:rPr>
+              <a:t>Comms/Marketing</a:t>
+            </a:r>
+          </a:p>
+        </p:txBody>
+      </p:sp>
+      <p:sp>
+        <p:nvSpPr>
+          <p:cNvPr id="8" name="Rectangle: Rounded Corners 7">
+            <a:extLst>
+              <a:ext uri="{FF2B5EF4-FFF2-40B4-BE49-F238E27FC236}">
+                <a16:creationId xmlns:a16="http://schemas.microsoft.com/office/drawing/2014/main" id="{BC4136F3-C8F0-29E7-C1D5-BC534780A263}"/>
+              </a:ext>
+            </a:extLst>
+          </p:cNvPr>
+          <p:cNvSpPr/>
+          <p:nvPr/>
+        </p:nvSpPr>
+        <p:spPr>
+          <a:xfrm>
+            <a:off x="242643" y="4935619"/>
+            <a:ext cx="2194560" cy="1463040"/>
+          </a:xfrm>
+          <a:prstGeom prst="roundRect">
+            <a:avLst>
+              <a:gd name="adj" fmla="val 8824"/>
+            </a:avLst>
+          </a:prstGeom>
+        </p:spPr>
+        <p:style>
+          <a:lnRef idx="1">
+            <a:schemeClr val="dk1"/>
+          </a:lnRef>
+          <a:fillRef idx="2">
+            <a:schemeClr val="dk1"/>
+          </a:fillRef>
+          <a:effectRef idx="1">
+            <a:schemeClr val="dk1"/>
+          </a:effectRef>
+          <a:fontRef idx="minor">
+            <a:schemeClr val="dk1"/>
+          </a:fontRef>
+        </p:style>
+        <p:txBody>
+          <a:bodyPr rtlCol="0" anchor="t"/>
+          <a:lstStyle/>
+          <a:p>
+            <a:r>
+              <a:rPr lang="en-US" dirty="0">
+                <a:latin typeface="Abadi" panose="020B0604020104020204" pitchFamily="34" charset="0"/>
+              </a:rPr>
+              <a:t>HR</a:t>
+            </a:r>
+          </a:p>
+        </p:txBody>
+      </p:sp>
+      <p:sp>
+        <p:nvSpPr>
+          <p:cNvPr id="9" name="Rectangle: Rounded Corners 8">
+            <a:extLst>
+              <a:ext uri="{FF2B5EF4-FFF2-40B4-BE49-F238E27FC236}">
+                <a16:creationId xmlns:a16="http://schemas.microsoft.com/office/drawing/2014/main" id="{ED1B3177-EBFF-0ADC-7D0E-D80D3EE3320A}"/>
+              </a:ext>
+            </a:extLst>
+          </p:cNvPr>
+          <p:cNvSpPr/>
+          <p:nvPr/>
+        </p:nvSpPr>
+        <p:spPr>
+          <a:xfrm>
+            <a:off x="2625819" y="4935619"/>
+            <a:ext cx="2194560" cy="1463040"/>
+          </a:xfrm>
+          <a:prstGeom prst="roundRect">
+            <a:avLst>
+              <a:gd name="adj" fmla="val 8824"/>
+            </a:avLst>
+          </a:prstGeom>
+        </p:spPr>
+        <p:style>
+          <a:lnRef idx="1">
+            <a:schemeClr val="dk1"/>
+          </a:lnRef>
+          <a:fillRef idx="2">
+            <a:schemeClr val="dk1"/>
+          </a:fillRef>
+          <a:effectRef idx="1">
+            <a:schemeClr val="dk1"/>
+          </a:effectRef>
+          <a:fontRef idx="minor">
+            <a:schemeClr val="dk1"/>
+          </a:fontRef>
+        </p:style>
+        <p:txBody>
+          <a:bodyPr rtlCol="0" anchor="t"/>
+          <a:lstStyle/>
+          <a:p>
+            <a:r>
+              <a:rPr lang="en-US" dirty="0">
+                <a:latin typeface="Abadi" panose="020B0604020104020204" pitchFamily="34" charset="0"/>
+              </a:rPr>
+              <a:t>Finance</a:t>
+            </a:r>
+          </a:p>
+        </p:txBody>
+      </p:sp>
+      <p:sp>
+        <p:nvSpPr>
+          <p:cNvPr id="10" name="Rectangle: Rounded Corners 9">
+            <a:extLst>
+              <a:ext uri="{FF2B5EF4-FFF2-40B4-BE49-F238E27FC236}">
+                <a16:creationId xmlns:a16="http://schemas.microsoft.com/office/drawing/2014/main" id="{ADAFDCF9-3BD6-340E-4A80-2751D1262D7A}"/>
+              </a:ext>
+            </a:extLst>
+          </p:cNvPr>
+          <p:cNvSpPr/>
+          <p:nvPr/>
+        </p:nvSpPr>
+        <p:spPr>
+          <a:xfrm>
+            <a:off x="5008995" y="4935619"/>
+            <a:ext cx="2194560" cy="1463040"/>
+          </a:xfrm>
+          <a:prstGeom prst="roundRect">
+            <a:avLst>
+              <a:gd name="adj" fmla="val 8824"/>
+            </a:avLst>
+          </a:prstGeom>
+          <a:ln w="57150">
+            <a:solidFill>
+              <a:srgbClr val="EF11A0"/>
+            </a:solidFill>
+          </a:ln>
+        </p:spPr>
+        <p:style>
+          <a:lnRef idx="1">
+            <a:schemeClr val="dk1"/>
+          </a:lnRef>
+          <a:fillRef idx="2">
+            <a:schemeClr val="dk1"/>
+          </a:fillRef>
+          <a:effectRef idx="1">
+            <a:schemeClr val="dk1"/>
+          </a:effectRef>
+          <a:fontRef idx="minor">
+            <a:schemeClr val="dk1"/>
+          </a:fontRef>
+        </p:style>
+        <p:txBody>
+          <a:bodyPr rtlCol="0" anchor="t"/>
+          <a:lstStyle/>
+          <a:p>
+            <a:r>
+              <a:rPr lang="en-US" dirty="0">
+                <a:latin typeface="Abadi" panose="020B0604020104020204" pitchFamily="34" charset="0"/>
+              </a:rPr>
+              <a:t>Sales</a:t>
+            </a:r>
+          </a:p>
+        </p:txBody>
+      </p:sp>
+      <p:pic>
+        <p:nvPicPr>
+          <p:cNvPr id="1026" name="Picture 2">
+            <a:extLst>
+              <a:ext uri="{FF2B5EF4-FFF2-40B4-BE49-F238E27FC236}">
+                <a16:creationId xmlns:a16="http://schemas.microsoft.com/office/drawing/2014/main" id="{E3DF8FEC-2DB8-B906-F848-14DF51117DE5}"/>
+              </a:ext>
+            </a:extLst>
+          </p:cNvPr>
+          <p:cNvPicPr>
+            <a:picLocks noChangeAspect="1" noChangeArrowheads="1"/>
+          </p:cNvPicPr>
+          <p:nvPr/>
+        </p:nvPicPr>
+        <p:blipFill>
+          <a:blip r:embed="rId2">
+            <a:extLst>
+              <a:ext uri="{28A0092B-C50C-407E-A947-70E740481C1C}">
+                <a14:useLocalDpi xmlns:a14="http://schemas.microsoft.com/office/drawing/2010/main" val="0"/>
+              </a:ext>
+            </a:extLst>
+          </a:blip>
+          <a:srcRect/>
+          <a:stretch>
+            <a:fillRect/>
+          </a:stretch>
+        </p:blipFill>
+        <p:spPr bwMode="auto">
+          <a:xfrm>
+            <a:off x="1148017" y="5727918"/>
+            <a:ext cx="529046" cy="548640"/>
+          </a:xfrm>
+          <a:prstGeom prst="rect">
+            <a:avLst/>
+          </a:prstGeom>
+          <a:noFill/>
+          <a:extLst>
+            <a:ext uri="{909E8E84-426E-40DD-AFC4-6F175D3DCCD1}">
+              <a14:hiddenFill xmlns:a14="http://schemas.microsoft.com/office/drawing/2010/main">
+                <a:solidFill>
+                  <a:srgbClr val="FFFFFF"/>
+                </a:solidFill>
+              </a14:hiddenFill>
+            </a:ext>
+          </a:extLst>
+        </p:spPr>
+      </p:pic>
+      <p:pic>
+        <p:nvPicPr>
+          <p:cNvPr id="1028" name="Picture 4" descr="MongoDB">
+            <a:extLst>
+              <a:ext uri="{FF2B5EF4-FFF2-40B4-BE49-F238E27FC236}">
+                <a16:creationId xmlns:a16="http://schemas.microsoft.com/office/drawing/2014/main" id="{F5EA2627-A776-6771-DBF5-A890C43BA18D}"/>
+              </a:ext>
+            </a:extLst>
+          </p:cNvPr>
+          <p:cNvPicPr>
+            <a:picLocks noChangeAspect="1" noChangeArrowheads="1"/>
+          </p:cNvPicPr>
+          <p:nvPr/>
+        </p:nvPicPr>
+        <p:blipFill>
+          <a:blip r:embed="rId3">
+            <a:extLst>
+              <a:ext uri="{28A0092B-C50C-407E-A947-70E740481C1C}">
+                <a14:useLocalDpi xmlns:a14="http://schemas.microsoft.com/office/drawing/2010/main" val="0"/>
+              </a:ext>
+            </a:extLst>
+          </a:blip>
+          <a:srcRect/>
+          <a:stretch>
+            <a:fillRect/>
+          </a:stretch>
+        </p:blipFill>
+        <p:spPr bwMode="auto">
+          <a:xfrm>
+            <a:off x="5147726" y="5755133"/>
+            <a:ext cx="548640" cy="548640"/>
+          </a:xfrm>
+          <a:prstGeom prst="rect">
+            <a:avLst/>
+          </a:prstGeom>
+          <a:noFill/>
+          <a:ln w="57150">
+            <a:solidFill>
+              <a:srgbClr val="EF11A0"/>
+            </a:solidFill>
+          </a:ln>
+          <a:extLst>
+            <a:ext uri="{909E8E84-426E-40DD-AFC4-6F175D3DCCD1}">
+              <a14:hiddenFill xmlns:a14="http://schemas.microsoft.com/office/drawing/2010/main">
+                <a:solidFill>
+                  <a:srgbClr val="FFFFFF"/>
+                </a:solidFill>
+              </a14:hiddenFill>
+            </a:ext>
+          </a:extLst>
+        </p:spPr>
+      </p:pic>
+      <p:pic>
+        <p:nvPicPr>
+          <p:cNvPr id="1030" name="Picture 6" descr="Exploring the Popularity of REST API ...">
+            <a:extLst>
+              <a:ext uri="{FF2B5EF4-FFF2-40B4-BE49-F238E27FC236}">
+                <a16:creationId xmlns:a16="http://schemas.microsoft.com/office/drawing/2014/main" id="{E15F0D09-4CC4-96F3-DA62-E5419D0742C6}"/>
+              </a:ext>
+            </a:extLst>
+          </p:cNvPr>
+          <p:cNvPicPr>
+            <a:picLocks noChangeAspect="1" noChangeArrowheads="1"/>
+          </p:cNvPicPr>
+          <p:nvPr/>
+        </p:nvPicPr>
+        <p:blipFill>
+          <a:blip r:embed="rId4">
+            <a:extLst>
+              <a:ext uri="{28A0092B-C50C-407E-A947-70E740481C1C}">
+                <a14:useLocalDpi xmlns:a14="http://schemas.microsoft.com/office/drawing/2010/main" val="0"/>
+              </a:ext>
+            </a:extLst>
+          </a:blip>
+          <a:srcRect/>
+          <a:stretch>
+            <a:fillRect/>
+          </a:stretch>
+        </p:blipFill>
+        <p:spPr bwMode="auto">
+          <a:xfrm>
+            <a:off x="360921" y="5727918"/>
+            <a:ext cx="670260" cy="548640"/>
+          </a:xfrm>
+          <a:prstGeom prst="rect">
+            <a:avLst/>
+          </a:prstGeom>
+          <a:noFill/>
+          <a:extLst>
+            <a:ext uri="{909E8E84-426E-40DD-AFC4-6F175D3DCCD1}">
+              <a14:hiddenFill xmlns:a14="http://schemas.microsoft.com/office/drawing/2010/main">
+                <a:solidFill>
+                  <a:srgbClr val="FFFFFF"/>
+                </a:solidFill>
+              </a14:hiddenFill>
+            </a:ext>
+          </a:extLst>
+        </p:spPr>
+      </p:pic>
+      <p:pic>
+        <p:nvPicPr>
+          <p:cNvPr id="1034" name="Picture 10" descr="amazon s3&quot; Icon - Download for free ...">
+            <a:extLst>
+              <a:ext uri="{FF2B5EF4-FFF2-40B4-BE49-F238E27FC236}">
+                <a16:creationId xmlns:a16="http://schemas.microsoft.com/office/drawing/2014/main" id="{2D837C4B-A78F-5478-261B-77F56FD7F3E4}"/>
+              </a:ext>
+            </a:extLst>
+          </p:cNvPr>
+          <p:cNvPicPr>
+            <a:picLocks noChangeAspect="1" noChangeArrowheads="1"/>
+          </p:cNvPicPr>
+          <p:nvPr/>
+        </p:nvPicPr>
+        <p:blipFill>
+          <a:blip r:embed="rId5">
+            <a:extLst>
+              <a:ext uri="{28A0092B-C50C-407E-A947-70E740481C1C}">
+                <a14:useLocalDpi xmlns:a14="http://schemas.microsoft.com/office/drawing/2010/main" val="0"/>
+              </a:ext>
+            </a:extLst>
+          </a:blip>
+          <a:srcRect/>
+          <a:stretch>
+            <a:fillRect/>
+          </a:stretch>
+        </p:blipFill>
+        <p:spPr bwMode="auto">
+          <a:xfrm>
+            <a:off x="9844559" y="5727918"/>
+            <a:ext cx="548640" cy="548640"/>
+          </a:xfrm>
+          <a:prstGeom prst="rect">
+            <a:avLst/>
+          </a:prstGeom>
+          <a:noFill/>
+          <a:extLst>
+            <a:ext uri="{909E8E84-426E-40DD-AFC4-6F175D3DCCD1}">
+              <a14:hiddenFill xmlns:a14="http://schemas.microsoft.com/office/drawing/2010/main">
+                <a:solidFill>
+                  <a:srgbClr val="FFFFFF"/>
+                </a:solidFill>
+              </a14:hiddenFill>
+            </a:ext>
+          </a:extLst>
+        </p:spPr>
+      </p:pic>
+      <p:pic>
+        <p:nvPicPr>
+          <p:cNvPr id="1036" name="Picture 12" descr="asf - Revision 1925738: /kafka/site ...">
+            <a:extLst>
+              <a:ext uri="{FF2B5EF4-FFF2-40B4-BE49-F238E27FC236}">
+                <a16:creationId xmlns:a16="http://schemas.microsoft.com/office/drawing/2014/main" id="{45494553-2D34-5258-63D2-EA78038C2BCF}"/>
+              </a:ext>
+            </a:extLst>
+          </p:cNvPr>
+          <p:cNvPicPr>
+            <a:picLocks noChangeAspect="1" noChangeArrowheads="1"/>
+          </p:cNvPicPr>
+          <p:nvPr/>
+        </p:nvPicPr>
+        <p:blipFill>
+          <a:blip r:embed="rId6">
+            <a:extLst>
+              <a:ext uri="{28A0092B-C50C-407E-A947-70E740481C1C}">
+                <a14:useLocalDpi xmlns:a14="http://schemas.microsoft.com/office/drawing/2010/main" val="0"/>
+              </a:ext>
+            </a:extLst>
+          </a:blip>
+          <a:srcRect/>
+          <a:stretch>
+            <a:fillRect/>
+          </a:stretch>
+        </p:blipFill>
+        <p:spPr bwMode="auto">
+          <a:xfrm>
+            <a:off x="7483098" y="5755133"/>
+            <a:ext cx="548640" cy="548640"/>
+          </a:xfrm>
+          <a:prstGeom prst="rect">
+            <a:avLst/>
+          </a:prstGeom>
+          <a:noFill/>
+          <a:extLst>
+            <a:ext uri="{909E8E84-426E-40DD-AFC4-6F175D3DCCD1}">
+              <a14:hiddenFill xmlns:a14="http://schemas.microsoft.com/office/drawing/2010/main">
+                <a:solidFill>
+                  <a:srgbClr val="FFFFFF"/>
+                </a:solidFill>
+              </a14:hiddenFill>
+            </a:ext>
+          </a:extLst>
+        </p:spPr>
+      </p:pic>
+      <p:sp>
+        <p:nvSpPr>
+          <p:cNvPr id="12" name="Rectangle: Rounded Corners 11">
+            <a:extLst>
+              <a:ext uri="{FF2B5EF4-FFF2-40B4-BE49-F238E27FC236}">
+                <a16:creationId xmlns:a16="http://schemas.microsoft.com/office/drawing/2014/main" id="{A9708F0B-9FE5-9866-3007-DDEB48B92AE4}"/>
+              </a:ext>
+            </a:extLst>
+          </p:cNvPr>
+          <p:cNvSpPr/>
+          <p:nvPr/>
+        </p:nvSpPr>
+        <p:spPr>
+          <a:xfrm>
+            <a:off x="738248" y="468342"/>
+            <a:ext cx="2189765" cy="1174249"/>
+          </a:xfrm>
+          <a:prstGeom prst="roundRect">
+            <a:avLst>
+              <a:gd name="adj" fmla="val 8824"/>
+            </a:avLst>
+          </a:prstGeom>
+        </p:spPr>
+        <p:style>
+          <a:lnRef idx="1">
+            <a:schemeClr val="dk1"/>
+          </a:lnRef>
+          <a:fillRef idx="2">
+            <a:schemeClr val="dk1"/>
+          </a:fillRef>
+          <a:effectRef idx="1">
+            <a:schemeClr val="dk1"/>
+          </a:effectRef>
+          <a:fontRef idx="minor">
+            <a:schemeClr val="dk1"/>
+          </a:fontRef>
+        </p:style>
+        <p:txBody>
+          <a:bodyPr rtlCol="0" anchor="t"/>
+          <a:lstStyle/>
+          <a:p>
+            <a:r>
+              <a:rPr lang="en-US" dirty="0">
+                <a:latin typeface="Abadi" panose="020B0604020104020204" pitchFamily="34" charset="0"/>
+              </a:rPr>
+              <a:t>Data Warehouse</a:t>
+            </a:r>
+          </a:p>
+        </p:txBody>
+      </p:sp>
+      <p:sp>
+        <p:nvSpPr>
+          <p:cNvPr id="16" name="Rectangle: Rounded Corners 15">
+            <a:extLst>
+              <a:ext uri="{FF2B5EF4-FFF2-40B4-BE49-F238E27FC236}">
+                <a16:creationId xmlns:a16="http://schemas.microsoft.com/office/drawing/2014/main" id="{649641E6-1DA1-602F-3820-8B7027B8FFBE}"/>
+              </a:ext>
+            </a:extLst>
+          </p:cNvPr>
+          <p:cNvSpPr/>
+          <p:nvPr/>
+        </p:nvSpPr>
+        <p:spPr>
+          <a:xfrm>
+            <a:off x="3580161" y="468342"/>
+            <a:ext cx="2189765" cy="1174249"/>
+          </a:xfrm>
+          <a:prstGeom prst="roundRect">
+            <a:avLst>
+              <a:gd name="adj" fmla="val 8824"/>
+            </a:avLst>
+          </a:prstGeom>
+        </p:spPr>
+        <p:style>
+          <a:lnRef idx="1">
+            <a:schemeClr val="dk1"/>
+          </a:lnRef>
+          <a:fillRef idx="2">
+            <a:schemeClr val="dk1"/>
+          </a:fillRef>
+          <a:effectRef idx="1">
+            <a:schemeClr val="dk1"/>
+          </a:effectRef>
+          <a:fontRef idx="minor">
+            <a:schemeClr val="dk1"/>
+          </a:fontRef>
+        </p:style>
+        <p:txBody>
+          <a:bodyPr rtlCol="0" anchor="t"/>
+          <a:lstStyle/>
+          <a:p>
+            <a:r>
+              <a:rPr lang="en-US" dirty="0">
+                <a:latin typeface="Abadi" panose="020B0604020104020204" pitchFamily="34" charset="0"/>
+              </a:rPr>
+              <a:t>BI Tools</a:t>
+            </a:r>
+          </a:p>
+        </p:txBody>
+      </p:sp>
+      <p:sp>
+        <p:nvSpPr>
+          <p:cNvPr id="17" name="Rectangle: Rounded Corners 16">
+            <a:extLst>
+              <a:ext uri="{FF2B5EF4-FFF2-40B4-BE49-F238E27FC236}">
+                <a16:creationId xmlns:a16="http://schemas.microsoft.com/office/drawing/2014/main" id="{F1477DA0-CC6F-F0AE-2453-BD0A282F7A89}"/>
+              </a:ext>
+            </a:extLst>
+          </p:cNvPr>
+          <p:cNvSpPr/>
+          <p:nvPr/>
+        </p:nvSpPr>
+        <p:spPr>
+          <a:xfrm>
+            <a:off x="6422074" y="468342"/>
+            <a:ext cx="2189765" cy="1174249"/>
+          </a:xfrm>
+          <a:prstGeom prst="roundRect">
+            <a:avLst>
+              <a:gd name="adj" fmla="val 8824"/>
+            </a:avLst>
+          </a:prstGeom>
+        </p:spPr>
+        <p:style>
+          <a:lnRef idx="1">
+            <a:schemeClr val="dk1"/>
+          </a:lnRef>
+          <a:fillRef idx="2">
+            <a:schemeClr val="dk1"/>
+          </a:fillRef>
+          <a:effectRef idx="1">
+            <a:schemeClr val="dk1"/>
+          </a:effectRef>
+          <a:fontRef idx="minor">
+            <a:schemeClr val="dk1"/>
+          </a:fontRef>
+        </p:style>
+        <p:txBody>
+          <a:bodyPr rtlCol="0" anchor="t"/>
+          <a:lstStyle/>
+          <a:p>
+            <a:r>
+              <a:rPr lang="en-US" dirty="0">
+                <a:latin typeface="Abadi" panose="020B0604020104020204" pitchFamily="34" charset="0"/>
+              </a:rPr>
+              <a:t>ML/Analytics</a:t>
+            </a:r>
+          </a:p>
+        </p:txBody>
+      </p:sp>
+      <p:sp>
+        <p:nvSpPr>
+          <p:cNvPr id="18" name="Rectangle: Rounded Corners 17">
+            <a:extLst>
+              <a:ext uri="{FF2B5EF4-FFF2-40B4-BE49-F238E27FC236}">
+                <a16:creationId xmlns:a16="http://schemas.microsoft.com/office/drawing/2014/main" id="{698EFCFE-54D7-6F49-9981-56BDAC1D3A72}"/>
+              </a:ext>
+            </a:extLst>
+          </p:cNvPr>
+          <p:cNvSpPr/>
+          <p:nvPr/>
+        </p:nvSpPr>
+        <p:spPr>
+          <a:xfrm>
+            <a:off x="9263988" y="468342"/>
+            <a:ext cx="2189765" cy="1174249"/>
+          </a:xfrm>
+          <a:prstGeom prst="roundRect">
+            <a:avLst>
+              <a:gd name="adj" fmla="val 8824"/>
+            </a:avLst>
+          </a:prstGeom>
+        </p:spPr>
+        <p:style>
+          <a:lnRef idx="1">
+            <a:schemeClr val="dk1"/>
+          </a:lnRef>
+          <a:fillRef idx="2">
+            <a:schemeClr val="dk1"/>
+          </a:fillRef>
+          <a:effectRef idx="1">
+            <a:schemeClr val="dk1"/>
+          </a:effectRef>
+          <a:fontRef idx="minor">
+            <a:schemeClr val="dk1"/>
+          </a:fontRef>
+        </p:style>
+        <p:txBody>
+          <a:bodyPr rtlCol="0" anchor="t"/>
+          <a:lstStyle/>
+          <a:p>
+            <a:r>
+              <a:rPr lang="en-US" dirty="0">
+                <a:latin typeface="Abadi" panose="020B0604020104020204" pitchFamily="34" charset="0"/>
+              </a:rPr>
+              <a:t>Ops Systems</a:t>
+            </a:r>
+          </a:p>
+        </p:txBody>
+      </p:sp>
+      <p:pic>
+        <p:nvPicPr>
+          <p:cNvPr id="1044" name="Picture 20" descr="Google BigQuery Icon Logo PNG vector in ...">
+            <a:extLst>
+              <a:ext uri="{FF2B5EF4-FFF2-40B4-BE49-F238E27FC236}">
+                <a16:creationId xmlns:a16="http://schemas.microsoft.com/office/drawing/2014/main" id="{DD5B6AB9-AC91-148A-4AEF-B361459CEACA}"/>
+              </a:ext>
+            </a:extLst>
+          </p:cNvPr>
+          <p:cNvPicPr>
+            <a:picLocks noChangeAspect="1" noChangeArrowheads="1"/>
+          </p:cNvPicPr>
+          <p:nvPr/>
+        </p:nvPicPr>
+        <p:blipFill>
+          <a:blip r:embed="rId7">
+            <a:extLst>
+              <a:ext uri="{28A0092B-C50C-407E-A947-70E740481C1C}">
+                <a14:useLocalDpi xmlns:a14="http://schemas.microsoft.com/office/drawing/2010/main" val="0"/>
+              </a:ext>
+            </a:extLst>
+          </a:blip>
+          <a:srcRect/>
+          <a:stretch>
+            <a:fillRect/>
+          </a:stretch>
+        </p:blipFill>
+        <p:spPr bwMode="auto">
+          <a:xfrm>
+            <a:off x="861103" y="1031825"/>
+            <a:ext cx="732464" cy="548640"/>
+          </a:xfrm>
+          <a:prstGeom prst="rect">
+            <a:avLst/>
+          </a:prstGeom>
+          <a:noFill/>
+          <a:extLst>
+            <a:ext uri="{909E8E84-426E-40DD-AFC4-6F175D3DCCD1}">
+              <a14:hiddenFill xmlns:a14="http://schemas.microsoft.com/office/drawing/2010/main">
+                <a:solidFill>
+                  <a:srgbClr val="FFFFFF"/>
+                </a:solidFill>
+              </a14:hiddenFill>
+            </a:ext>
+          </a:extLst>
+        </p:spPr>
+      </p:pic>
+      <p:pic>
+        <p:nvPicPr>
+          <p:cNvPr id="1046" name="Picture 22" descr="Microsoft Power BI | Logopedia | Fandom">
+            <a:extLst>
+              <a:ext uri="{FF2B5EF4-FFF2-40B4-BE49-F238E27FC236}">
+                <a16:creationId xmlns:a16="http://schemas.microsoft.com/office/drawing/2014/main" id="{26F66226-33FC-0D2B-C8A9-5D6D1D1C9197}"/>
+              </a:ext>
+            </a:extLst>
+          </p:cNvPr>
+          <p:cNvPicPr>
+            <a:picLocks noChangeAspect="1" noChangeArrowheads="1"/>
+          </p:cNvPicPr>
+          <p:nvPr/>
+        </p:nvPicPr>
+        <p:blipFill>
+          <a:blip r:embed="rId8">
+            <a:extLst>
+              <a:ext uri="{28A0092B-C50C-407E-A947-70E740481C1C}">
+                <a14:useLocalDpi xmlns:a14="http://schemas.microsoft.com/office/drawing/2010/main" val="0"/>
+              </a:ext>
+            </a:extLst>
+          </a:blip>
+          <a:srcRect/>
+          <a:stretch>
+            <a:fillRect/>
+          </a:stretch>
+        </p:blipFill>
+        <p:spPr bwMode="auto">
+          <a:xfrm>
+            <a:off x="3679293" y="1031825"/>
+            <a:ext cx="556023" cy="548640"/>
+          </a:xfrm>
+          <a:prstGeom prst="rect">
+            <a:avLst/>
+          </a:prstGeom>
+          <a:noFill/>
+          <a:extLst>
+            <a:ext uri="{909E8E84-426E-40DD-AFC4-6F175D3DCCD1}">
+              <a14:hiddenFill xmlns:a14="http://schemas.microsoft.com/office/drawing/2010/main">
+                <a:solidFill>
+                  <a:srgbClr val="FFFFFF"/>
+                </a:solidFill>
+              </a14:hiddenFill>
+            </a:ext>
+          </a:extLst>
+        </p:spPr>
+      </p:pic>
+      <p:pic>
+        <p:nvPicPr>
+          <p:cNvPr id="1048" name="Picture 24" descr="JupyterHub — JupyterHub 0.9.2 ...">
+            <a:extLst>
+              <a:ext uri="{FF2B5EF4-FFF2-40B4-BE49-F238E27FC236}">
+                <a16:creationId xmlns:a16="http://schemas.microsoft.com/office/drawing/2014/main" id="{8A848DEA-DC31-B10B-541C-244ADD1475BE}"/>
+              </a:ext>
+            </a:extLst>
+          </p:cNvPr>
+          <p:cNvPicPr>
+            <a:picLocks noChangeAspect="1" noChangeArrowheads="1"/>
+          </p:cNvPicPr>
+          <p:nvPr/>
+        </p:nvPicPr>
+        <p:blipFill>
+          <a:blip r:embed="rId9">
+            <a:extLst>
+              <a:ext uri="{28A0092B-C50C-407E-A947-70E740481C1C}">
+                <a14:useLocalDpi xmlns:a14="http://schemas.microsoft.com/office/drawing/2010/main" val="0"/>
+              </a:ext>
+            </a:extLst>
+          </a:blip>
+          <a:srcRect/>
+          <a:stretch>
+            <a:fillRect/>
+          </a:stretch>
+        </p:blipFill>
+        <p:spPr bwMode="auto">
+          <a:xfrm>
+            <a:off x="6503651" y="1055466"/>
+            <a:ext cx="615927" cy="548640"/>
+          </a:xfrm>
+          <a:prstGeom prst="rect">
+            <a:avLst/>
+          </a:prstGeom>
+          <a:noFill/>
+          <a:extLst>
+            <a:ext uri="{909E8E84-426E-40DD-AFC4-6F175D3DCCD1}">
+              <a14:hiddenFill xmlns:a14="http://schemas.microsoft.com/office/drawing/2010/main">
+                <a:solidFill>
+                  <a:srgbClr val="FFFFFF"/>
+                </a:solidFill>
+              </a14:hiddenFill>
+            </a:ext>
+          </a:extLst>
+        </p:spPr>
+      </p:pic>
+      <p:pic>
+        <p:nvPicPr>
+          <p:cNvPr id="22" name="Picture 21">
+            <a:extLst>
+              <a:ext uri="{FF2B5EF4-FFF2-40B4-BE49-F238E27FC236}">
+                <a16:creationId xmlns:a16="http://schemas.microsoft.com/office/drawing/2014/main" id="{16D9896B-55B5-6209-321A-15928B2303EB}"/>
+              </a:ext>
+            </a:extLst>
+          </p:cNvPr>
+          <p:cNvPicPr>
+            <a:picLocks noChangeAspect="1"/>
+          </p:cNvPicPr>
+          <p:nvPr/>
+        </p:nvPicPr>
+        <p:blipFill>
+          <a:blip r:embed="rId10"/>
+          <a:srcRect l="22554" r="22435"/>
+          <a:stretch/>
+        </p:blipFill>
+        <p:spPr>
+          <a:xfrm>
+            <a:off x="9330637" y="1031825"/>
+            <a:ext cx="538953" cy="548640"/>
+          </a:xfrm>
+          <a:prstGeom prst="rect">
+            <a:avLst/>
+          </a:prstGeom>
+        </p:spPr>
+      </p:pic>
+      <p:pic>
+        <p:nvPicPr>
+          <p:cNvPr id="1050" name="Picture 26" descr="Atlassian logo thumbnail transparent ...">
+            <a:extLst>
+              <a:ext uri="{FF2B5EF4-FFF2-40B4-BE49-F238E27FC236}">
+                <a16:creationId xmlns:a16="http://schemas.microsoft.com/office/drawing/2014/main" id="{4E79325F-A63C-0502-F46A-27C8AE2199F9}"/>
+              </a:ext>
+            </a:extLst>
+          </p:cNvPr>
+          <p:cNvPicPr>
+            <a:picLocks noChangeAspect="1" noChangeArrowheads="1"/>
+          </p:cNvPicPr>
+          <p:nvPr/>
+        </p:nvPicPr>
+        <p:blipFill rotWithShape="1">
+          <a:blip r:embed="rId11">
+            <a:extLst>
+              <a:ext uri="{28A0092B-C50C-407E-A947-70E740481C1C}">
+                <a14:useLocalDpi xmlns:a14="http://schemas.microsoft.com/office/drawing/2010/main" val="0"/>
+              </a:ext>
+            </a:extLst>
+          </a:blip>
+          <a:srcRect l="16040" t="18503" r="14446" b="12028"/>
+          <a:stretch/>
+        </p:blipFill>
+        <p:spPr bwMode="auto">
+          <a:xfrm>
+            <a:off x="9894621" y="1031825"/>
+            <a:ext cx="548987" cy="548640"/>
+          </a:xfrm>
+          <a:prstGeom prst="rect">
+            <a:avLst/>
+          </a:prstGeom>
+          <a:noFill/>
+          <a:extLst>
+            <a:ext uri="{909E8E84-426E-40DD-AFC4-6F175D3DCCD1}">
+              <a14:hiddenFill xmlns:a14="http://schemas.microsoft.com/office/drawing/2010/main">
+                <a:solidFill>
+                  <a:srgbClr val="FFFFFF"/>
+                </a:solidFill>
+              </a14:hiddenFill>
+            </a:ext>
+          </a:extLst>
+        </p:spPr>
+      </p:pic>
+      <p:pic>
+        <p:nvPicPr>
+          <p:cNvPr id="1052" name="Picture 28" descr="Amazon SageMaker Autopilot ...">
+            <a:extLst>
+              <a:ext uri="{FF2B5EF4-FFF2-40B4-BE49-F238E27FC236}">
+                <a16:creationId xmlns:a16="http://schemas.microsoft.com/office/drawing/2014/main" id="{F8A73487-3AB3-3205-DE85-1AA2A5BB6E7C}"/>
+              </a:ext>
+            </a:extLst>
+          </p:cNvPr>
+          <p:cNvPicPr>
+            <a:picLocks noChangeAspect="1" noChangeArrowheads="1"/>
+          </p:cNvPicPr>
+          <p:nvPr/>
+        </p:nvPicPr>
+        <p:blipFill>
+          <a:blip r:embed="rId12">
+            <a:extLst>
+              <a:ext uri="{28A0092B-C50C-407E-A947-70E740481C1C}">
+                <a14:useLocalDpi xmlns:a14="http://schemas.microsoft.com/office/drawing/2010/main" val="0"/>
+              </a:ext>
+            </a:extLst>
+          </a:blip>
+          <a:srcRect/>
+          <a:stretch>
+            <a:fillRect/>
+          </a:stretch>
+        </p:blipFill>
+        <p:spPr bwMode="auto">
+          <a:xfrm>
+            <a:off x="7186227" y="1055466"/>
+            <a:ext cx="548640" cy="548640"/>
+          </a:xfrm>
+          <a:prstGeom prst="rect">
+            <a:avLst/>
+          </a:prstGeom>
+          <a:noFill/>
+          <a:extLst>
+            <a:ext uri="{909E8E84-426E-40DD-AFC4-6F175D3DCCD1}">
+              <a14:hiddenFill xmlns:a14="http://schemas.microsoft.com/office/drawing/2010/main">
+                <a:solidFill>
+                  <a:srgbClr val="FFFFFF"/>
+                </a:solidFill>
+              </a14:hiddenFill>
+            </a:ext>
+          </a:extLst>
+        </p:spPr>
+      </p:pic>
+      <p:pic>
+        <p:nvPicPr>
+          <p:cNvPr id="1054" name="Picture 30" descr="Kubeflow">
+            <a:extLst>
+              <a:ext uri="{FF2B5EF4-FFF2-40B4-BE49-F238E27FC236}">
+                <a16:creationId xmlns:a16="http://schemas.microsoft.com/office/drawing/2014/main" id="{E6E79DD2-2F51-7EB4-4086-F3A69B5A8EEE}"/>
+              </a:ext>
+            </a:extLst>
+          </p:cNvPr>
+          <p:cNvPicPr>
+            <a:picLocks noChangeAspect="1" noChangeArrowheads="1"/>
+          </p:cNvPicPr>
+          <p:nvPr/>
+        </p:nvPicPr>
+        <p:blipFill>
+          <a:blip r:embed="rId13">
+            <a:extLst>
+              <a:ext uri="{28A0092B-C50C-407E-A947-70E740481C1C}">
+                <a14:useLocalDpi xmlns:a14="http://schemas.microsoft.com/office/drawing/2010/main" val="0"/>
+              </a:ext>
+            </a:extLst>
+          </a:blip>
+          <a:srcRect/>
+          <a:stretch>
+            <a:fillRect/>
+          </a:stretch>
+        </p:blipFill>
+        <p:spPr bwMode="auto">
+          <a:xfrm>
+            <a:off x="7786621" y="1055466"/>
+            <a:ext cx="548640" cy="548640"/>
+          </a:xfrm>
+          <a:prstGeom prst="rect">
+            <a:avLst/>
+          </a:prstGeom>
+          <a:noFill/>
+          <a:extLst>
+            <a:ext uri="{909E8E84-426E-40DD-AFC4-6F175D3DCCD1}">
+              <a14:hiddenFill xmlns:a14="http://schemas.microsoft.com/office/drawing/2010/main">
+                <a:solidFill>
+                  <a:srgbClr val="FFFFFF"/>
+                </a:solidFill>
+              </a14:hiddenFill>
+            </a:ext>
+          </a:extLst>
+        </p:spPr>
+      </p:pic>
+      <p:pic>
+        <p:nvPicPr>
+          <p:cNvPr id="1056" name="Picture 32" descr="Tableau desktop icon - ukrainewalker">
+            <a:extLst>
+              <a:ext uri="{FF2B5EF4-FFF2-40B4-BE49-F238E27FC236}">
+                <a16:creationId xmlns:a16="http://schemas.microsoft.com/office/drawing/2014/main" id="{E128674D-B56A-70ED-3A1F-1D47B2390264}"/>
+              </a:ext>
+            </a:extLst>
+          </p:cNvPr>
+          <p:cNvPicPr>
+            <a:picLocks noChangeAspect="1" noChangeArrowheads="1"/>
+          </p:cNvPicPr>
+          <p:nvPr/>
+        </p:nvPicPr>
+        <p:blipFill rotWithShape="1">
+          <a:blip r:embed="rId14">
+            <a:extLst>
+              <a:ext uri="{28A0092B-C50C-407E-A947-70E740481C1C}">
+                <a14:useLocalDpi xmlns:a14="http://schemas.microsoft.com/office/drawing/2010/main" val="0"/>
+              </a:ext>
+            </a:extLst>
+          </a:blip>
+          <a:srcRect l="23273" r="20997"/>
+          <a:stretch/>
+        </p:blipFill>
+        <p:spPr bwMode="auto">
+          <a:xfrm>
+            <a:off x="4316893" y="1031825"/>
+            <a:ext cx="545997" cy="548640"/>
+          </a:xfrm>
+          <a:prstGeom prst="rect">
+            <a:avLst/>
+          </a:prstGeom>
+          <a:noFill/>
+          <a:extLst>
+            <a:ext uri="{909E8E84-426E-40DD-AFC4-6F175D3DCCD1}">
+              <a14:hiddenFill xmlns:a14="http://schemas.microsoft.com/office/drawing/2010/main">
+                <a:solidFill>
+                  <a:srgbClr val="FFFFFF"/>
+                </a:solidFill>
+              </a14:hiddenFill>
+            </a:ext>
+          </a:extLst>
+        </p:spPr>
+      </p:pic>
+      <p:pic>
+        <p:nvPicPr>
+          <p:cNvPr id="1058" name="Picture 34" descr="Alumio | The leader in SOAP integrations">
+            <a:extLst>
+              <a:ext uri="{FF2B5EF4-FFF2-40B4-BE49-F238E27FC236}">
+                <a16:creationId xmlns:a16="http://schemas.microsoft.com/office/drawing/2014/main" id="{94BADD5A-B37D-CEEF-4817-49200B4E5CEC}"/>
+              </a:ext>
+            </a:extLst>
+          </p:cNvPr>
+          <p:cNvPicPr>
+            <a:picLocks noChangeAspect="1" noChangeArrowheads="1"/>
+          </p:cNvPicPr>
+          <p:nvPr/>
+        </p:nvPicPr>
+        <p:blipFill rotWithShape="1">
+          <a:blip r:embed="rId15">
+            <a:extLst>
+              <a:ext uri="{28A0092B-C50C-407E-A947-70E740481C1C}">
+                <a14:useLocalDpi xmlns:a14="http://schemas.microsoft.com/office/drawing/2010/main" val="0"/>
+              </a:ext>
+            </a:extLst>
+          </a:blip>
+          <a:srcRect l="26336" t="11242" r="26087" b="10799"/>
+          <a:stretch/>
+        </p:blipFill>
+        <p:spPr bwMode="auto">
+          <a:xfrm>
+            <a:off x="10471999" y="5727918"/>
+            <a:ext cx="592391" cy="548640"/>
+          </a:xfrm>
+          <a:prstGeom prst="rect">
+            <a:avLst/>
+          </a:prstGeom>
+          <a:noFill/>
+          <a:extLst>
+            <a:ext uri="{909E8E84-426E-40DD-AFC4-6F175D3DCCD1}">
+              <a14:hiddenFill xmlns:a14="http://schemas.microsoft.com/office/drawing/2010/main">
+                <a:solidFill>
+                  <a:srgbClr val="FFFFFF"/>
+                </a:solidFill>
+              </a14:hiddenFill>
+            </a:ext>
+          </a:extLst>
+        </p:spPr>
+      </p:pic>
+      <p:pic>
+        <p:nvPicPr>
+          <p:cNvPr id="1060" name="Picture 36" descr="gRPC Logo PNG Vector (SVG) Free Download">
+            <a:extLst>
+              <a:ext uri="{FF2B5EF4-FFF2-40B4-BE49-F238E27FC236}">
+                <a16:creationId xmlns:a16="http://schemas.microsoft.com/office/drawing/2014/main" id="{81EFD844-3AB2-D7F4-1192-CA95EBCFABFF}"/>
+              </a:ext>
+            </a:extLst>
+          </p:cNvPr>
+          <p:cNvPicPr>
+            <a:picLocks noChangeAspect="1" noChangeArrowheads="1"/>
+          </p:cNvPicPr>
+          <p:nvPr/>
+        </p:nvPicPr>
+        <p:blipFill>
+          <a:blip r:embed="rId16">
+            <a:extLst>
+              <a:ext uri="{28A0092B-C50C-407E-A947-70E740481C1C}">
+                <a14:useLocalDpi xmlns:a14="http://schemas.microsoft.com/office/drawing/2010/main" val="0"/>
+              </a:ext>
+            </a:extLst>
+          </a:blip>
+          <a:srcRect/>
+          <a:stretch>
+            <a:fillRect/>
+          </a:stretch>
+        </p:blipFill>
+        <p:spPr bwMode="auto">
+          <a:xfrm>
+            <a:off x="2787122" y="5748456"/>
+            <a:ext cx="548640" cy="548640"/>
+          </a:xfrm>
+          <a:prstGeom prst="rect">
+            <a:avLst/>
+          </a:prstGeom>
+          <a:noFill/>
+          <a:extLst>
+            <a:ext uri="{909E8E84-426E-40DD-AFC4-6F175D3DCCD1}">
+              <a14:hiddenFill xmlns:a14="http://schemas.microsoft.com/office/drawing/2010/main">
+                <a:solidFill>
+                  <a:srgbClr val="FFFFFF"/>
+                </a:solidFill>
+              </a14:hiddenFill>
+            </a:ext>
+          </a:extLst>
+        </p:spPr>
+      </p:pic>
+      <p:pic>
+        <p:nvPicPr>
+          <p:cNvPr id="1062" name="Picture 38">
+            <a:extLst>
+              <a:ext uri="{FF2B5EF4-FFF2-40B4-BE49-F238E27FC236}">
+                <a16:creationId xmlns:a16="http://schemas.microsoft.com/office/drawing/2014/main" id="{AC696F53-C0C7-838D-6EF2-33DC07E2CC33}"/>
+              </a:ext>
+            </a:extLst>
+          </p:cNvPr>
+          <p:cNvPicPr>
+            <a:picLocks noChangeAspect="1" noChangeArrowheads="1"/>
+          </p:cNvPicPr>
+          <p:nvPr/>
+        </p:nvPicPr>
+        <p:blipFill>
+          <a:blip r:embed="rId17">
+            <a:extLst>
+              <a:ext uri="{28A0092B-C50C-407E-A947-70E740481C1C}">
+                <a14:useLocalDpi xmlns:a14="http://schemas.microsoft.com/office/drawing/2010/main" val="0"/>
+              </a:ext>
+            </a:extLst>
+          </a:blip>
+          <a:srcRect/>
+          <a:stretch>
+            <a:fillRect/>
+          </a:stretch>
+        </p:blipFill>
+        <p:spPr bwMode="auto">
+          <a:xfrm>
+            <a:off x="8148574" y="5754909"/>
+            <a:ext cx="548640" cy="548640"/>
+          </a:xfrm>
+          <a:prstGeom prst="rect">
+            <a:avLst/>
+          </a:prstGeom>
+          <a:noFill/>
+          <a:extLst>
+            <a:ext uri="{909E8E84-426E-40DD-AFC4-6F175D3DCCD1}">
+              <a14:hiddenFill xmlns:a14="http://schemas.microsoft.com/office/drawing/2010/main">
+                <a:solidFill>
+                  <a:srgbClr val="FFFFFF"/>
+                </a:solidFill>
+              </a14:hiddenFill>
+            </a:ext>
+          </a:extLst>
+        </p:spPr>
+      </p:pic>
+      <p:pic>
+        <p:nvPicPr>
+          <p:cNvPr id="1064" name="Picture 40" descr="Green excel 3 icon - Free green office ...">
+            <a:extLst>
+              <a:ext uri="{FF2B5EF4-FFF2-40B4-BE49-F238E27FC236}">
+                <a16:creationId xmlns:a16="http://schemas.microsoft.com/office/drawing/2014/main" id="{F3CF87C5-5230-26F8-616D-AE208CA166AA}"/>
+              </a:ext>
+            </a:extLst>
+          </p:cNvPr>
+          <p:cNvPicPr>
+            <a:picLocks noChangeAspect="1" noChangeArrowheads="1"/>
+          </p:cNvPicPr>
+          <p:nvPr/>
+        </p:nvPicPr>
+        <p:blipFill>
+          <a:blip r:embed="rId18">
+            <a:extLst>
+              <a:ext uri="{28A0092B-C50C-407E-A947-70E740481C1C}">
+                <a14:useLocalDpi xmlns:a14="http://schemas.microsoft.com/office/drawing/2010/main" val="0"/>
+              </a:ext>
+            </a:extLst>
+          </a:blip>
+          <a:srcRect/>
+          <a:stretch>
+            <a:fillRect/>
+          </a:stretch>
+        </p:blipFill>
+        <p:spPr bwMode="auto">
+          <a:xfrm>
+            <a:off x="3452598" y="5748232"/>
+            <a:ext cx="548640" cy="548640"/>
+          </a:xfrm>
+          <a:prstGeom prst="rect">
+            <a:avLst/>
+          </a:prstGeom>
+          <a:noFill/>
+          <a:extLst>
+            <a:ext uri="{909E8E84-426E-40DD-AFC4-6F175D3DCCD1}">
+              <a14:hiddenFill xmlns:a14="http://schemas.microsoft.com/office/drawing/2010/main">
+                <a:solidFill>
+                  <a:srgbClr val="FFFFFF"/>
+                </a:solidFill>
+              </a14:hiddenFill>
+            </a:ext>
+          </a:extLst>
+        </p:spPr>
+      </p:pic>
+      <p:pic>
+        <p:nvPicPr>
+          <p:cNvPr id="1066" name="Picture 42" descr="Google Cloud Storage Logo in SVG Vector ...">
+            <a:extLst>
+              <a:ext uri="{FF2B5EF4-FFF2-40B4-BE49-F238E27FC236}">
+                <a16:creationId xmlns:a16="http://schemas.microsoft.com/office/drawing/2014/main" id="{21500E12-6A1A-32AE-7F5A-F5AA7961F9CE}"/>
+              </a:ext>
+            </a:extLst>
+          </p:cNvPr>
+          <p:cNvPicPr>
+            <a:picLocks noChangeAspect="1" noChangeArrowheads="1"/>
+          </p:cNvPicPr>
+          <p:nvPr/>
+        </p:nvPicPr>
+        <p:blipFill rotWithShape="1">
+          <a:blip r:embed="rId19">
+            <a:extLst>
+              <a:ext uri="{28A0092B-C50C-407E-A947-70E740481C1C}">
+                <a14:useLocalDpi xmlns:a14="http://schemas.microsoft.com/office/drawing/2010/main" val="0"/>
+              </a:ext>
+            </a:extLst>
+          </a:blip>
+          <a:srcRect l="23091" t="6831" r="20546" b="8057"/>
+          <a:stretch/>
+        </p:blipFill>
+        <p:spPr bwMode="auto">
+          <a:xfrm>
+            <a:off x="5813202" y="5753005"/>
+            <a:ext cx="545979" cy="548640"/>
+          </a:xfrm>
+          <a:prstGeom prst="rect">
+            <a:avLst/>
+          </a:prstGeom>
+          <a:noFill/>
+          <a:extLst>
+            <a:ext uri="{909E8E84-426E-40DD-AFC4-6F175D3DCCD1}">
+              <a14:hiddenFill xmlns:a14="http://schemas.microsoft.com/office/drawing/2010/main">
+                <a:solidFill>
+                  <a:srgbClr val="FFFFFF"/>
+                </a:solidFill>
+              </a14:hiddenFill>
+            </a:ext>
+          </a:extLst>
+        </p:spPr>
+      </p:pic>
+      <p:pic>
+        <p:nvPicPr>
+          <p:cNvPr id="1068" name="Picture 44" descr="Snowflake Logo &amp; Brand Assets (SVG, PNG ...">
+            <a:extLst>
+              <a:ext uri="{FF2B5EF4-FFF2-40B4-BE49-F238E27FC236}">
+                <a16:creationId xmlns:a16="http://schemas.microsoft.com/office/drawing/2014/main" id="{2305EB65-EF6D-A356-63F5-AA0FD78AC46E}"/>
+              </a:ext>
+            </a:extLst>
+          </p:cNvPr>
+          <p:cNvPicPr>
+            <a:picLocks noChangeAspect="1" noChangeArrowheads="1"/>
+          </p:cNvPicPr>
+          <p:nvPr/>
+        </p:nvPicPr>
+        <p:blipFill>
+          <a:blip r:embed="rId20">
+            <a:extLst>
+              <a:ext uri="{28A0092B-C50C-407E-A947-70E740481C1C}">
+                <a14:useLocalDpi xmlns:a14="http://schemas.microsoft.com/office/drawing/2010/main" val="0"/>
+              </a:ext>
+            </a:extLst>
+          </a:blip>
+          <a:srcRect/>
+          <a:stretch>
+            <a:fillRect/>
+          </a:stretch>
+        </p:blipFill>
+        <p:spPr bwMode="auto">
+          <a:xfrm>
+            <a:off x="1675144" y="1031825"/>
+            <a:ext cx="548640" cy="548640"/>
+          </a:xfrm>
+          <a:prstGeom prst="rect">
+            <a:avLst/>
+          </a:prstGeom>
+          <a:noFill/>
+          <a:extLst>
+            <a:ext uri="{909E8E84-426E-40DD-AFC4-6F175D3DCCD1}">
+              <a14:hiddenFill xmlns:a14="http://schemas.microsoft.com/office/drawing/2010/main">
+                <a:solidFill>
+                  <a:srgbClr val="FFFFFF"/>
+                </a:solidFill>
+              </a14:hiddenFill>
+            </a:ext>
+          </a:extLst>
+        </p:spPr>
+      </p:pic>
+      <p:grpSp>
+        <p:nvGrpSpPr>
+          <p:cNvPr id="29" name="Group 28">
+            <a:extLst>
+              <a:ext uri="{FF2B5EF4-FFF2-40B4-BE49-F238E27FC236}">
+                <a16:creationId xmlns:a16="http://schemas.microsoft.com/office/drawing/2014/main" id="{721E50C8-281B-E25F-9630-5F78065CC073}"/>
+              </a:ext>
+            </a:extLst>
+          </p:cNvPr>
+          <p:cNvGrpSpPr/>
+          <p:nvPr/>
+        </p:nvGrpSpPr>
+        <p:grpSpPr>
+          <a:xfrm>
+            <a:off x="1270163" y="2206074"/>
+            <a:ext cx="9651674" cy="2028717"/>
+            <a:chOff x="705535" y="2206074"/>
+            <a:chExt cx="9651674" cy="2028717"/>
+          </a:xfrm>
+        </p:grpSpPr>
+        <p:sp>
+          <p:nvSpPr>
+            <p:cNvPr id="14" name="Rectangle: Rounded Corners 13">
+              <a:extLst>
+                <a:ext uri="{FF2B5EF4-FFF2-40B4-BE49-F238E27FC236}">
+                  <a16:creationId xmlns:a16="http://schemas.microsoft.com/office/drawing/2014/main" id="{07C5B0C8-70F2-B384-3385-CF9F33E101B5}"/>
+                </a:ext>
+              </a:extLst>
+            </p:cNvPr>
+            <p:cNvSpPr/>
+            <p:nvPr/>
+          </p:nvSpPr>
+          <p:spPr>
+            <a:xfrm>
+              <a:off x="2650093" y="2206074"/>
+              <a:ext cx="7707116" cy="2028717"/>
+            </a:xfrm>
+            <a:prstGeom prst="roundRect">
+              <a:avLst>
+                <a:gd name="adj" fmla="val 8824"/>
+              </a:avLst>
+            </a:prstGeom>
+            <a:solidFill>
+              <a:schemeClr val="accent2"/>
+            </a:solidFill>
+          </p:spPr>
+          <p:style>
+            <a:lnRef idx="1">
+              <a:schemeClr val="dk1"/>
+            </a:lnRef>
+            <a:fillRef idx="2">
+              <a:schemeClr val="dk1"/>
+            </a:fillRef>
+            <a:effectRef idx="1">
+              <a:schemeClr val="dk1"/>
+            </a:effectRef>
+            <a:fontRef idx="minor">
+              <a:schemeClr val="dk1"/>
+            </a:fontRef>
+          </p:style>
+          <p:txBody>
+            <a:bodyPr rtlCol="0" anchor="t"/>
+            <a:lstStyle/>
+            <a:p>
+              <a:r>
+                <a:rPr lang="en-US" dirty="0" err="1">
+                  <a:latin typeface="Abadi" panose="020B0604020104020204" pitchFamily="34" charset="0"/>
+                </a:rPr>
+                <a:t>NewCo</a:t>
+              </a:r>
+              <a:r>
+                <a:rPr lang="en-US" dirty="0">
+                  <a:latin typeface="Abadi" panose="020B0604020104020204" pitchFamily="34" charset="0"/>
+                </a:rPr>
+                <a:t> Solution</a:t>
+              </a:r>
+            </a:p>
+          </p:txBody>
+        </p:sp>
+        <p:pic>
+          <p:nvPicPr>
+            <p:cNvPr id="1038" name="Picture 14" descr="Airflow Operators Worth Knowing | by ...">
+              <a:extLst>
+                <a:ext uri="{FF2B5EF4-FFF2-40B4-BE49-F238E27FC236}">
+                  <a16:creationId xmlns:a16="http://schemas.microsoft.com/office/drawing/2014/main" id="{D170609E-82FD-AAED-65EE-431D61C3BE39}"/>
+                </a:ext>
+              </a:extLst>
+            </p:cNvPr>
+            <p:cNvPicPr>
+              <a:picLocks noChangeAspect="1" noChangeArrowheads="1"/>
+            </p:cNvPicPr>
+            <p:nvPr/>
+          </p:nvPicPr>
+          <p:blipFill>
+            <a:blip r:embed="rId21">
+              <a:extLst>
+                <a:ext uri="{28A0092B-C50C-407E-A947-70E740481C1C}">
+                  <a14:useLocalDpi xmlns:a14="http://schemas.microsoft.com/office/drawing/2010/main" val="0"/>
+                </a:ext>
+              </a:extLst>
+            </a:blip>
+            <a:srcRect/>
+            <a:stretch>
+              <a:fillRect/>
+            </a:stretch>
+          </p:blipFill>
+          <p:spPr bwMode="auto">
+            <a:xfrm>
+              <a:off x="3991843" y="2645892"/>
+              <a:ext cx="914400" cy="914400"/>
+            </a:xfrm>
+            <a:prstGeom prst="rect">
+              <a:avLst/>
+            </a:prstGeom>
+            <a:noFill/>
+            <a:extLst>
+              <a:ext uri="{909E8E84-426E-40DD-AFC4-6F175D3DCCD1}">
+                <a14:hiddenFill xmlns:a14="http://schemas.microsoft.com/office/drawing/2010/main">
+                  <a:solidFill>
+                    <a:srgbClr val="FFFFFF"/>
+                  </a:solidFill>
+                </a14:hiddenFill>
+              </a:ext>
+            </a:extLst>
+          </p:spPr>
+        </p:pic>
+        <p:pic>
+          <p:nvPicPr>
+            <p:cNvPr id="1040" name="Picture 16" descr="Kestra · GitHub">
+              <a:extLst>
+                <a:ext uri="{FF2B5EF4-FFF2-40B4-BE49-F238E27FC236}">
+                  <a16:creationId xmlns:a16="http://schemas.microsoft.com/office/drawing/2014/main" id="{C71C374C-A875-7558-6637-A6695D679034}"/>
+                </a:ext>
+              </a:extLst>
+            </p:cNvPr>
+            <p:cNvPicPr>
+              <a:picLocks noChangeAspect="1" noChangeArrowheads="1"/>
+            </p:cNvPicPr>
+            <p:nvPr/>
+          </p:nvPicPr>
+          <p:blipFill>
+            <a:blip r:embed="rId22">
+              <a:extLst>
+                <a:ext uri="{28A0092B-C50C-407E-A947-70E740481C1C}">
+                  <a14:useLocalDpi xmlns:a14="http://schemas.microsoft.com/office/drawing/2010/main" val="0"/>
+                </a:ext>
+              </a:extLst>
+            </a:blip>
+            <a:srcRect/>
+            <a:stretch>
+              <a:fillRect/>
+            </a:stretch>
+          </p:blipFill>
+          <p:spPr bwMode="auto">
+            <a:xfrm>
+              <a:off x="2888826" y="2645892"/>
+              <a:ext cx="914400" cy="914400"/>
+            </a:xfrm>
+            <a:prstGeom prst="rect">
+              <a:avLst/>
+            </a:prstGeom>
+            <a:noFill/>
+            <a:extLst>
+              <a:ext uri="{909E8E84-426E-40DD-AFC4-6F175D3DCCD1}">
+                <a14:hiddenFill xmlns:a14="http://schemas.microsoft.com/office/drawing/2010/main">
+                  <a:solidFill>
+                    <a:srgbClr val="FFFFFF"/>
+                  </a:solidFill>
+                </a14:hiddenFill>
+              </a:ext>
+            </a:extLst>
+          </p:spPr>
+        </p:pic>
+        <p:sp>
+          <p:nvSpPr>
+            <p:cNvPr id="25" name="Rectangle: Rounded Corners 24">
+              <a:extLst>
+                <a:ext uri="{FF2B5EF4-FFF2-40B4-BE49-F238E27FC236}">
+                  <a16:creationId xmlns:a16="http://schemas.microsoft.com/office/drawing/2014/main" id="{2C77A717-9878-0ABD-163B-8FDE540A3C50}"/>
+                </a:ext>
+              </a:extLst>
+            </p:cNvPr>
+            <p:cNvSpPr/>
+            <p:nvPr/>
+          </p:nvSpPr>
+          <p:spPr>
+            <a:xfrm>
+              <a:off x="705535" y="2206074"/>
+              <a:ext cx="1755941" cy="2028717"/>
+            </a:xfrm>
+            <a:prstGeom prst="roundRect">
+              <a:avLst>
+                <a:gd name="adj" fmla="val 8824"/>
+              </a:avLst>
+            </a:prstGeom>
+          </p:spPr>
+          <p:style>
+            <a:lnRef idx="1">
+              <a:schemeClr val="dk1"/>
+            </a:lnRef>
+            <a:fillRef idx="2">
+              <a:schemeClr val="dk1"/>
+            </a:fillRef>
+            <a:effectRef idx="1">
+              <a:schemeClr val="dk1"/>
+            </a:effectRef>
+            <a:fontRef idx="minor">
+              <a:schemeClr val="dk1"/>
+            </a:fontRef>
+          </p:style>
+          <p:txBody>
+            <a:bodyPr rtlCol="0" anchor="t"/>
+            <a:lstStyle/>
+            <a:p>
+              <a:r>
+                <a:rPr lang="en-US" dirty="0">
+                  <a:latin typeface="Abadi" panose="020B0604020104020204" pitchFamily="34" charset="0"/>
+                </a:rPr>
+                <a:t>Cyber Tools</a:t>
+              </a:r>
+            </a:p>
+          </p:txBody>
+        </p:sp>
+        <p:pic>
+          <p:nvPicPr>
+            <p:cNvPr id="1070" name="Picture 46" descr="Rapid7 Logo &amp; Brand Assets (SVG, PNG ...">
+              <a:extLst>
+                <a:ext uri="{FF2B5EF4-FFF2-40B4-BE49-F238E27FC236}">
+                  <a16:creationId xmlns:a16="http://schemas.microsoft.com/office/drawing/2014/main" id="{45352A19-18BF-4CBC-F113-7E56AA43CF3D}"/>
+                </a:ext>
+              </a:extLst>
+            </p:cNvPr>
+            <p:cNvPicPr>
+              <a:picLocks noChangeAspect="1" noChangeArrowheads="1"/>
+            </p:cNvPicPr>
+            <p:nvPr/>
+          </p:nvPicPr>
+          <p:blipFill>
+            <a:blip r:embed="rId23">
+              <a:extLst>
+                <a:ext uri="{28A0092B-C50C-407E-A947-70E740481C1C}">
+                  <a14:useLocalDpi xmlns:a14="http://schemas.microsoft.com/office/drawing/2010/main" val="0"/>
+                </a:ext>
+              </a:extLst>
+            </a:blip>
+            <a:srcRect/>
+            <a:stretch>
+              <a:fillRect/>
+            </a:stretch>
+          </p:blipFill>
+          <p:spPr bwMode="auto">
+            <a:xfrm>
+              <a:off x="802038" y="3572373"/>
+              <a:ext cx="712953" cy="548640"/>
+            </a:xfrm>
+            <a:prstGeom prst="rect">
+              <a:avLst/>
+            </a:prstGeom>
+            <a:noFill/>
+            <a:extLst>
+              <a:ext uri="{909E8E84-426E-40DD-AFC4-6F175D3DCCD1}">
+                <a14:hiddenFill xmlns:a14="http://schemas.microsoft.com/office/drawing/2010/main">
+                  <a:solidFill>
+                    <a:srgbClr val="FFFFFF"/>
+                  </a:solidFill>
+                </a14:hiddenFill>
+              </a:ext>
+            </a:extLst>
+          </p:spPr>
+        </p:pic>
+        <p:pic>
+          <p:nvPicPr>
+            <p:cNvPr id="1072" name="Picture 48">
+              <a:extLst>
+                <a:ext uri="{FF2B5EF4-FFF2-40B4-BE49-F238E27FC236}">
+                  <a16:creationId xmlns:a16="http://schemas.microsoft.com/office/drawing/2014/main" id="{FC84DDBE-3F56-26AF-D0B6-62FE191F3A49}"/>
+                </a:ext>
+              </a:extLst>
+            </p:cNvPr>
+            <p:cNvPicPr>
+              <a:picLocks noChangeAspect="1" noChangeArrowheads="1"/>
+            </p:cNvPicPr>
+            <p:nvPr/>
+          </p:nvPicPr>
+          <p:blipFill>
+            <a:blip r:embed="rId24">
+              <a:extLst>
+                <a:ext uri="{28A0092B-C50C-407E-A947-70E740481C1C}">
+                  <a14:useLocalDpi xmlns:a14="http://schemas.microsoft.com/office/drawing/2010/main" val="0"/>
+                </a:ext>
+              </a:extLst>
+            </a:blip>
+            <a:srcRect/>
+            <a:stretch/>
+          </p:blipFill>
+          <p:spPr bwMode="auto">
+            <a:xfrm>
+              <a:off x="802038" y="2946112"/>
+              <a:ext cx="703020" cy="548640"/>
+            </a:xfrm>
+            <a:prstGeom prst="rect">
+              <a:avLst/>
+            </a:prstGeom>
+            <a:noFill/>
+            <a:extLst>
+              <a:ext uri="{909E8E84-426E-40DD-AFC4-6F175D3DCCD1}">
+                <a14:hiddenFill xmlns:a14="http://schemas.microsoft.com/office/drawing/2010/main">
+                  <a:solidFill>
+                    <a:srgbClr val="FFFFFF"/>
+                  </a:solidFill>
+                </a14:hiddenFill>
+              </a:ext>
+            </a:extLst>
+          </p:spPr>
+        </p:pic>
+        <p:pic>
+          <p:nvPicPr>
+            <p:cNvPr id="27" name="Picture 26">
+              <a:extLst>
+                <a:ext uri="{FF2B5EF4-FFF2-40B4-BE49-F238E27FC236}">
+                  <a16:creationId xmlns:a16="http://schemas.microsoft.com/office/drawing/2014/main" id="{DDE7463D-FA3F-E939-D629-0B2A97F93B8F}"/>
+                </a:ext>
+              </a:extLst>
+            </p:cNvPr>
+            <p:cNvPicPr>
+              <a:picLocks noChangeAspect="1"/>
+            </p:cNvPicPr>
+            <p:nvPr/>
+          </p:nvPicPr>
+          <p:blipFill>
+            <a:blip r:embed="rId25"/>
+            <a:stretch>
+              <a:fillRect/>
+            </a:stretch>
+          </p:blipFill>
+          <p:spPr>
+            <a:xfrm>
+              <a:off x="1558810" y="2946112"/>
+              <a:ext cx="548640" cy="548640"/>
+            </a:xfrm>
+            <a:prstGeom prst="rect">
+              <a:avLst/>
+            </a:prstGeom>
+          </p:spPr>
+        </p:pic>
+        <p:pic>
+          <p:nvPicPr>
+            <p:cNvPr id="1074" name="Picture 50" descr="Advanced Security dashboard Widgets ...">
+              <a:extLst>
+                <a:ext uri="{FF2B5EF4-FFF2-40B4-BE49-F238E27FC236}">
+                  <a16:creationId xmlns:a16="http://schemas.microsoft.com/office/drawing/2014/main" id="{26DA985D-E895-458A-ACA6-16A77DAA747C}"/>
+                </a:ext>
+              </a:extLst>
+            </p:cNvPr>
+            <p:cNvPicPr>
+              <a:picLocks noChangeAspect="1" noChangeArrowheads="1"/>
+            </p:cNvPicPr>
+            <p:nvPr/>
+          </p:nvPicPr>
+          <p:blipFill>
+            <a:blip r:embed="rId26">
+              <a:extLst>
+                <a:ext uri="{28A0092B-C50C-407E-A947-70E740481C1C}">
+                  <a14:useLocalDpi xmlns:a14="http://schemas.microsoft.com/office/drawing/2010/main" val="0"/>
+                </a:ext>
+              </a:extLst>
+            </a:blip>
+            <a:srcRect/>
+            <a:stretch>
+              <a:fillRect/>
+            </a:stretch>
+          </p:blipFill>
+          <p:spPr bwMode="auto">
+            <a:xfrm>
+              <a:off x="1593567" y="3570846"/>
+              <a:ext cx="548640" cy="548640"/>
+            </a:xfrm>
+            <a:prstGeom prst="rect">
+              <a:avLst/>
+            </a:prstGeom>
+            <a:noFill/>
+            <a:extLst>
+              <a:ext uri="{909E8E84-426E-40DD-AFC4-6F175D3DCCD1}">
+                <a14:hiddenFill xmlns:a14="http://schemas.microsoft.com/office/drawing/2010/main">
+                  <a:solidFill>
+                    <a:srgbClr val="FFFFFF"/>
+                  </a:solidFill>
+                </a14:hiddenFill>
+              </a:ext>
+            </a:extLst>
+          </p:spPr>
+        </p:pic>
+        <p:pic>
+          <p:nvPicPr>
+            <p:cNvPr id="1076" name="Picture 52" descr="Zero Trust Guide for Cloud-Native ...">
+              <a:extLst>
+                <a:ext uri="{FF2B5EF4-FFF2-40B4-BE49-F238E27FC236}">
+                  <a16:creationId xmlns:a16="http://schemas.microsoft.com/office/drawing/2014/main" id="{88AB5548-5A78-33A6-46E7-468700418FCB}"/>
+                </a:ext>
+              </a:extLst>
+            </p:cNvPr>
+            <p:cNvPicPr>
+              <a:picLocks noChangeAspect="1" noChangeArrowheads="1"/>
+            </p:cNvPicPr>
+            <p:nvPr/>
+          </p:nvPicPr>
+          <p:blipFill rotWithShape="1">
+            <a:blip r:embed="rId27">
+              <a:extLst>
+                <a:ext uri="{28A0092B-C50C-407E-A947-70E740481C1C}">
+                  <a14:useLocalDpi xmlns:a14="http://schemas.microsoft.com/office/drawing/2010/main" val="0"/>
+                </a:ext>
+              </a:extLst>
+            </a:blip>
+            <a:srcRect l="18873" r="18405"/>
+            <a:stretch/>
+          </p:blipFill>
+          <p:spPr bwMode="auto">
+            <a:xfrm>
+              <a:off x="9198651" y="3220432"/>
+              <a:ext cx="920228" cy="914400"/>
+            </a:xfrm>
+            <a:prstGeom prst="rect">
+              <a:avLst/>
+            </a:prstGeom>
+            <a:noFill/>
+            <a:extLst>
+              <a:ext uri="{909E8E84-426E-40DD-AFC4-6F175D3DCCD1}">
+                <a14:hiddenFill xmlns:a14="http://schemas.microsoft.com/office/drawing/2010/main">
+                  <a:solidFill>
+                    <a:srgbClr val="FFFFFF"/>
+                  </a:solidFill>
+                </a14:hiddenFill>
+              </a:ext>
+            </a:extLst>
+          </p:spPr>
+        </p:pic>
+      </p:grpSp>
+      <p:pic>
+        <p:nvPicPr>
+          <p:cNvPr id="3074" name="Picture 2" descr="Setup Compute Engine with Python ML Libraries | by Warrick ...">
+            <a:extLst>
+              <a:ext uri="{FF2B5EF4-FFF2-40B4-BE49-F238E27FC236}">
+                <a16:creationId xmlns:a16="http://schemas.microsoft.com/office/drawing/2014/main" id="{755359FC-85F8-76BD-DB69-57D7451C9143}"/>
+              </a:ext>
+            </a:extLst>
+          </p:cNvPr>
+          <p:cNvPicPr>
+            <a:picLocks noChangeAspect="1" noChangeArrowheads="1"/>
+          </p:cNvPicPr>
+          <p:nvPr/>
+        </p:nvPicPr>
+        <p:blipFill>
+          <a:blip r:embed="rId28">
+            <a:extLst>
+              <a:ext uri="{28A0092B-C50C-407E-A947-70E740481C1C}">
+                <a14:useLocalDpi xmlns:a14="http://schemas.microsoft.com/office/drawing/2010/main" val="0"/>
+              </a:ext>
+            </a:extLst>
+          </a:blip>
+          <a:srcRect/>
+          <a:stretch>
+            <a:fillRect/>
+          </a:stretch>
+        </p:blipFill>
+        <p:spPr bwMode="auto">
+          <a:xfrm>
+            <a:off x="11207491" y="5754909"/>
+            <a:ext cx="582930" cy="548640"/>
+          </a:xfrm>
+          <a:prstGeom prst="rect">
+            <a:avLst/>
+          </a:prstGeom>
+          <a:noFill/>
+          <a:ln w="76200">
+            <a:solidFill>
+              <a:srgbClr val="EF11A0"/>
+            </a:solidFill>
+          </a:ln>
+          <a:extLst>
+            <a:ext uri="{909E8E84-426E-40DD-AFC4-6F175D3DCCD1}">
+              <a14:hiddenFill xmlns:a14="http://schemas.microsoft.com/office/drawing/2010/main">
+                <a:solidFill>
+                  <a:srgbClr val="FFFFFF"/>
+                </a:solidFill>
+              </a14:hiddenFill>
+            </a:ext>
+          </a:extLst>
+        </p:spPr>
+      </p:pic>
+    </p:spTree>
+    <p:extLst>
+      <p:ext uri="{BB962C8B-B14F-4D97-AF65-F5344CB8AC3E}">
+        <p14:creationId xmlns:p14="http://schemas.microsoft.com/office/powerpoint/2010/main" val="1194091653"/>
+      </p:ext>
+    </p:extLst>
+  </p:cSld>
+  <p:clrMapOvr>
+    <a:masterClrMapping/>
+  </p:clrMapOvr>
+</p:sld>
+</file>
+
+<file path=ppt/slides/slide4.xml><?xml version="1.0" encoding="utf-8"?>
 <p:sld xmlns:a="http://schemas.openxmlformats.org/drawingml/2006/main" xmlns:r="http://schemas.openxmlformats.org/officeDocument/2006/relationships" xmlns:p="http://schemas.openxmlformats.org/presentationml/2006/main">
   <p:cSld>
     <p:spTree>
@@ -5361,7 +9831,7 @@
 </p:sld>
 </file>
 
-<file path=ppt/slides/slide3.xml><?xml version="1.0" encoding="utf-8"?>
+<file path=ppt/slides/slide5.xml><?xml version="1.0" encoding="utf-8"?>
 <p:sld xmlns:a="http://schemas.openxmlformats.org/drawingml/2006/main" xmlns:r="http://schemas.openxmlformats.org/officeDocument/2006/relationships" xmlns:p="http://schemas.openxmlformats.org/presentationml/2006/main">
   <p:cSld>
     <p:spTree>
